--- a/Otimizaçao_de_dados_para_bussiness_analytics/Machine Learning Infographics by Slidesgo.pptx
+++ b/Otimizaçao_de_dados_para_bussiness_analytics/Machine Learning Infographics by Slidesgo.pptx
@@ -5,7 +5,7 @@
     <p:sldMasterId id="2147483660" r:id="rId1"/>
   </p:sldMasterIdLst>
   <p:notesMasterIdLst>
-    <p:notesMasterId r:id="rId8"/>
+    <p:notesMasterId r:id="rId9"/>
   </p:notesMasterIdLst>
   <p:sldIdLst>
     <p:sldId id="256" r:id="rId2"/>
@@ -13,31 +13,32 @@
     <p:sldId id="259" r:id="rId4"/>
     <p:sldId id="264" r:id="rId5"/>
     <p:sldId id="260" r:id="rId6"/>
-    <p:sldId id="291" r:id="rId7"/>
+    <p:sldId id="292" r:id="rId7"/>
+    <p:sldId id="291" r:id="rId8"/>
   </p:sldIdLst>
   <p:sldSz cx="9144000" cy="5143500" type="screen16x9"/>
   <p:notesSz cx="6858000" cy="9144000"/>
   <p:embeddedFontLst>
     <p:embeddedFont>
       <p:font typeface="Fira Sans Extra Condensed" panose="020B0503050000020004" pitchFamily="34" charset="0"/>
-      <p:regular r:id="rId9"/>
-      <p:bold r:id="rId10"/>
-      <p:italic r:id="rId11"/>
-      <p:boldItalic r:id="rId12"/>
+      <p:regular r:id="rId10"/>
+      <p:bold r:id="rId11"/>
+      <p:italic r:id="rId12"/>
+      <p:boldItalic r:id="rId13"/>
     </p:embeddedFont>
     <p:embeddedFont>
       <p:font typeface="Fira Sans Extra Condensed SemiBold" panose="020B0604020202020204" charset="0"/>
-      <p:regular r:id="rId13"/>
-      <p:bold r:id="rId14"/>
-      <p:italic r:id="rId15"/>
-      <p:boldItalic r:id="rId16"/>
+      <p:regular r:id="rId14"/>
+      <p:bold r:id="rId15"/>
+      <p:italic r:id="rId16"/>
+      <p:boldItalic r:id="rId17"/>
     </p:embeddedFont>
     <p:embeddedFont>
       <p:font typeface="Roboto" panose="02000000000000000000" pitchFamily="2" charset="0"/>
-      <p:regular r:id="rId17"/>
-      <p:bold r:id="rId18"/>
-      <p:italic r:id="rId19"/>
-      <p:boldItalic r:id="rId20"/>
+      <p:regular r:id="rId18"/>
+      <p:bold r:id="rId19"/>
+      <p:italic r:id="rId20"/>
+      <p:boldItalic r:id="rId21"/>
     </p:embeddedFont>
   </p:embeddedFontLst>
   <p:defaultTextStyle>
@@ -44186,7 +44187,7 @@
         </p:nvGrpSpPr>
         <p:grpSpPr>
           <a:xfrm>
-            <a:off x="90924" y="4576881"/>
+            <a:off x="56136" y="4562538"/>
             <a:ext cx="2613020" cy="460654"/>
             <a:chOff x="3905279" y="1259840"/>
             <a:chExt cx="4905620" cy="650100"/>
@@ -49671,7 +49672,7 @@
         <p:spPr>
           <a:xfrm>
             <a:off x="1678539" y="1526288"/>
-            <a:ext cx="424807" cy="5513"/>
+            <a:ext cx="360635" cy="363"/>
           </a:xfrm>
           <a:prstGeom prst="straightConnector1">
             <a:avLst/>
@@ -49698,7 +49699,7 @@
         </p:nvGrpSpPr>
         <p:grpSpPr>
           <a:xfrm>
-            <a:off x="2103346" y="1216136"/>
+            <a:off x="2039174" y="1210986"/>
             <a:ext cx="6694738" cy="631329"/>
             <a:chOff x="973685" y="1339484"/>
             <a:chExt cx="7721572" cy="631329"/>
@@ -49755,7 +49756,7 @@
                   <a:ea typeface="Aptos" panose="020B0004020202020204" pitchFamily="34" charset="0"/>
                   <a:cs typeface="Times New Roman" panose="02020603050405020304" pitchFamily="18" charset="0"/>
                 </a:rPr>
-                <a:t>Compramos a ação sempre que o preço de fecho seja superior à </a:t>
+                <a:t>  	Compramos a ação sempre que o preço de fecho seja superior à </a:t>
               </a:r>
               <a:r>
                 <a:rPr lang="pt-PT" sz="1200" i="1" kern="100" dirty="0">
@@ -49873,10 +49874,10 @@
         </p:nvGrpSpPr>
         <p:grpSpPr>
           <a:xfrm>
-            <a:off x="2103347" y="2584795"/>
-            <a:ext cx="6964455" cy="533807"/>
-            <a:chOff x="6483001" y="2442312"/>
-            <a:chExt cx="5918293" cy="533807"/>
+            <a:off x="2025599" y="2505999"/>
+            <a:ext cx="6975488" cy="703851"/>
+            <a:chOff x="6473626" y="2342429"/>
+            <a:chExt cx="5927668" cy="703851"/>
           </a:xfrm>
         </p:grpSpPr>
         <p:sp>
@@ -49904,7 +49905,7 @@
             </a:bodyPr>
             <a:lstStyle/>
             <a:p>
-              <a:pPr marL="457200">
+              <a:pPr marL="457200" algn="ctr">
                 <a:lnSpc>
                   <a:spcPct val="115000"/>
                 </a:lnSpc>
@@ -49937,9 +49938,9 @@
             <p:nvPr/>
           </p:nvSpPr>
           <p:spPr>
-            <a:xfrm>
-              <a:off x="6483001" y="2442312"/>
-              <a:ext cx="46177" cy="533807"/>
+            <a:xfrm flipH="1">
+              <a:off x="6473626" y="2342429"/>
+              <a:ext cx="38851" cy="703851"/>
             </a:xfrm>
             <a:prstGeom prst="roundRect">
               <a:avLst>
@@ -49983,10 +49984,10 @@
         </p:nvGrpSpPr>
         <p:grpSpPr>
           <a:xfrm>
-            <a:off x="2111967" y="3824456"/>
-            <a:ext cx="6936003" cy="483000"/>
-            <a:chOff x="6490566" y="3617431"/>
-            <a:chExt cx="6087698" cy="483000"/>
+            <a:off x="2065083" y="3751454"/>
+            <a:ext cx="6936002" cy="649269"/>
+            <a:chOff x="6490567" y="3534296"/>
+            <a:chExt cx="6087697" cy="649269"/>
           </a:xfrm>
         </p:grpSpPr>
         <p:sp>
@@ -50084,8 +50085,8 @@
           </p:nvSpPr>
           <p:spPr>
             <a:xfrm>
-              <a:off x="6490566" y="3617431"/>
-              <a:ext cx="40127" cy="483000"/>
+              <a:off x="6490567" y="3534296"/>
+              <a:ext cx="40128" cy="649269"/>
             </a:xfrm>
             <a:prstGeom prst="roundRect">
               <a:avLst>
@@ -50130,9 +50131,9 @@
           <p:nvPr/>
         </p:nvCxnSpPr>
         <p:spPr>
-          <a:xfrm flipV="1">
-            <a:off x="1675434" y="2851699"/>
-            <a:ext cx="427913" cy="6226"/>
+          <a:xfrm>
+            <a:off x="1675434" y="2857925"/>
+            <a:ext cx="395884" cy="0"/>
           </a:xfrm>
           <a:prstGeom prst="straightConnector1">
             <a:avLst/>
@@ -50162,9 +50163,9 @@
           <p:nvPr/>
         </p:nvCxnSpPr>
         <p:spPr>
-          <a:xfrm flipV="1">
-            <a:off x="1675434" y="4065956"/>
-            <a:ext cx="436533" cy="3819"/>
+          <a:xfrm>
+            <a:off x="1675434" y="4069775"/>
+            <a:ext cx="389649" cy="6314"/>
           </a:xfrm>
           <a:prstGeom prst="straightConnector1">
             <a:avLst/>
@@ -50222,7 +50223,12 @@
             <p:ph type="title"/>
           </p:nvPr>
         </p:nvSpPr>
-        <p:spPr/>
+        <p:spPr>
+          <a:xfrm>
+            <a:off x="457200" y="231259"/>
+            <a:ext cx="8229600" cy="371400"/>
+          </a:xfrm>
+        </p:spPr>
         <p:txBody>
           <a:bodyPr>
             <a:normAutofit fontScale="90000"/>
@@ -51054,6 +51060,1459 @@
   <p:cSld>
     <p:spTree>
       <p:nvGrpSpPr>
+        <p:cNvPr id="1" name=""/>
+        <p:cNvGrpSpPr/>
+        <p:nvPr/>
+      </p:nvGrpSpPr>
+      <p:grpSpPr>
+        <a:xfrm>
+          <a:off x="0" y="0"/>
+          <a:ext cx="0" cy="0"/>
+          <a:chOff x="0" y="0"/>
+          <a:chExt cx="0" cy="0"/>
+        </a:xfrm>
+      </p:grpSpPr>
+      <p:sp>
+        <p:nvSpPr>
+          <p:cNvPr id="2" name="Título 1">
+            <a:extLst>
+              <a:ext uri="{FF2B5EF4-FFF2-40B4-BE49-F238E27FC236}">
+                <a16:creationId xmlns:a16="http://schemas.microsoft.com/office/drawing/2014/main" id="{36D645B3-0785-6728-97FE-8AFE97347775}"/>
+              </a:ext>
+            </a:extLst>
+          </p:cNvPr>
+          <p:cNvSpPr>
+            <a:spLocks noGrp="1"/>
+          </p:cNvSpPr>
+          <p:nvPr>
+            <p:ph type="title"/>
+          </p:nvPr>
+        </p:nvSpPr>
+        <p:spPr>
+          <a:xfrm>
+            <a:off x="457200" y="196729"/>
+            <a:ext cx="8229600" cy="371400"/>
+          </a:xfrm>
+        </p:spPr>
+        <p:txBody>
+          <a:bodyPr>
+            <a:normAutofit fontScale="90000"/>
+          </a:bodyPr>
+          <a:lstStyle/>
+          <a:p>
+            <a:r>
+              <a:rPr lang="pt-PT" dirty="0"/>
+              <a:t>Estratégia de decisão no modelo</a:t>
+            </a:r>
+          </a:p>
+        </p:txBody>
+      </p:sp>
+      <p:sp>
+        <p:nvSpPr>
+          <p:cNvPr id="5" name="Retângulo 4">
+            <a:extLst>
+              <a:ext uri="{FF2B5EF4-FFF2-40B4-BE49-F238E27FC236}">
+                <a16:creationId xmlns:a16="http://schemas.microsoft.com/office/drawing/2014/main" id="{0215206F-9B7B-1E42-4CDC-BB7650194815}"/>
+              </a:ext>
+            </a:extLst>
+          </p:cNvPr>
+          <p:cNvSpPr/>
+          <p:nvPr/>
+        </p:nvSpPr>
+        <p:spPr>
+          <a:xfrm>
+            <a:off x="3442854" y="647094"/>
+            <a:ext cx="1766455" cy="371400"/>
+          </a:xfrm>
+          <a:prstGeom prst="rect">
+            <a:avLst/>
+          </a:prstGeom>
+          <a:solidFill>
+            <a:schemeClr val="bg1"/>
+          </a:solidFill>
+          <a:ln>
+            <a:solidFill>
+              <a:schemeClr val="tx1"/>
+            </a:solidFill>
+          </a:ln>
+        </p:spPr>
+        <p:style>
+          <a:lnRef idx="2">
+            <a:schemeClr val="accent1">
+              <a:shade val="15000"/>
+            </a:schemeClr>
+          </a:lnRef>
+          <a:fillRef idx="1">
+            <a:schemeClr val="accent1"/>
+          </a:fillRef>
+          <a:effectRef idx="0">
+            <a:schemeClr val="accent1"/>
+          </a:effectRef>
+          <a:fontRef idx="minor">
+            <a:schemeClr val="lt1"/>
+          </a:fontRef>
+        </p:style>
+        <p:txBody>
+          <a:bodyPr rtlCol="0" anchor="ctr"/>
+          <a:lstStyle/>
+          <a:p>
+            <a:pPr algn="ctr"/>
+            <a:r>
+              <a:rPr lang="pt-PT" sz="900" dirty="0">
+                <a:solidFill>
+                  <a:schemeClr val="tx1"/>
+                </a:solidFill>
+              </a:rPr>
+              <a:t>Novo dia no </a:t>
+            </a:r>
+            <a:r>
+              <a:rPr lang="pt-PT" sz="800" dirty="0">
+                <a:solidFill>
+                  <a:schemeClr val="tx1"/>
+                </a:solidFill>
+              </a:rPr>
+              <a:t>mercado</a:t>
+            </a:r>
+            <a:r>
+              <a:rPr lang="pt-PT" sz="900" dirty="0">
+                <a:solidFill>
+                  <a:schemeClr val="tx1"/>
+                </a:solidFill>
+              </a:rPr>
+              <a:t> olhamos para o valor no fecho </a:t>
+            </a:r>
+          </a:p>
+        </p:txBody>
+      </p:sp>
+      <p:cxnSp>
+        <p:nvCxnSpPr>
+          <p:cNvPr id="7" name="Conexão reta unidirecional 6">
+            <a:extLst>
+              <a:ext uri="{FF2B5EF4-FFF2-40B4-BE49-F238E27FC236}">
+                <a16:creationId xmlns:a16="http://schemas.microsoft.com/office/drawing/2014/main" id="{6EABC265-B490-3C3D-A800-291EC8EA82DA}"/>
+              </a:ext>
+            </a:extLst>
+          </p:cNvPr>
+          <p:cNvCxnSpPr>
+            <a:cxnSpLocks/>
+            <a:stCxn id="5" idx="2"/>
+            <a:endCxn id="9" idx="0"/>
+          </p:cNvCxnSpPr>
+          <p:nvPr/>
+        </p:nvCxnSpPr>
+        <p:spPr>
+          <a:xfrm flipH="1">
+            <a:off x="4326081" y="1018494"/>
+            <a:ext cx="1" cy="140127"/>
+          </a:xfrm>
+          <a:prstGeom prst="straightConnector1">
+            <a:avLst/>
+          </a:prstGeom>
+          <a:ln>
+            <a:solidFill>
+              <a:schemeClr val="tx1"/>
+            </a:solidFill>
+            <a:tailEnd type="triangle"/>
+          </a:ln>
+        </p:spPr>
+        <p:style>
+          <a:lnRef idx="1">
+            <a:schemeClr val="accent1"/>
+          </a:lnRef>
+          <a:fillRef idx="0">
+            <a:schemeClr val="accent1"/>
+          </a:fillRef>
+          <a:effectRef idx="0">
+            <a:schemeClr val="accent1"/>
+          </a:effectRef>
+          <a:fontRef idx="minor">
+            <a:schemeClr val="tx1"/>
+          </a:fontRef>
+        </p:style>
+      </p:cxnSp>
+      <p:sp>
+        <p:nvSpPr>
+          <p:cNvPr id="9" name="Oval 8">
+            <a:extLst>
+              <a:ext uri="{FF2B5EF4-FFF2-40B4-BE49-F238E27FC236}">
+                <a16:creationId xmlns:a16="http://schemas.microsoft.com/office/drawing/2014/main" id="{24A144EF-E9EA-DAD4-5C11-AAC9AB8CAB12}"/>
+              </a:ext>
+            </a:extLst>
+          </p:cNvPr>
+          <p:cNvSpPr/>
+          <p:nvPr/>
+        </p:nvSpPr>
+        <p:spPr>
+          <a:xfrm>
+            <a:off x="3545034" y="1158621"/>
+            <a:ext cx="1562094" cy="677106"/>
+          </a:xfrm>
+          <a:prstGeom prst="ellipse">
+            <a:avLst/>
+          </a:prstGeom>
+          <a:solidFill>
+            <a:schemeClr val="bg1"/>
+          </a:solidFill>
+          <a:ln>
+            <a:solidFill>
+              <a:schemeClr val="tx1"/>
+            </a:solidFill>
+          </a:ln>
+        </p:spPr>
+        <p:style>
+          <a:lnRef idx="2">
+            <a:schemeClr val="accent1">
+              <a:shade val="15000"/>
+            </a:schemeClr>
+          </a:lnRef>
+          <a:fillRef idx="1">
+            <a:schemeClr val="accent1"/>
+          </a:fillRef>
+          <a:effectRef idx="0">
+            <a:schemeClr val="accent1"/>
+          </a:effectRef>
+          <a:fontRef idx="minor">
+            <a:schemeClr val="lt1"/>
+          </a:fontRef>
+        </p:style>
+        <p:txBody>
+          <a:bodyPr rtlCol="0" anchor="ctr"/>
+          <a:lstStyle/>
+          <a:p>
+            <a:pPr algn="ctr"/>
+            <a:r>
+              <a:rPr lang="pt-PT" sz="800" dirty="0">
+                <a:solidFill>
+                  <a:schemeClr val="tx1"/>
+                </a:solidFill>
+              </a:rPr>
+              <a:t>Verificamos se o randomizer produz um valor superior ao do épsilon</a:t>
+            </a:r>
+          </a:p>
+        </p:txBody>
+      </p:sp>
+      <p:sp>
+        <p:nvSpPr>
+          <p:cNvPr id="17" name="CaixaDeTexto 16">
+            <a:extLst>
+              <a:ext uri="{FF2B5EF4-FFF2-40B4-BE49-F238E27FC236}">
+                <a16:creationId xmlns:a16="http://schemas.microsoft.com/office/drawing/2014/main" id="{FE692625-E8E6-A78C-9D73-D6B7B89F15B9}"/>
+              </a:ext>
+            </a:extLst>
+          </p:cNvPr>
+          <p:cNvSpPr txBox="1"/>
+          <p:nvPr/>
+        </p:nvSpPr>
+        <p:spPr>
+          <a:xfrm>
+            <a:off x="2225395" y="1249325"/>
+            <a:ext cx="1319639" cy="215444"/>
+          </a:xfrm>
+          <a:prstGeom prst="rect">
+            <a:avLst/>
+          </a:prstGeom>
+          <a:noFill/>
+        </p:spPr>
+        <p:txBody>
+          <a:bodyPr wrap="square" rtlCol="0">
+            <a:spAutoFit/>
+          </a:bodyPr>
+          <a:lstStyle/>
+          <a:p>
+            <a:r>
+              <a:rPr lang="pt-PT" sz="800" dirty="0"/>
+              <a:t>Sim (exploitation)</a:t>
+            </a:r>
+          </a:p>
+        </p:txBody>
+      </p:sp>
+      <p:sp>
+        <p:nvSpPr>
+          <p:cNvPr id="18" name="CaixaDeTexto 17">
+            <a:extLst>
+              <a:ext uri="{FF2B5EF4-FFF2-40B4-BE49-F238E27FC236}">
+                <a16:creationId xmlns:a16="http://schemas.microsoft.com/office/drawing/2014/main" id="{CD142F4F-5F05-1D2F-24E6-F497C6462D25}"/>
+              </a:ext>
+            </a:extLst>
+          </p:cNvPr>
+          <p:cNvSpPr txBox="1"/>
+          <p:nvPr/>
+        </p:nvSpPr>
+        <p:spPr>
+          <a:xfrm>
+            <a:off x="5446577" y="1249325"/>
+            <a:ext cx="1319639" cy="215444"/>
+          </a:xfrm>
+          <a:prstGeom prst="rect">
+            <a:avLst/>
+          </a:prstGeom>
+          <a:noFill/>
+        </p:spPr>
+        <p:txBody>
+          <a:bodyPr wrap="square" rtlCol="0">
+            <a:spAutoFit/>
+          </a:bodyPr>
+          <a:lstStyle/>
+          <a:p>
+            <a:r>
+              <a:rPr lang="pt-PT" sz="800" dirty="0"/>
+              <a:t>Não (exploration)</a:t>
+            </a:r>
+          </a:p>
+        </p:txBody>
+      </p:sp>
+      <p:sp>
+        <p:nvSpPr>
+          <p:cNvPr id="19" name="Oval 18">
+            <a:extLst>
+              <a:ext uri="{FF2B5EF4-FFF2-40B4-BE49-F238E27FC236}">
+                <a16:creationId xmlns:a16="http://schemas.microsoft.com/office/drawing/2014/main" id="{A15F6D39-950F-6CCD-D617-5393B344BB6A}"/>
+              </a:ext>
+            </a:extLst>
+          </p:cNvPr>
+          <p:cNvSpPr/>
+          <p:nvPr/>
+        </p:nvSpPr>
+        <p:spPr>
+          <a:xfrm>
+            <a:off x="1139869" y="1598784"/>
+            <a:ext cx="1562094" cy="623617"/>
+          </a:xfrm>
+          <a:prstGeom prst="ellipse">
+            <a:avLst/>
+          </a:prstGeom>
+          <a:solidFill>
+            <a:schemeClr val="bg1"/>
+          </a:solidFill>
+          <a:ln>
+            <a:solidFill>
+              <a:schemeClr val="tx1"/>
+            </a:solidFill>
+          </a:ln>
+        </p:spPr>
+        <p:style>
+          <a:lnRef idx="2">
+            <a:schemeClr val="accent1">
+              <a:shade val="15000"/>
+            </a:schemeClr>
+          </a:lnRef>
+          <a:fillRef idx="1">
+            <a:schemeClr val="accent1"/>
+          </a:fillRef>
+          <a:effectRef idx="0">
+            <a:schemeClr val="accent1"/>
+          </a:effectRef>
+          <a:fontRef idx="minor">
+            <a:schemeClr val="lt1"/>
+          </a:fontRef>
+        </p:style>
+        <p:txBody>
+          <a:bodyPr rtlCol="0" anchor="ctr"/>
+          <a:lstStyle/>
+          <a:p>
+            <a:pPr algn="ctr"/>
+            <a:r>
+              <a:rPr lang="pt-PT" sz="800" dirty="0">
+                <a:solidFill>
+                  <a:schemeClr val="tx1"/>
+                </a:solidFill>
+              </a:rPr>
+              <a:t>Verificamos se o randomizer gera um valor superior ao da StrategyProb</a:t>
+            </a:r>
+          </a:p>
+        </p:txBody>
+      </p:sp>
+      <p:cxnSp>
+        <p:nvCxnSpPr>
+          <p:cNvPr id="22" name="Conexão: Ângulo Reto 21">
+            <a:extLst>
+              <a:ext uri="{FF2B5EF4-FFF2-40B4-BE49-F238E27FC236}">
+                <a16:creationId xmlns:a16="http://schemas.microsoft.com/office/drawing/2014/main" id="{2913F3C5-A4D0-8477-0287-80FCF85DE66B}"/>
+              </a:ext>
+            </a:extLst>
+          </p:cNvPr>
+          <p:cNvCxnSpPr>
+            <a:cxnSpLocks/>
+            <a:stCxn id="9" idx="2"/>
+            <a:endCxn id="19" idx="0"/>
+          </p:cNvCxnSpPr>
+          <p:nvPr/>
+        </p:nvCxnSpPr>
+        <p:spPr>
+          <a:xfrm rot="10800000" flipV="1">
+            <a:off x="1920916" y="1497174"/>
+            <a:ext cx="1624118" cy="101610"/>
+          </a:xfrm>
+          <a:prstGeom prst="bentConnector2">
+            <a:avLst/>
+          </a:prstGeom>
+          <a:ln>
+            <a:solidFill>
+              <a:schemeClr val="tx1"/>
+            </a:solidFill>
+            <a:tailEnd type="triangle"/>
+          </a:ln>
+        </p:spPr>
+        <p:style>
+          <a:lnRef idx="1">
+            <a:schemeClr val="accent1"/>
+          </a:lnRef>
+          <a:fillRef idx="0">
+            <a:schemeClr val="accent1"/>
+          </a:fillRef>
+          <a:effectRef idx="0">
+            <a:schemeClr val="accent1"/>
+          </a:effectRef>
+          <a:fontRef idx="minor">
+            <a:schemeClr val="tx1"/>
+          </a:fontRef>
+        </p:style>
+      </p:cxnSp>
+      <p:cxnSp>
+        <p:nvCxnSpPr>
+          <p:cNvPr id="24" name="Conexão: Ângulo Reto 23">
+            <a:extLst>
+              <a:ext uri="{FF2B5EF4-FFF2-40B4-BE49-F238E27FC236}">
+                <a16:creationId xmlns:a16="http://schemas.microsoft.com/office/drawing/2014/main" id="{C8C74CC6-A9F1-C98F-AF18-10B0E99CC07A}"/>
+              </a:ext>
+            </a:extLst>
+          </p:cNvPr>
+          <p:cNvCxnSpPr>
+            <a:cxnSpLocks/>
+            <a:stCxn id="9" idx="6"/>
+            <a:endCxn id="55" idx="0"/>
+          </p:cNvCxnSpPr>
+          <p:nvPr/>
+        </p:nvCxnSpPr>
+        <p:spPr>
+          <a:xfrm>
+            <a:off x="5107128" y="1497174"/>
+            <a:ext cx="2025803" cy="826838"/>
+          </a:xfrm>
+          <a:prstGeom prst="bentConnector2">
+            <a:avLst/>
+          </a:prstGeom>
+          <a:ln>
+            <a:solidFill>
+              <a:schemeClr val="tx1"/>
+            </a:solidFill>
+            <a:tailEnd type="triangle"/>
+          </a:ln>
+        </p:spPr>
+        <p:style>
+          <a:lnRef idx="1">
+            <a:schemeClr val="accent1"/>
+          </a:lnRef>
+          <a:fillRef idx="0">
+            <a:schemeClr val="accent1"/>
+          </a:fillRef>
+          <a:effectRef idx="0">
+            <a:schemeClr val="accent1"/>
+          </a:effectRef>
+          <a:fontRef idx="minor">
+            <a:schemeClr val="tx1"/>
+          </a:fontRef>
+        </p:style>
+      </p:cxnSp>
+      <p:cxnSp>
+        <p:nvCxnSpPr>
+          <p:cNvPr id="33" name="Conexão: Ângulo Reto 32">
+            <a:extLst>
+              <a:ext uri="{FF2B5EF4-FFF2-40B4-BE49-F238E27FC236}">
+                <a16:creationId xmlns:a16="http://schemas.microsoft.com/office/drawing/2014/main" id="{D2E692C3-4C99-B68F-6A71-B7E6D86120F3}"/>
+              </a:ext>
+            </a:extLst>
+          </p:cNvPr>
+          <p:cNvCxnSpPr>
+            <a:cxnSpLocks/>
+            <a:stCxn id="19" idx="2"/>
+            <a:endCxn id="40" idx="0"/>
+          </p:cNvCxnSpPr>
+          <p:nvPr/>
+        </p:nvCxnSpPr>
+        <p:spPr>
+          <a:xfrm rot="10800000" flipV="1">
+            <a:off x="684779" y="1910592"/>
+            <a:ext cx="455091" cy="414935"/>
+          </a:xfrm>
+          <a:prstGeom prst="bentConnector2">
+            <a:avLst/>
+          </a:prstGeom>
+          <a:ln>
+            <a:solidFill>
+              <a:schemeClr val="tx1"/>
+            </a:solidFill>
+            <a:tailEnd type="triangle"/>
+          </a:ln>
+        </p:spPr>
+        <p:style>
+          <a:lnRef idx="1">
+            <a:schemeClr val="accent1"/>
+          </a:lnRef>
+          <a:fillRef idx="0">
+            <a:schemeClr val="accent1"/>
+          </a:fillRef>
+          <a:effectRef idx="0">
+            <a:schemeClr val="accent1"/>
+          </a:effectRef>
+          <a:fontRef idx="minor">
+            <a:schemeClr val="tx1"/>
+          </a:fontRef>
+        </p:style>
+      </p:cxnSp>
+      <p:cxnSp>
+        <p:nvCxnSpPr>
+          <p:cNvPr id="37" name="Conexão: Ângulo Reto 36">
+            <a:extLst>
+              <a:ext uri="{FF2B5EF4-FFF2-40B4-BE49-F238E27FC236}">
+                <a16:creationId xmlns:a16="http://schemas.microsoft.com/office/drawing/2014/main" id="{3230C4A3-817E-B90B-9C24-5296A73314A0}"/>
+              </a:ext>
+            </a:extLst>
+          </p:cNvPr>
+          <p:cNvCxnSpPr>
+            <a:cxnSpLocks/>
+            <a:stCxn id="19" idx="6"/>
+            <a:endCxn id="45" idx="0"/>
+          </p:cNvCxnSpPr>
+          <p:nvPr/>
+        </p:nvCxnSpPr>
+        <p:spPr>
+          <a:xfrm>
+            <a:off x="2701963" y="1910593"/>
+            <a:ext cx="533752" cy="413420"/>
+          </a:xfrm>
+          <a:prstGeom prst="bentConnector2">
+            <a:avLst/>
+          </a:prstGeom>
+          <a:ln>
+            <a:solidFill>
+              <a:schemeClr val="tx1"/>
+            </a:solidFill>
+            <a:tailEnd type="triangle"/>
+          </a:ln>
+        </p:spPr>
+        <p:style>
+          <a:lnRef idx="1">
+            <a:schemeClr val="accent1"/>
+          </a:lnRef>
+          <a:fillRef idx="0">
+            <a:schemeClr val="accent1"/>
+          </a:fillRef>
+          <a:effectRef idx="0">
+            <a:schemeClr val="accent1"/>
+          </a:effectRef>
+          <a:fontRef idx="minor">
+            <a:schemeClr val="tx1"/>
+          </a:fontRef>
+        </p:style>
+      </p:cxnSp>
+      <p:sp>
+        <p:nvSpPr>
+          <p:cNvPr id="40" name="Retângulo 39">
+            <a:extLst>
+              <a:ext uri="{FF2B5EF4-FFF2-40B4-BE49-F238E27FC236}">
+                <a16:creationId xmlns:a16="http://schemas.microsoft.com/office/drawing/2014/main" id="{E9F3EAB9-680F-3F26-6998-3EF33ABCC189}"/>
+              </a:ext>
+            </a:extLst>
+          </p:cNvPr>
+          <p:cNvSpPr/>
+          <p:nvPr/>
+        </p:nvSpPr>
+        <p:spPr>
+          <a:xfrm>
+            <a:off x="91886" y="2325528"/>
+            <a:ext cx="1185783" cy="397582"/>
+          </a:xfrm>
+          <a:prstGeom prst="rect">
+            <a:avLst/>
+          </a:prstGeom>
+        </p:spPr>
+        <p:style>
+          <a:lnRef idx="2">
+            <a:schemeClr val="dk1"/>
+          </a:lnRef>
+          <a:fillRef idx="1">
+            <a:schemeClr val="lt1"/>
+          </a:fillRef>
+          <a:effectRef idx="0">
+            <a:schemeClr val="dk1"/>
+          </a:effectRef>
+          <a:fontRef idx="minor">
+            <a:schemeClr val="dk1"/>
+          </a:fontRef>
+        </p:style>
+        <p:txBody>
+          <a:bodyPr rtlCol="0" anchor="ctr"/>
+          <a:lstStyle/>
+          <a:p>
+            <a:pPr algn="ctr"/>
+            <a:r>
+              <a:rPr lang="pt-PT" sz="800" dirty="0"/>
+              <a:t>Consultar a Qtable</a:t>
+            </a:r>
+          </a:p>
+        </p:txBody>
+      </p:sp>
+      <p:sp>
+        <p:nvSpPr>
+          <p:cNvPr id="45" name="Retângulo 44">
+            <a:extLst>
+              <a:ext uri="{FF2B5EF4-FFF2-40B4-BE49-F238E27FC236}">
+                <a16:creationId xmlns:a16="http://schemas.microsoft.com/office/drawing/2014/main" id="{D31AEE12-BE90-C724-3AB0-EF21C420EEDD}"/>
+              </a:ext>
+            </a:extLst>
+          </p:cNvPr>
+          <p:cNvSpPr/>
+          <p:nvPr/>
+        </p:nvSpPr>
+        <p:spPr>
+          <a:xfrm>
+            <a:off x="2459164" y="2324013"/>
+            <a:ext cx="1553102" cy="399097"/>
+          </a:xfrm>
+          <a:prstGeom prst="rect">
+            <a:avLst/>
+          </a:prstGeom>
+        </p:spPr>
+        <p:style>
+          <a:lnRef idx="2">
+            <a:schemeClr val="dk1"/>
+          </a:lnRef>
+          <a:fillRef idx="1">
+            <a:schemeClr val="lt1"/>
+          </a:fillRef>
+          <a:effectRef idx="0">
+            <a:schemeClr val="dk1"/>
+          </a:effectRef>
+          <a:fontRef idx="minor">
+            <a:schemeClr val="dk1"/>
+          </a:fontRef>
+        </p:style>
+        <p:txBody>
+          <a:bodyPr rtlCol="0" anchor="ctr"/>
+          <a:lstStyle/>
+          <a:p>
+            <a:pPr algn="ctr"/>
+            <a:r>
+              <a:rPr lang="pt-PT" sz="800" dirty="0"/>
+              <a:t>Iremos consultar os indicadores para tomar uma decisão</a:t>
+            </a:r>
+          </a:p>
+        </p:txBody>
+      </p:sp>
+      <p:sp>
+        <p:nvSpPr>
+          <p:cNvPr id="55" name="Retângulo 54">
+            <a:extLst>
+              <a:ext uri="{FF2B5EF4-FFF2-40B4-BE49-F238E27FC236}">
+                <a16:creationId xmlns:a16="http://schemas.microsoft.com/office/drawing/2014/main" id="{12AD0C3A-14DF-FC44-0F48-5FD00FFE0193}"/>
+              </a:ext>
+            </a:extLst>
+          </p:cNvPr>
+          <p:cNvSpPr/>
+          <p:nvPr/>
+        </p:nvSpPr>
+        <p:spPr>
+          <a:xfrm>
+            <a:off x="6356380" y="2324012"/>
+            <a:ext cx="1553102" cy="399097"/>
+          </a:xfrm>
+          <a:prstGeom prst="rect">
+            <a:avLst/>
+          </a:prstGeom>
+        </p:spPr>
+        <p:style>
+          <a:lnRef idx="2">
+            <a:schemeClr val="dk1"/>
+          </a:lnRef>
+          <a:fillRef idx="1">
+            <a:schemeClr val="lt1"/>
+          </a:fillRef>
+          <a:effectRef idx="0">
+            <a:schemeClr val="dk1"/>
+          </a:effectRef>
+          <a:fontRef idx="minor">
+            <a:schemeClr val="dk1"/>
+          </a:fontRef>
+        </p:style>
+        <p:txBody>
+          <a:bodyPr rtlCol="0" anchor="ctr"/>
+          <a:lstStyle/>
+          <a:p>
+            <a:pPr algn="ctr"/>
+            <a:r>
+              <a:rPr lang="pt-PT" sz="800" dirty="0"/>
+              <a:t>Ação </a:t>
+            </a:r>
+            <a:r>
+              <a:rPr lang="pt-PT" sz="800" dirty="0" err="1"/>
+              <a:t>Random</a:t>
+            </a:r>
+            <a:endParaRPr lang="pt-PT" sz="800" dirty="0"/>
+          </a:p>
+        </p:txBody>
+      </p:sp>
+      <p:cxnSp>
+        <p:nvCxnSpPr>
+          <p:cNvPr id="64" name="Conexão: Ângulo Reto 63">
+            <a:extLst>
+              <a:ext uri="{FF2B5EF4-FFF2-40B4-BE49-F238E27FC236}">
+                <a16:creationId xmlns:a16="http://schemas.microsoft.com/office/drawing/2014/main" id="{D4DCCC77-1821-1161-A454-578DB02745A5}"/>
+              </a:ext>
+            </a:extLst>
+          </p:cNvPr>
+          <p:cNvCxnSpPr>
+            <a:cxnSpLocks/>
+            <a:stCxn id="45" idx="2"/>
+            <a:endCxn id="88" idx="0"/>
+          </p:cNvCxnSpPr>
+          <p:nvPr/>
+        </p:nvCxnSpPr>
+        <p:spPr>
+          <a:xfrm rot="16200000" flipH="1">
+            <a:off x="3671829" y="2286996"/>
+            <a:ext cx="218138" cy="1090366"/>
+          </a:xfrm>
+          <a:prstGeom prst="bentConnector3">
+            <a:avLst>
+              <a:gd name="adj1" fmla="val 50000"/>
+            </a:avLst>
+          </a:prstGeom>
+          <a:ln>
+            <a:solidFill>
+              <a:schemeClr val="tx1"/>
+            </a:solidFill>
+            <a:tailEnd type="triangle"/>
+          </a:ln>
+        </p:spPr>
+        <p:style>
+          <a:lnRef idx="1">
+            <a:schemeClr val="accent1"/>
+          </a:lnRef>
+          <a:fillRef idx="0">
+            <a:schemeClr val="accent1"/>
+          </a:fillRef>
+          <a:effectRef idx="0">
+            <a:schemeClr val="accent1"/>
+          </a:effectRef>
+          <a:fontRef idx="minor">
+            <a:schemeClr val="tx1"/>
+          </a:fontRef>
+        </p:style>
+      </p:cxnSp>
+      <p:cxnSp>
+        <p:nvCxnSpPr>
+          <p:cNvPr id="69" name="Conexão: Ângulo Reto 68">
+            <a:extLst>
+              <a:ext uri="{FF2B5EF4-FFF2-40B4-BE49-F238E27FC236}">
+                <a16:creationId xmlns:a16="http://schemas.microsoft.com/office/drawing/2014/main" id="{A0634C8B-7D22-4B22-D8A8-9CEEEAE987B6}"/>
+              </a:ext>
+            </a:extLst>
+          </p:cNvPr>
+          <p:cNvCxnSpPr>
+            <a:cxnSpLocks/>
+            <a:stCxn id="55" idx="2"/>
+            <a:endCxn id="88" idx="6"/>
+          </p:cNvCxnSpPr>
+          <p:nvPr/>
+        </p:nvCxnSpPr>
+        <p:spPr>
+          <a:xfrm rot="5400000">
+            <a:off x="5855056" y="1975182"/>
+            <a:ext cx="529948" cy="2025803"/>
+          </a:xfrm>
+          <a:prstGeom prst="bentConnector2">
+            <a:avLst/>
+          </a:prstGeom>
+          <a:ln>
+            <a:solidFill>
+              <a:schemeClr val="tx1"/>
+            </a:solidFill>
+            <a:tailEnd type="triangle"/>
+          </a:ln>
+        </p:spPr>
+        <p:style>
+          <a:lnRef idx="1">
+            <a:schemeClr val="accent1"/>
+          </a:lnRef>
+          <a:fillRef idx="0">
+            <a:schemeClr val="accent1"/>
+          </a:fillRef>
+          <a:effectRef idx="0">
+            <a:schemeClr val="accent1"/>
+          </a:effectRef>
+          <a:fontRef idx="minor">
+            <a:schemeClr val="tx1"/>
+          </a:fontRef>
+        </p:style>
+      </p:cxnSp>
+      <p:sp>
+        <p:nvSpPr>
+          <p:cNvPr id="88" name="Oval 87">
+            <a:extLst>
+              <a:ext uri="{FF2B5EF4-FFF2-40B4-BE49-F238E27FC236}">
+                <a16:creationId xmlns:a16="http://schemas.microsoft.com/office/drawing/2014/main" id="{1334CDD1-A784-318E-F65B-21CA88D69FCF}"/>
+              </a:ext>
+            </a:extLst>
+          </p:cNvPr>
+          <p:cNvSpPr/>
+          <p:nvPr/>
+        </p:nvSpPr>
+        <p:spPr>
+          <a:xfrm>
+            <a:off x="3545034" y="2941248"/>
+            <a:ext cx="1562094" cy="623617"/>
+          </a:xfrm>
+          <a:prstGeom prst="ellipse">
+            <a:avLst/>
+          </a:prstGeom>
+          <a:solidFill>
+            <a:schemeClr val="bg1"/>
+          </a:solidFill>
+          <a:ln>
+            <a:solidFill>
+              <a:schemeClr val="tx1"/>
+            </a:solidFill>
+          </a:ln>
+        </p:spPr>
+        <p:style>
+          <a:lnRef idx="2">
+            <a:schemeClr val="accent1">
+              <a:shade val="15000"/>
+            </a:schemeClr>
+          </a:lnRef>
+          <a:fillRef idx="1">
+            <a:schemeClr val="accent1"/>
+          </a:fillRef>
+          <a:effectRef idx="0">
+            <a:schemeClr val="accent1"/>
+          </a:effectRef>
+          <a:fontRef idx="minor">
+            <a:schemeClr val="lt1"/>
+          </a:fontRef>
+        </p:style>
+        <p:txBody>
+          <a:bodyPr rtlCol="0" anchor="ctr"/>
+          <a:lstStyle/>
+          <a:p>
+            <a:pPr algn="ctr"/>
+            <a:r>
+              <a:rPr lang="pt-PT" sz="800" dirty="0">
+                <a:solidFill>
+                  <a:schemeClr val="tx1"/>
+                </a:solidFill>
+              </a:rPr>
+              <a:t>Verificamos se o randomizer gera um valor superior ao da StrategyProb</a:t>
+            </a:r>
+          </a:p>
+        </p:txBody>
+      </p:sp>
+      <p:cxnSp>
+        <p:nvCxnSpPr>
+          <p:cNvPr id="103" name="Conexão: Ângulo Reto 102">
+            <a:extLst>
+              <a:ext uri="{FF2B5EF4-FFF2-40B4-BE49-F238E27FC236}">
+                <a16:creationId xmlns:a16="http://schemas.microsoft.com/office/drawing/2014/main" id="{3018E2BD-8026-6E0E-BD03-F1A0F0FCB676}"/>
+              </a:ext>
+            </a:extLst>
+          </p:cNvPr>
+          <p:cNvCxnSpPr>
+            <a:cxnSpLocks/>
+          </p:cNvCxnSpPr>
+          <p:nvPr/>
+        </p:nvCxnSpPr>
+        <p:spPr>
+          <a:xfrm rot="16200000" flipH="1">
+            <a:off x="1849933" y="1557955"/>
+            <a:ext cx="529947" cy="2860256"/>
+          </a:xfrm>
+          <a:prstGeom prst="bentConnector2">
+            <a:avLst/>
+          </a:prstGeom>
+          <a:ln>
+            <a:solidFill>
+              <a:schemeClr val="tx1"/>
+            </a:solidFill>
+            <a:tailEnd type="triangle"/>
+          </a:ln>
+        </p:spPr>
+        <p:style>
+          <a:lnRef idx="1">
+            <a:schemeClr val="accent1"/>
+          </a:lnRef>
+          <a:fillRef idx="0">
+            <a:schemeClr val="accent1"/>
+          </a:fillRef>
+          <a:effectRef idx="0">
+            <a:schemeClr val="accent1"/>
+          </a:effectRef>
+          <a:fontRef idx="minor">
+            <a:schemeClr val="tx1"/>
+          </a:fontRef>
+        </p:style>
+      </p:cxnSp>
+      <p:cxnSp>
+        <p:nvCxnSpPr>
+          <p:cNvPr id="104" name="Conexão: Ângulo Reto 103">
+            <a:extLst>
+              <a:ext uri="{FF2B5EF4-FFF2-40B4-BE49-F238E27FC236}">
+                <a16:creationId xmlns:a16="http://schemas.microsoft.com/office/drawing/2014/main" id="{97EFC9E6-AF9A-B991-6A56-66FC60F358BB}"/>
+              </a:ext>
+            </a:extLst>
+          </p:cNvPr>
+          <p:cNvCxnSpPr>
+            <a:cxnSpLocks/>
+            <a:stCxn id="88" idx="3"/>
+            <a:endCxn id="118" idx="3"/>
+          </p:cNvCxnSpPr>
+          <p:nvPr/>
+        </p:nvCxnSpPr>
+        <p:spPr>
+          <a:xfrm rot="5400000">
+            <a:off x="2389385" y="2361822"/>
+            <a:ext cx="272696" cy="2496129"/>
+          </a:xfrm>
+          <a:prstGeom prst="bentConnector2">
+            <a:avLst/>
+          </a:prstGeom>
+          <a:ln>
+            <a:solidFill>
+              <a:schemeClr val="tx1"/>
+            </a:solidFill>
+            <a:tailEnd type="triangle"/>
+          </a:ln>
+        </p:spPr>
+        <p:style>
+          <a:lnRef idx="1">
+            <a:schemeClr val="accent1"/>
+          </a:lnRef>
+          <a:fillRef idx="0">
+            <a:schemeClr val="accent1"/>
+          </a:fillRef>
+          <a:effectRef idx="0">
+            <a:schemeClr val="accent1"/>
+          </a:effectRef>
+          <a:fontRef idx="minor">
+            <a:schemeClr val="tx1"/>
+          </a:fontRef>
+        </p:style>
+      </p:cxnSp>
+      <p:cxnSp>
+        <p:nvCxnSpPr>
+          <p:cNvPr id="115" name="Conexão: Ângulo Reto 114">
+            <a:extLst>
+              <a:ext uri="{FF2B5EF4-FFF2-40B4-BE49-F238E27FC236}">
+                <a16:creationId xmlns:a16="http://schemas.microsoft.com/office/drawing/2014/main" id="{F2149A2B-E088-9D20-1AB7-796951B439E2}"/>
+              </a:ext>
+            </a:extLst>
+          </p:cNvPr>
+          <p:cNvCxnSpPr>
+            <a:cxnSpLocks/>
+            <a:stCxn id="88" idx="5"/>
+            <a:endCxn id="121" idx="1"/>
+          </p:cNvCxnSpPr>
+          <p:nvPr/>
+        </p:nvCxnSpPr>
+        <p:spPr>
+          <a:xfrm rot="16200000" flipH="1">
+            <a:off x="5571602" y="2780301"/>
+            <a:ext cx="275200" cy="1661674"/>
+          </a:xfrm>
+          <a:prstGeom prst="bentConnector2">
+            <a:avLst/>
+          </a:prstGeom>
+          <a:ln>
+            <a:solidFill>
+              <a:schemeClr val="tx1"/>
+            </a:solidFill>
+            <a:tailEnd type="triangle"/>
+          </a:ln>
+        </p:spPr>
+        <p:style>
+          <a:lnRef idx="1">
+            <a:schemeClr val="accent1"/>
+          </a:lnRef>
+          <a:fillRef idx="0">
+            <a:schemeClr val="accent1"/>
+          </a:fillRef>
+          <a:effectRef idx="0">
+            <a:schemeClr val="accent1"/>
+          </a:effectRef>
+          <a:fontRef idx="minor">
+            <a:schemeClr val="tx1"/>
+          </a:fontRef>
+        </p:style>
+      </p:cxnSp>
+      <p:sp>
+        <p:nvSpPr>
+          <p:cNvPr id="118" name="Retângulo 117">
+            <a:extLst>
+              <a:ext uri="{FF2B5EF4-FFF2-40B4-BE49-F238E27FC236}">
+                <a16:creationId xmlns:a16="http://schemas.microsoft.com/office/drawing/2014/main" id="{F333372A-0B1C-987E-4701-F1753DEEF7D3}"/>
+              </a:ext>
+            </a:extLst>
+          </p:cNvPr>
+          <p:cNvSpPr/>
+          <p:nvPr/>
+        </p:nvSpPr>
+        <p:spPr>
+          <a:xfrm>
+            <a:off x="91885" y="3547443"/>
+            <a:ext cx="1185783" cy="397582"/>
+          </a:xfrm>
+          <a:prstGeom prst="rect">
+            <a:avLst/>
+          </a:prstGeom>
+        </p:spPr>
+        <p:style>
+          <a:lnRef idx="2">
+            <a:schemeClr val="dk1"/>
+          </a:lnRef>
+          <a:fillRef idx="1">
+            <a:schemeClr val="lt1"/>
+          </a:fillRef>
+          <a:effectRef idx="0">
+            <a:schemeClr val="dk1"/>
+          </a:effectRef>
+          <a:fontRef idx="minor">
+            <a:schemeClr val="dk1"/>
+          </a:fontRef>
+        </p:style>
+        <p:txBody>
+          <a:bodyPr rtlCol="0" anchor="ctr"/>
+          <a:lstStyle/>
+          <a:p>
+            <a:pPr algn="ctr"/>
+            <a:r>
+              <a:rPr lang="pt-PT" sz="800" dirty="0"/>
+              <a:t>Comprar ou vender a ação</a:t>
+            </a:r>
+          </a:p>
+        </p:txBody>
+      </p:sp>
+      <p:sp>
+        <p:nvSpPr>
+          <p:cNvPr id="121" name="Retângulo 120">
+            <a:extLst>
+              <a:ext uri="{FF2B5EF4-FFF2-40B4-BE49-F238E27FC236}">
+                <a16:creationId xmlns:a16="http://schemas.microsoft.com/office/drawing/2014/main" id="{8C7CDE45-E53E-68B8-727F-8F0F15E23B49}"/>
+              </a:ext>
+            </a:extLst>
+          </p:cNvPr>
+          <p:cNvSpPr/>
+          <p:nvPr/>
+        </p:nvSpPr>
+        <p:spPr>
+          <a:xfrm>
+            <a:off x="6540039" y="3549947"/>
+            <a:ext cx="1185783" cy="397582"/>
+          </a:xfrm>
+          <a:prstGeom prst="rect">
+            <a:avLst/>
+          </a:prstGeom>
+        </p:spPr>
+        <p:style>
+          <a:lnRef idx="2">
+            <a:schemeClr val="dk1"/>
+          </a:lnRef>
+          <a:fillRef idx="1">
+            <a:schemeClr val="lt1"/>
+          </a:fillRef>
+          <a:effectRef idx="0">
+            <a:schemeClr val="dk1"/>
+          </a:effectRef>
+          <a:fontRef idx="minor">
+            <a:schemeClr val="dk1"/>
+          </a:fontRef>
+        </p:style>
+        <p:txBody>
+          <a:bodyPr rtlCol="0" anchor="ctr"/>
+          <a:lstStyle/>
+          <a:p>
+            <a:pPr algn="ctr"/>
+            <a:r>
+              <a:rPr lang="pt-PT" sz="800" dirty="0"/>
+              <a:t>Manter a ação</a:t>
+            </a:r>
+          </a:p>
+        </p:txBody>
+      </p:sp>
+      <p:sp>
+        <p:nvSpPr>
+          <p:cNvPr id="125" name="Retângulo 124">
+            <a:extLst>
+              <a:ext uri="{FF2B5EF4-FFF2-40B4-BE49-F238E27FC236}">
+                <a16:creationId xmlns:a16="http://schemas.microsoft.com/office/drawing/2014/main" id="{AA564A47-9458-AF72-F940-8FB1E2E0116B}"/>
+              </a:ext>
+            </a:extLst>
+          </p:cNvPr>
+          <p:cNvSpPr/>
+          <p:nvPr/>
+        </p:nvSpPr>
+        <p:spPr>
+          <a:xfrm>
+            <a:off x="91886" y="4239410"/>
+            <a:ext cx="1185782" cy="542139"/>
+          </a:xfrm>
+          <a:prstGeom prst="rect">
+            <a:avLst/>
+          </a:prstGeom>
+        </p:spPr>
+        <p:style>
+          <a:lnRef idx="2">
+            <a:schemeClr val="dk1"/>
+          </a:lnRef>
+          <a:fillRef idx="1">
+            <a:schemeClr val="lt1"/>
+          </a:fillRef>
+          <a:effectRef idx="0">
+            <a:schemeClr val="dk1"/>
+          </a:effectRef>
+          <a:fontRef idx="minor">
+            <a:schemeClr val="dk1"/>
+          </a:fontRef>
+        </p:style>
+        <p:txBody>
+          <a:bodyPr rtlCol="0" anchor="ctr"/>
+          <a:lstStyle/>
+          <a:p>
+            <a:pPr algn="ctr"/>
+            <a:r>
+              <a:rPr lang="pt-PT" sz="800" dirty="0"/>
+              <a:t>Calculamos a reward com base no desenvolvimento do asset</a:t>
+            </a:r>
+          </a:p>
+        </p:txBody>
+      </p:sp>
+      <p:cxnSp>
+        <p:nvCxnSpPr>
+          <p:cNvPr id="128" name="Conexão reta unidirecional 127">
+            <a:extLst>
+              <a:ext uri="{FF2B5EF4-FFF2-40B4-BE49-F238E27FC236}">
+                <a16:creationId xmlns:a16="http://schemas.microsoft.com/office/drawing/2014/main" id="{397AADB2-C848-AD89-EED3-FBB7144714F4}"/>
+              </a:ext>
+            </a:extLst>
+          </p:cNvPr>
+          <p:cNvCxnSpPr>
+            <a:cxnSpLocks/>
+            <a:stCxn id="118" idx="2"/>
+            <a:endCxn id="125" idx="0"/>
+          </p:cNvCxnSpPr>
+          <p:nvPr/>
+        </p:nvCxnSpPr>
+        <p:spPr>
+          <a:xfrm>
+            <a:off x="684777" y="3945025"/>
+            <a:ext cx="0" cy="294385"/>
+          </a:xfrm>
+          <a:prstGeom prst="straightConnector1">
+            <a:avLst/>
+          </a:prstGeom>
+          <a:ln>
+            <a:tailEnd type="triangle"/>
+          </a:ln>
+        </p:spPr>
+        <p:style>
+          <a:lnRef idx="1">
+            <a:schemeClr val="dk1"/>
+          </a:lnRef>
+          <a:fillRef idx="0">
+            <a:schemeClr val="dk1"/>
+          </a:fillRef>
+          <a:effectRef idx="0">
+            <a:schemeClr val="dk1"/>
+          </a:effectRef>
+          <a:fontRef idx="minor">
+            <a:schemeClr val="tx1"/>
+          </a:fontRef>
+        </p:style>
+      </p:cxnSp>
+      <p:cxnSp>
+        <p:nvCxnSpPr>
+          <p:cNvPr id="130" name="Conexão reta unidirecional 129">
+            <a:extLst>
+              <a:ext uri="{FF2B5EF4-FFF2-40B4-BE49-F238E27FC236}">
+                <a16:creationId xmlns:a16="http://schemas.microsoft.com/office/drawing/2014/main" id="{E23EE131-4463-39B1-3C70-DAB243DE6FC4}"/>
+              </a:ext>
+            </a:extLst>
+          </p:cNvPr>
+          <p:cNvCxnSpPr>
+            <a:cxnSpLocks/>
+            <a:stCxn id="121" idx="2"/>
+            <a:endCxn id="132" idx="0"/>
+          </p:cNvCxnSpPr>
+          <p:nvPr/>
+        </p:nvCxnSpPr>
+        <p:spPr>
+          <a:xfrm flipH="1">
+            <a:off x="7132930" y="3947529"/>
+            <a:ext cx="1" cy="297674"/>
+          </a:xfrm>
+          <a:prstGeom prst="straightConnector1">
+            <a:avLst/>
+          </a:prstGeom>
+          <a:ln>
+            <a:tailEnd type="triangle"/>
+          </a:ln>
+        </p:spPr>
+        <p:style>
+          <a:lnRef idx="1">
+            <a:schemeClr val="dk1"/>
+          </a:lnRef>
+          <a:fillRef idx="0">
+            <a:schemeClr val="dk1"/>
+          </a:fillRef>
+          <a:effectRef idx="0">
+            <a:schemeClr val="dk1"/>
+          </a:effectRef>
+          <a:fontRef idx="minor">
+            <a:schemeClr val="tx1"/>
+          </a:fontRef>
+        </p:style>
+      </p:cxnSp>
+      <p:sp>
+        <p:nvSpPr>
+          <p:cNvPr id="132" name="Retângulo 131">
+            <a:extLst>
+              <a:ext uri="{FF2B5EF4-FFF2-40B4-BE49-F238E27FC236}">
+                <a16:creationId xmlns:a16="http://schemas.microsoft.com/office/drawing/2014/main" id="{5DE5C8D7-970E-EA09-6E14-E4FE3F677D63}"/>
+              </a:ext>
+            </a:extLst>
+          </p:cNvPr>
+          <p:cNvSpPr/>
+          <p:nvPr/>
+        </p:nvSpPr>
+        <p:spPr>
+          <a:xfrm>
+            <a:off x="6540039" y="4245203"/>
+            <a:ext cx="1185782" cy="542139"/>
+          </a:xfrm>
+          <a:prstGeom prst="rect">
+            <a:avLst/>
+          </a:prstGeom>
+        </p:spPr>
+        <p:style>
+          <a:lnRef idx="2">
+            <a:schemeClr val="dk1"/>
+          </a:lnRef>
+          <a:fillRef idx="1">
+            <a:schemeClr val="lt1"/>
+          </a:fillRef>
+          <a:effectRef idx="0">
+            <a:schemeClr val="dk1"/>
+          </a:effectRef>
+          <a:fontRef idx="minor">
+            <a:schemeClr val="dk1"/>
+          </a:fontRef>
+        </p:style>
+        <p:txBody>
+          <a:bodyPr rtlCol="0" anchor="ctr"/>
+          <a:lstStyle/>
+          <a:p>
+            <a:pPr algn="ctr"/>
+            <a:r>
+              <a:rPr lang="pt-PT" sz="800" dirty="0"/>
+              <a:t>Calculamos a reward com base no desenvolvimento do mercado</a:t>
+            </a:r>
+          </a:p>
+        </p:txBody>
+      </p:sp>
+      <p:cxnSp>
+        <p:nvCxnSpPr>
+          <p:cNvPr id="141" name="Conexão: Ângulo Reto 140">
+            <a:extLst>
+              <a:ext uri="{FF2B5EF4-FFF2-40B4-BE49-F238E27FC236}">
+                <a16:creationId xmlns:a16="http://schemas.microsoft.com/office/drawing/2014/main" id="{4405149E-FE30-B00C-7193-3D12D1FD953E}"/>
+              </a:ext>
+            </a:extLst>
+          </p:cNvPr>
+          <p:cNvCxnSpPr>
+            <a:cxnSpLocks/>
+            <a:stCxn id="125" idx="3"/>
+            <a:endCxn id="154" idx="1"/>
+          </p:cNvCxnSpPr>
+          <p:nvPr/>
+        </p:nvCxnSpPr>
+        <p:spPr>
+          <a:xfrm>
+            <a:off x="1277668" y="4510480"/>
+            <a:ext cx="2455521" cy="159906"/>
+          </a:xfrm>
+          <a:prstGeom prst="bentConnector3">
+            <a:avLst/>
+          </a:prstGeom>
+          <a:ln>
+            <a:tailEnd type="triangle"/>
+          </a:ln>
+        </p:spPr>
+        <p:style>
+          <a:lnRef idx="1">
+            <a:schemeClr val="dk1"/>
+          </a:lnRef>
+          <a:fillRef idx="0">
+            <a:schemeClr val="dk1"/>
+          </a:fillRef>
+          <a:effectRef idx="0">
+            <a:schemeClr val="dk1"/>
+          </a:effectRef>
+          <a:fontRef idx="minor">
+            <a:schemeClr val="tx1"/>
+          </a:fontRef>
+        </p:style>
+      </p:cxnSp>
+      <p:cxnSp>
+        <p:nvCxnSpPr>
+          <p:cNvPr id="146" name="Conexão: Ângulo Reto 145">
+            <a:extLst>
+              <a:ext uri="{FF2B5EF4-FFF2-40B4-BE49-F238E27FC236}">
+                <a16:creationId xmlns:a16="http://schemas.microsoft.com/office/drawing/2014/main" id="{BCDD6760-19B0-34B3-9CF4-5211A03FE87A}"/>
+              </a:ext>
+            </a:extLst>
+          </p:cNvPr>
+          <p:cNvCxnSpPr>
+            <a:cxnSpLocks/>
+            <a:stCxn id="132" idx="1"/>
+            <a:endCxn id="154" idx="3"/>
+          </p:cNvCxnSpPr>
+          <p:nvPr/>
+        </p:nvCxnSpPr>
+        <p:spPr>
+          <a:xfrm rot="10800000" flipV="1">
+            <a:off x="4918973" y="4516272"/>
+            <a:ext cx="1621067" cy="154113"/>
+          </a:xfrm>
+          <a:prstGeom prst="bentConnector3">
+            <a:avLst/>
+          </a:prstGeom>
+          <a:ln>
+            <a:tailEnd type="triangle"/>
+          </a:ln>
+        </p:spPr>
+        <p:style>
+          <a:lnRef idx="1">
+            <a:schemeClr val="dk1"/>
+          </a:lnRef>
+          <a:fillRef idx="0">
+            <a:schemeClr val="dk1"/>
+          </a:fillRef>
+          <a:effectRef idx="0">
+            <a:schemeClr val="dk1"/>
+          </a:effectRef>
+          <a:fontRef idx="minor">
+            <a:schemeClr val="tx1"/>
+          </a:fontRef>
+        </p:style>
+      </p:cxnSp>
+      <p:sp>
+        <p:nvSpPr>
+          <p:cNvPr id="154" name="Retângulo 153">
+            <a:extLst>
+              <a:ext uri="{FF2B5EF4-FFF2-40B4-BE49-F238E27FC236}">
+                <a16:creationId xmlns:a16="http://schemas.microsoft.com/office/drawing/2014/main" id="{49A1304E-5F86-4624-E63C-71ACFAA515FC}"/>
+              </a:ext>
+            </a:extLst>
+          </p:cNvPr>
+          <p:cNvSpPr/>
+          <p:nvPr/>
+        </p:nvSpPr>
+        <p:spPr>
+          <a:xfrm>
+            <a:off x="3733189" y="4475647"/>
+            <a:ext cx="1185783" cy="389478"/>
+          </a:xfrm>
+          <a:prstGeom prst="rect">
+            <a:avLst/>
+          </a:prstGeom>
+        </p:spPr>
+        <p:style>
+          <a:lnRef idx="2">
+            <a:schemeClr val="dk1"/>
+          </a:lnRef>
+          <a:fillRef idx="1">
+            <a:schemeClr val="lt1"/>
+          </a:fillRef>
+          <a:effectRef idx="0">
+            <a:schemeClr val="dk1"/>
+          </a:effectRef>
+          <a:fontRef idx="minor">
+            <a:schemeClr val="dk1"/>
+          </a:fontRef>
+        </p:style>
+        <p:txBody>
+          <a:bodyPr rtlCol="0" anchor="ctr"/>
+          <a:lstStyle/>
+          <a:p>
+            <a:pPr algn="ctr"/>
+            <a:r>
+              <a:rPr lang="pt-PT" sz="800" dirty="0"/>
+              <a:t>Atualizar a Q-Table</a:t>
+            </a:r>
+          </a:p>
+        </p:txBody>
+      </p:sp>
+      <p:cxnSp>
+        <p:nvCxnSpPr>
+          <p:cNvPr id="168" name="Conexão: Ângulo Reto 167">
+            <a:extLst>
+              <a:ext uri="{FF2B5EF4-FFF2-40B4-BE49-F238E27FC236}">
+                <a16:creationId xmlns:a16="http://schemas.microsoft.com/office/drawing/2014/main" id="{A9FF0C5B-D11F-C907-C53F-34E5BB73D6BE}"/>
+              </a:ext>
+            </a:extLst>
+          </p:cNvPr>
+          <p:cNvCxnSpPr>
+            <a:stCxn id="154" idx="2"/>
+            <a:endCxn id="5" idx="3"/>
+          </p:cNvCxnSpPr>
+          <p:nvPr/>
+        </p:nvCxnSpPr>
+        <p:spPr>
+          <a:xfrm rot="5400000" flipH="1" flipV="1">
+            <a:off x="2751529" y="2407346"/>
+            <a:ext cx="4032331" cy="883228"/>
+          </a:xfrm>
+          <a:prstGeom prst="bentConnector4">
+            <a:avLst>
+              <a:gd name="adj1" fmla="val -4015"/>
+              <a:gd name="adj2" fmla="val 470980"/>
+            </a:avLst>
+          </a:prstGeom>
+          <a:ln>
+            <a:tailEnd type="triangle"/>
+          </a:ln>
+        </p:spPr>
+        <p:style>
+          <a:lnRef idx="1">
+            <a:schemeClr val="dk1"/>
+          </a:lnRef>
+          <a:fillRef idx="0">
+            <a:schemeClr val="dk1"/>
+          </a:fillRef>
+          <a:effectRef idx="0">
+            <a:schemeClr val="dk1"/>
+          </a:effectRef>
+          <a:fontRef idx="minor">
+            <a:schemeClr val="tx1"/>
+          </a:fontRef>
+        </p:style>
+      </p:cxnSp>
+    </p:spTree>
+    <p:extLst>
+      <p:ext uri="{BB962C8B-B14F-4D97-AF65-F5344CB8AC3E}">
+        <p14:creationId xmlns:p14="http://schemas.microsoft.com/office/powerpoint/2010/main" val="657393517"/>
+      </p:ext>
+    </p:extLst>
+  </p:cSld>
+  <p:clrMapOvr>
+    <a:masterClrMapping/>
+  </p:clrMapOvr>
+</p:sld>
+</file>
+
+<file path=ppt/slides/slide7.xml><?xml version="1.0" encoding="utf-8"?>
+<p:sld xmlns:a="http://schemas.openxmlformats.org/drawingml/2006/main" xmlns:r="http://schemas.openxmlformats.org/officeDocument/2006/relationships" xmlns:p="http://schemas.openxmlformats.org/presentationml/2006/main">
+  <p:cSld>
+    <p:spTree>
+      <p:nvGrpSpPr>
         <p:cNvPr id="1" name="Shape 449">
           <a:extLst>
             <a:ext uri="{FF2B5EF4-FFF2-40B4-BE49-F238E27FC236}">
@@ -51088,7 +52547,12 @@
             <p:ph type="title"/>
           </p:nvPr>
         </p:nvSpPr>
-        <p:spPr/>
+        <p:spPr>
+          <a:xfrm>
+            <a:off x="457200" y="282265"/>
+            <a:ext cx="8229600" cy="371400"/>
+          </a:xfrm>
+        </p:spPr>
         <p:txBody>
           <a:bodyPr>
             <a:normAutofit fontScale="90000"/>
@@ -51096,12 +52560,8 @@
           <a:lstStyle/>
           <a:p>
             <a:r>
-              <a:rPr lang="en-US" dirty="0" err="1"/>
-              <a:t>Modelo</a:t>
-            </a:r>
-            <a:r>
               <a:rPr lang="en-US" dirty="0"/>
-              <a:t> Reinforcement learning</a:t>
+              <a:t>Modelo Reinforcement learning</a:t>
             </a:r>
           </a:p>
         </p:txBody>
@@ -51639,36 +53099,6 @@
           </p:txBody>
         </p:sp>
       </p:grpSp>
-      <p:pic>
-        <p:nvPicPr>
-          <p:cNvPr id="19" name="Imagem 18">
-            <a:extLst>
-              <a:ext uri="{FF2B5EF4-FFF2-40B4-BE49-F238E27FC236}">
-                <a16:creationId xmlns:a16="http://schemas.microsoft.com/office/drawing/2014/main" id="{06CF3213-99C7-D59D-6B05-9A5845576D1E}"/>
-              </a:ext>
-            </a:extLst>
-          </p:cNvPr>
-          <p:cNvPicPr>
-            <a:picLocks noChangeAspect="1"/>
-          </p:cNvPicPr>
-          <p:nvPr/>
-        </p:nvPicPr>
-        <p:blipFill>
-          <a:blip r:embed="rId3"/>
-          <a:stretch>
-            <a:fillRect/>
-          </a:stretch>
-        </p:blipFill>
-        <p:spPr>
-          <a:xfrm>
-            <a:off x="55418" y="817831"/>
-            <a:ext cx="5270474" cy="3310078"/>
-          </a:xfrm>
-          <a:prstGeom prst="rect">
-            <a:avLst/>
-          </a:prstGeom>
-        </p:spPr>
-      </p:pic>
       <p:sp>
         <p:nvSpPr>
           <p:cNvPr id="2" name="CaixaDeTexto 1">
@@ -51704,6 +53134,36 @@
           </a:p>
         </p:txBody>
       </p:sp>
+      <p:pic>
+        <p:nvPicPr>
+          <p:cNvPr id="20" name="Imagem 19">
+            <a:extLst>
+              <a:ext uri="{FF2B5EF4-FFF2-40B4-BE49-F238E27FC236}">
+                <a16:creationId xmlns:a16="http://schemas.microsoft.com/office/drawing/2014/main" id="{D1646DC8-7E18-1F98-3CEF-E51E9FBB0D77}"/>
+              </a:ext>
+            </a:extLst>
+          </p:cNvPr>
+          <p:cNvPicPr>
+            <a:picLocks noChangeAspect="1"/>
+          </p:cNvPicPr>
+          <p:nvPr/>
+        </p:nvPicPr>
+        <p:blipFill>
+          <a:blip r:embed="rId3"/>
+          <a:stretch>
+            <a:fillRect/>
+          </a:stretch>
+        </p:blipFill>
+        <p:spPr>
+          <a:xfrm>
+            <a:off x="0" y="618711"/>
+            <a:ext cx="5457518" cy="3423582"/>
+          </a:xfrm>
+          <a:prstGeom prst="rect">
+            <a:avLst/>
+          </a:prstGeom>
+        </p:spPr>
+      </p:pic>
     </p:spTree>
     <p:extLst>
       <p:ext uri="{BB962C8B-B14F-4D97-AF65-F5344CB8AC3E}">

--- a/Otimizaçao_de_dados_para_bussiness_analytics/Machine Learning Infographics by Slidesgo.pptx
+++ b/Otimizaçao_de_dados_para_bussiness_analytics/Machine Learning Infographics by Slidesgo.pptx
@@ -13,32 +13,36 @@
     <p:sldId id="259" r:id="rId4"/>
     <p:sldId id="264" r:id="rId5"/>
     <p:sldId id="260" r:id="rId6"/>
-    <p:sldId id="292" r:id="rId7"/>
-    <p:sldId id="291" r:id="rId8"/>
+    <p:sldId id="291" r:id="rId7"/>
+    <p:sldId id="292" r:id="rId8"/>
   </p:sldIdLst>
   <p:sldSz cx="9144000" cy="5143500" type="screen16x9"/>
   <p:notesSz cx="6858000" cy="9144000"/>
   <p:embeddedFontLst>
     <p:embeddedFont>
+      <p:font typeface="Cambria Math" panose="02040503050406030204" pitchFamily="18" charset="0"/>
+      <p:regular r:id="rId10"/>
+    </p:embeddedFont>
+    <p:embeddedFont>
       <p:font typeface="Fira Sans Extra Condensed" panose="020B0503050000020004" pitchFamily="34" charset="0"/>
-      <p:regular r:id="rId10"/>
-      <p:bold r:id="rId11"/>
-      <p:italic r:id="rId12"/>
-      <p:boldItalic r:id="rId13"/>
+      <p:regular r:id="rId11"/>
+      <p:bold r:id="rId12"/>
+      <p:italic r:id="rId13"/>
+      <p:boldItalic r:id="rId14"/>
     </p:embeddedFont>
     <p:embeddedFont>
       <p:font typeface="Fira Sans Extra Condensed SemiBold" panose="020B0604020202020204" charset="0"/>
-      <p:regular r:id="rId14"/>
-      <p:bold r:id="rId15"/>
-      <p:italic r:id="rId16"/>
-      <p:boldItalic r:id="rId17"/>
+      <p:regular r:id="rId15"/>
+      <p:bold r:id="rId16"/>
+      <p:italic r:id="rId17"/>
+      <p:boldItalic r:id="rId18"/>
     </p:embeddedFont>
     <p:embeddedFont>
       <p:font typeface="Roboto" panose="02000000000000000000" pitchFamily="2" charset="0"/>
-      <p:regular r:id="rId18"/>
-      <p:bold r:id="rId19"/>
-      <p:italic r:id="rId20"/>
-      <p:boldItalic r:id="rId21"/>
+      <p:regular r:id="rId19"/>
+      <p:bold r:id="rId20"/>
+      <p:italic r:id="rId21"/>
+      <p:boldItalic r:id="rId22"/>
     </p:embeddedFont>
   </p:embeddedFontLst>
   <p:defaultTextStyle>
@@ -5293,7 +5297,7 @@
         </p:nvSpPr>
         <p:spPr>
           <a:xfrm>
-            <a:off x="6105525" y="3562950"/>
+            <a:off x="6008543" y="2731595"/>
             <a:ext cx="2581125" cy="455310"/>
           </a:xfrm>
           <a:prstGeom prst="rect">
@@ -29756,6 +29760,68 @@
           </p:txBody>
         </p:sp>
       </p:grpSp>
+      <p:sp>
+        <p:nvSpPr>
+          <p:cNvPr id="2" name="CaixaDeTexto 1">
+            <a:extLst>
+              <a:ext uri="{FF2B5EF4-FFF2-40B4-BE49-F238E27FC236}">
+                <a16:creationId xmlns:a16="http://schemas.microsoft.com/office/drawing/2014/main" id="{E0BAE964-75B3-BB37-C08F-106A83D17714}"/>
+              </a:ext>
+            </a:extLst>
+          </p:cNvPr>
+          <p:cNvSpPr txBox="1"/>
+          <p:nvPr/>
+        </p:nvSpPr>
+        <p:spPr>
+          <a:xfrm>
+            <a:off x="4993633" y="3442855"/>
+            <a:ext cx="3533840" cy="738664"/>
+          </a:xfrm>
+          <a:prstGeom prst="rect">
+            <a:avLst/>
+          </a:prstGeom>
+          <a:noFill/>
+        </p:spPr>
+        <p:txBody>
+          <a:bodyPr wrap="square" rtlCol="0">
+            <a:spAutoFit/>
+          </a:bodyPr>
+          <a:lstStyle/>
+          <a:p>
+            <a:r>
+              <a:rPr lang="pt-PT" dirty="0"/>
+              <a:t>Bruno Santos nº </a:t>
+            </a:r>
+            <a:r>
+              <a:rPr lang="en-US" dirty="0"/>
+              <a:t>125712 </a:t>
+            </a:r>
+            <a:endParaRPr lang="pt-PT" dirty="0"/>
+          </a:p>
+          <a:p>
+            <a:r>
+              <a:rPr lang="pt-PT" dirty="0"/>
+              <a:t>Eduardo Bagulho nº </a:t>
+            </a:r>
+            <a:r>
+              <a:rPr lang="en-US" dirty="0"/>
+              <a:t>126625</a:t>
+            </a:r>
+            <a:endParaRPr lang="pt-PT" dirty="0"/>
+          </a:p>
+          <a:p>
+            <a:r>
+              <a:rPr lang="pt-PT" dirty="0"/>
+              <a:t>Gonçalo Rosa nº </a:t>
+            </a:r>
+            <a:r>
+              <a:rPr lang="en-US" dirty="0"/>
+              <a:t>125684</a:t>
+            </a:r>
+            <a:endParaRPr lang="pt-PT" dirty="0"/>
+          </a:p>
+        </p:txBody>
+      </p:sp>
     </p:spTree>
   </p:cSld>
   <p:clrMapOvr>
@@ -44308,6 +44374,78 @@
           </p:txBody>
         </p:sp>
       </p:grpSp>
+      <p:sp>
+        <p:nvSpPr>
+          <p:cNvPr id="2" name="CaixaDeTexto 1">
+            <a:extLst>
+              <a:ext uri="{FF2B5EF4-FFF2-40B4-BE49-F238E27FC236}">
+                <a16:creationId xmlns:a16="http://schemas.microsoft.com/office/drawing/2014/main" id="{D5D9FFCA-1233-FF1A-A83E-671E18D96AAA}"/>
+              </a:ext>
+            </a:extLst>
+          </p:cNvPr>
+          <p:cNvSpPr txBox="1"/>
+          <p:nvPr/>
+        </p:nvSpPr>
+        <p:spPr>
+          <a:xfrm>
+            <a:off x="3124199" y="4048239"/>
+            <a:ext cx="5493327" cy="954107"/>
+          </a:xfrm>
+          <a:prstGeom prst="rect">
+            <a:avLst/>
+          </a:prstGeom>
+          <a:noFill/>
+        </p:spPr>
+        <p:txBody>
+          <a:bodyPr wrap="square" rtlCol="0">
+            <a:spAutoFit/>
+          </a:bodyPr>
+          <a:lstStyle/>
+          <a:p>
+            <a:r>
+              <a:rPr lang="pt-PT" dirty="0"/>
+              <a:t>Ao longo 8 anos, a ação da empresa Microsoft cresceu 890%, com um sharpe ratio de 1,04 indica que é um boa ação para investir em relação ao risco. </a:t>
+            </a:r>
+            <a:br>
+              <a:rPr lang="pt-PT" dirty="0"/>
+            </a:br>
+            <a:r>
+              <a:rPr lang="pt-PT" dirty="0"/>
+              <a:t>O CAGR indica um crescimento 28% da ação por ano.</a:t>
+            </a:r>
+          </a:p>
+        </p:txBody>
+      </p:sp>
+      <p:pic>
+        <p:nvPicPr>
+          <p:cNvPr id="4" name="Imagem 3">
+            <a:extLst>
+              <a:ext uri="{FF2B5EF4-FFF2-40B4-BE49-F238E27FC236}">
+                <a16:creationId xmlns:a16="http://schemas.microsoft.com/office/drawing/2014/main" id="{8A5126E4-4F9C-DC28-4CAB-A68B24397E18}"/>
+              </a:ext>
+            </a:extLst>
+          </p:cNvPr>
+          <p:cNvPicPr>
+            <a:picLocks noChangeAspect="1"/>
+          </p:cNvPicPr>
+          <p:nvPr/>
+        </p:nvPicPr>
+        <p:blipFill>
+          <a:blip r:embed="rId4"/>
+          <a:stretch>
+            <a:fillRect/>
+          </a:stretch>
+        </p:blipFill>
+        <p:spPr>
+          <a:xfrm>
+            <a:off x="3610419" y="3364398"/>
+            <a:ext cx="547268" cy="515076"/>
+          </a:xfrm>
+          <a:prstGeom prst="rect">
+            <a:avLst/>
+          </a:prstGeom>
+        </p:spPr>
+      </p:pic>
     </p:spTree>
   </p:cSld>
   <p:clrMapOvr>
@@ -45117,7 +45255,7 @@
         </p:nvGrpSpPr>
         <p:grpSpPr>
           <a:xfrm>
-            <a:off x="206481" y="1047893"/>
+            <a:off x="221004" y="1068675"/>
             <a:ext cx="8701992" cy="650100"/>
             <a:chOff x="3961063" y="1231575"/>
             <a:chExt cx="4725888" cy="650100"/>
@@ -45265,7 +45403,7 @@
                   <a:ea typeface="Aptos" panose="020B0004020202020204" pitchFamily="34" charset="0"/>
                   <a:cs typeface="Times New Roman" panose="02020603050405020304" pitchFamily="18" charset="0"/>
                 </a:rPr>
-                <a:t>ajuda a indicar se existe uma sobrevalorização da ação ou desvalorização da ação</a:t>
+                <a:t>ajuda a indicar se existe uma sobrevalorização ou subvalorização da ação</a:t>
               </a:r>
               <a:endParaRPr sz="1050" dirty="0">
                 <a:latin typeface="Roboto"/>
@@ -45444,10 +45582,10 @@
         </p:nvGrpSpPr>
         <p:grpSpPr>
           <a:xfrm>
-            <a:off x="255763" y="3207611"/>
-            <a:ext cx="8444822" cy="331800"/>
-            <a:chOff x="4058836" y="3381904"/>
-            <a:chExt cx="8444822" cy="331800"/>
+            <a:off x="245542" y="3171459"/>
+            <a:ext cx="8455043" cy="367952"/>
+            <a:chOff x="4048615" y="3345752"/>
+            <a:chExt cx="8455043" cy="367952"/>
           </a:xfrm>
         </p:grpSpPr>
         <p:sp>
@@ -45504,7 +45642,7 @@
           </p:nvSpPr>
           <p:spPr>
             <a:xfrm>
-              <a:off x="4058836" y="3381904"/>
+              <a:off x="4048615" y="3345752"/>
               <a:ext cx="3651218" cy="331800"/>
             </a:xfrm>
             <a:prstGeom prst="rect">
@@ -45772,6 +45910,318 @@
           </p:txBody>
         </p:sp>
       </p:grpSp>
+      <p:grpSp>
+        <p:nvGrpSpPr>
+          <p:cNvPr id="4" name="Google Shape;426;p18">
+            <a:extLst>
+              <a:ext uri="{FF2B5EF4-FFF2-40B4-BE49-F238E27FC236}">
+                <a16:creationId xmlns:a16="http://schemas.microsoft.com/office/drawing/2014/main" id="{C26898CA-514D-53CF-F61A-86727EB0CFD7}"/>
+              </a:ext>
+            </a:extLst>
+          </p:cNvPr>
+          <p:cNvGrpSpPr/>
+          <p:nvPr/>
+        </p:nvGrpSpPr>
+        <p:grpSpPr>
+          <a:xfrm>
+            <a:off x="193258" y="4057343"/>
+            <a:ext cx="8604235" cy="650100"/>
+            <a:chOff x="4019539" y="3260984"/>
+            <a:chExt cx="4672800" cy="650100"/>
+          </a:xfrm>
+        </p:grpSpPr>
+        <mc:AlternateContent xmlns:mc="http://schemas.openxmlformats.org/markup-compatibility/2006" xmlns:a14="http://schemas.microsoft.com/office/drawing/2010/main">
+          <mc:Choice Requires="a14">
+            <p:sp>
+              <p:nvSpPr>
+                <p:cNvPr id="5" name="Google Shape;427;p18">
+                  <a:extLst>
+                    <a:ext uri="{FF2B5EF4-FFF2-40B4-BE49-F238E27FC236}">
+                      <a16:creationId xmlns:a16="http://schemas.microsoft.com/office/drawing/2014/main" id="{144EC0F8-E73F-56EF-3694-36F05FC791DD}"/>
+                    </a:ext>
+                  </a:extLst>
+                </p:cNvPr>
+                <p:cNvSpPr/>
+                <p:nvPr/>
+              </p:nvSpPr>
+              <p:spPr>
+                <a:xfrm>
+                  <a:off x="5015539" y="3260984"/>
+                  <a:ext cx="3676800" cy="650100"/>
+                </a:xfrm>
+                <a:prstGeom prst="roundRect">
+                  <a:avLst>
+                    <a:gd name="adj" fmla="val 50000"/>
+                  </a:avLst>
+                </a:prstGeom>
+                <a:solidFill>
+                  <a:schemeClr val="accent3">
+                    <a:lumMod val="75000"/>
+                    <a:alpha val="12549"/>
+                  </a:schemeClr>
+                </a:solidFill>
+                <a:ln>
+                  <a:noFill/>
+                </a:ln>
+              </p:spPr>
+              <p:txBody>
+                <a:bodyPr spcFirstLastPara="1" wrap="square" lIns="91425" tIns="91425" rIns="91425" bIns="91425" anchor="ctr" anchorCtr="0">
+                  <a:noAutofit/>
+                </a:bodyPr>
+                <a:lstStyle/>
+                <a:p>
+                  <a:pPr marL="0" lvl="0" indent="0" algn="l" rtl="0">
+                    <a:spcBef>
+                      <a:spcPts val="0"/>
+                    </a:spcBef>
+                    <a:spcAft>
+                      <a:spcPts val="0"/>
+                    </a:spcAft>
+                    <a:buNone/>
+                  </a:pPr>
+                  <a14:m>
+                    <m:oMathPara xmlns:m="http://schemas.openxmlformats.org/officeDocument/2006/math">
+                      <m:oMathParaPr>
+                        <m:jc m:val="right"/>
+                      </m:oMathParaPr>
+                      <m:oMath xmlns:m="http://schemas.openxmlformats.org/officeDocument/2006/math">
+                        <m:r>
+                          <a:rPr lang="en-US" sz="1600" i="1" smtClean="0">
+                            <a:latin typeface="Cambria Math" panose="02040503050406030204" pitchFamily="18" charset="0"/>
+                          </a:rPr>
+                          <m:t>=</m:t>
+                        </m:r>
+                        <m:r>
+                          <a:rPr lang="en-US" sz="1600" b="0" i="1" smtClean="0">
+                            <a:latin typeface="Cambria Math" panose="02040503050406030204" pitchFamily="18" charset="0"/>
+                          </a:rPr>
+                          <m:t>       </m:t>
+                        </m:r>
+                        <m:f>
+                          <m:fPr>
+                            <m:ctrlPr>
+                              <a:rPr lang="en-US" sz="1600" b="0" i="1" smtClean="0">
+                                <a:solidFill>
+                                  <a:srgbClr val="836967"/>
+                                </a:solidFill>
+                                <a:latin typeface="Cambria Math" panose="02040503050406030204" pitchFamily="18" charset="0"/>
+                              </a:rPr>
+                            </m:ctrlPr>
+                          </m:fPr>
+                          <m:num>
+                            <m:r>
+                              <a:rPr lang="en-US" sz="1600" b="0" i="1" smtClean="0">
+                                <a:latin typeface="Cambria Math" panose="02040503050406030204" pitchFamily="18" charset="0"/>
+                              </a:rPr>
+                              <m:t>𝑆𝑀</m:t>
+                            </m:r>
+                            <m:r>
+                              <a:rPr lang="en-US" sz="1600" b="0" i="1" smtClean="0">
+                                <a:latin typeface="Cambria Math" panose="02040503050406030204" pitchFamily="18" charset="0"/>
+                              </a:rPr>
+                              <m:t>20 −</m:t>
+                            </m:r>
+                            <m:r>
+                              <a:rPr lang="en-US" sz="1600" b="0" i="1" smtClean="0">
+                                <a:latin typeface="Cambria Math" panose="02040503050406030204" pitchFamily="18" charset="0"/>
+                              </a:rPr>
+                              <m:t>𝑆𝑀</m:t>
+                            </m:r>
+                            <m:r>
+                              <a:rPr lang="en-US" sz="1600" b="0" i="1" smtClean="0">
+                                <a:latin typeface="Cambria Math" panose="02040503050406030204" pitchFamily="18" charset="0"/>
+                              </a:rPr>
+                              <m:t>100</m:t>
+                            </m:r>
+                          </m:num>
+                          <m:den>
+                            <m:r>
+                              <a:rPr lang="en-US" sz="1600" b="0" i="1" smtClean="0">
+                                <a:latin typeface="Cambria Math" panose="02040503050406030204" pitchFamily="18" charset="0"/>
+                              </a:rPr>
+                              <m:t>𝑆𝑀</m:t>
+                            </m:r>
+                            <m:r>
+                              <a:rPr lang="en-US" sz="1600" b="0" i="1" smtClean="0">
+                                <a:latin typeface="Cambria Math" panose="02040503050406030204" pitchFamily="18" charset="0"/>
+                              </a:rPr>
+                              <m:t>100</m:t>
+                            </m:r>
+                          </m:den>
+                        </m:f>
+                        <m:r>
+                          <a:rPr lang="en-US" sz="1600" b="0" i="1" smtClean="0">
+                            <a:latin typeface="Cambria Math" panose="02040503050406030204" pitchFamily="18" charset="0"/>
+                          </a:rPr>
+                          <m:t>×100</m:t>
+                        </m:r>
+                      </m:oMath>
+                    </m:oMathPara>
+                  </a14:m>
+                  <a:endParaRPr sz="1600" dirty="0"/>
+                </a:p>
+              </p:txBody>
+            </p:sp>
+          </mc:Choice>
+          <mc:Fallback xmlns="">
+            <p:sp>
+              <p:nvSpPr>
+                <p:cNvPr id="5" name="Google Shape;427;p18">
+                  <a:extLst>
+                    <a:ext uri="{FF2B5EF4-FFF2-40B4-BE49-F238E27FC236}">
+                      <a16:creationId xmlns:a16="http://schemas.microsoft.com/office/drawing/2014/main" id="{144EC0F8-E73F-56EF-3694-36F05FC791DD}"/>
+                    </a:ext>
+                  </a:extLst>
+                </p:cNvPr>
+                <p:cNvSpPr>
+                  <a:spLocks noRot="1" noChangeAspect="1" noMove="1" noResize="1" noEditPoints="1" noAdjustHandles="1" noChangeArrowheads="1" noChangeShapeType="1" noTextEdit="1"/>
+                </p:cNvSpPr>
+                <p:nvPr/>
+              </p:nvSpPr>
+              <p:spPr>
+                <a:xfrm>
+                  <a:off x="5015539" y="3260984"/>
+                  <a:ext cx="3676800" cy="650100"/>
+                </a:xfrm>
+                <a:prstGeom prst="roundRect">
+                  <a:avLst>
+                    <a:gd name="adj" fmla="val 50000"/>
+                  </a:avLst>
+                </a:prstGeom>
+                <a:blipFill>
+                  <a:blip r:embed="rId3"/>
+                  <a:stretch>
+                    <a:fillRect/>
+                  </a:stretch>
+                </a:blipFill>
+                <a:ln>
+                  <a:noFill/>
+                </a:ln>
+              </p:spPr>
+              <p:txBody>
+                <a:bodyPr/>
+                <a:lstStyle/>
+                <a:p>
+                  <a:r>
+                    <a:rPr lang="pt-PT">
+                      <a:noFill/>
+                    </a:rPr>
+                    <a:t> </a:t>
+                  </a:r>
+                </a:p>
+              </p:txBody>
+            </p:sp>
+          </mc:Fallback>
+        </mc:AlternateContent>
+        <p:sp>
+          <p:nvSpPr>
+            <p:cNvPr id="6" name="Google Shape;428;p18">
+              <a:extLst>
+                <a:ext uri="{FF2B5EF4-FFF2-40B4-BE49-F238E27FC236}">
+                  <a16:creationId xmlns:a16="http://schemas.microsoft.com/office/drawing/2014/main" id="{A8A69538-0244-DDAF-BBD5-91A775776DDA}"/>
+                </a:ext>
+              </a:extLst>
+            </p:cNvPr>
+            <p:cNvSpPr/>
+            <p:nvPr/>
+          </p:nvSpPr>
+          <p:spPr>
+            <a:xfrm>
+              <a:off x="4019539" y="3341984"/>
+              <a:ext cx="2130000" cy="464400"/>
+            </a:xfrm>
+            <a:prstGeom prst="roundRect">
+              <a:avLst>
+                <a:gd name="adj" fmla="val 50000"/>
+              </a:avLst>
+            </a:prstGeom>
+            <a:solidFill>
+              <a:srgbClr val="00B0F0"/>
+            </a:solidFill>
+            <a:ln>
+              <a:noFill/>
+            </a:ln>
+          </p:spPr>
+          <p:txBody>
+            <a:bodyPr spcFirstLastPara="1" wrap="square" lIns="91425" tIns="91425" rIns="91425" bIns="91425" anchor="ctr" anchorCtr="0">
+              <a:noAutofit/>
+            </a:bodyPr>
+            <a:lstStyle/>
+            <a:p>
+              <a:pPr marL="0" lvl="0" indent="0" algn="l" rtl="0">
+                <a:spcBef>
+                  <a:spcPts val="0"/>
+                </a:spcBef>
+                <a:spcAft>
+                  <a:spcPts val="0"/>
+                </a:spcAft>
+                <a:buNone/>
+              </a:pPr>
+              <a:endParaRPr dirty="0">
+                <a:solidFill>
+                  <a:schemeClr val="bg1"/>
+                </a:solidFill>
+                <a:latin typeface="Fira Sans Extra Condensed" panose="020B0503050000020004" pitchFamily="34" charset="0"/>
+              </a:endParaRPr>
+            </a:p>
+          </p:txBody>
+        </p:sp>
+      </p:grpSp>
+      <p:sp>
+        <p:nvSpPr>
+          <p:cNvPr id="7" name="Google Shape;431;p18">
+            <a:extLst>
+              <a:ext uri="{FF2B5EF4-FFF2-40B4-BE49-F238E27FC236}">
+                <a16:creationId xmlns:a16="http://schemas.microsoft.com/office/drawing/2014/main" id="{0EBA2F10-C0E9-CE4E-9E69-CE269D5F2545}"/>
+              </a:ext>
+            </a:extLst>
+          </p:cNvPr>
+          <p:cNvSpPr txBox="1"/>
+          <p:nvPr/>
+        </p:nvSpPr>
+        <p:spPr>
+          <a:xfrm>
+            <a:off x="135479" y="4204537"/>
+            <a:ext cx="3651218" cy="331800"/>
+          </a:xfrm>
+          <a:prstGeom prst="rect">
+            <a:avLst/>
+          </a:prstGeom>
+          <a:noFill/>
+          <a:ln>
+            <a:noFill/>
+          </a:ln>
+        </p:spPr>
+        <p:txBody>
+          <a:bodyPr spcFirstLastPara="1" wrap="square" lIns="91425" tIns="91425" rIns="91425" bIns="91425" anchor="ctr" anchorCtr="0">
+            <a:noAutofit/>
+          </a:bodyPr>
+          <a:lstStyle/>
+          <a:p>
+            <a:pPr marL="0" lvl="0" indent="0" algn="ctr" rtl="0">
+              <a:spcBef>
+                <a:spcPts val="0"/>
+              </a:spcBef>
+              <a:spcAft>
+                <a:spcPts val="0"/>
+              </a:spcAft>
+              <a:buNone/>
+            </a:pPr>
+            <a:r>
+              <a:rPr lang="en-US" sz="1800" b="1" dirty="0">
+                <a:solidFill>
+                  <a:schemeClr val="lt1"/>
+                </a:solidFill>
+                <a:latin typeface="Fira Sans Extra Condensed"/>
+                <a:ea typeface="Fira Sans Extra Condensed"/>
+                <a:cs typeface="Fira Sans Extra Condensed"/>
+                <a:sym typeface="Fira Sans Extra Condensed"/>
+              </a:rPr>
+              <a:t>IsTrade</a:t>
+            </a:r>
+          </a:p>
+        </p:txBody>
+      </p:sp>
     </p:spTree>
   </p:cSld>
   <p:clrMapOvr>
@@ -51060,1459 +51510,6 @@
   <p:cSld>
     <p:spTree>
       <p:nvGrpSpPr>
-        <p:cNvPr id="1" name=""/>
-        <p:cNvGrpSpPr/>
-        <p:nvPr/>
-      </p:nvGrpSpPr>
-      <p:grpSpPr>
-        <a:xfrm>
-          <a:off x="0" y="0"/>
-          <a:ext cx="0" cy="0"/>
-          <a:chOff x="0" y="0"/>
-          <a:chExt cx="0" cy="0"/>
-        </a:xfrm>
-      </p:grpSpPr>
-      <p:sp>
-        <p:nvSpPr>
-          <p:cNvPr id="2" name="Título 1">
-            <a:extLst>
-              <a:ext uri="{FF2B5EF4-FFF2-40B4-BE49-F238E27FC236}">
-                <a16:creationId xmlns:a16="http://schemas.microsoft.com/office/drawing/2014/main" id="{36D645B3-0785-6728-97FE-8AFE97347775}"/>
-              </a:ext>
-            </a:extLst>
-          </p:cNvPr>
-          <p:cNvSpPr>
-            <a:spLocks noGrp="1"/>
-          </p:cNvSpPr>
-          <p:nvPr>
-            <p:ph type="title"/>
-          </p:nvPr>
-        </p:nvSpPr>
-        <p:spPr>
-          <a:xfrm>
-            <a:off x="457200" y="196729"/>
-            <a:ext cx="8229600" cy="371400"/>
-          </a:xfrm>
-        </p:spPr>
-        <p:txBody>
-          <a:bodyPr>
-            <a:normAutofit fontScale="90000"/>
-          </a:bodyPr>
-          <a:lstStyle/>
-          <a:p>
-            <a:r>
-              <a:rPr lang="pt-PT" dirty="0"/>
-              <a:t>Estratégia de decisão no modelo</a:t>
-            </a:r>
-          </a:p>
-        </p:txBody>
-      </p:sp>
-      <p:sp>
-        <p:nvSpPr>
-          <p:cNvPr id="5" name="Retângulo 4">
-            <a:extLst>
-              <a:ext uri="{FF2B5EF4-FFF2-40B4-BE49-F238E27FC236}">
-                <a16:creationId xmlns:a16="http://schemas.microsoft.com/office/drawing/2014/main" id="{0215206F-9B7B-1E42-4CDC-BB7650194815}"/>
-              </a:ext>
-            </a:extLst>
-          </p:cNvPr>
-          <p:cNvSpPr/>
-          <p:nvPr/>
-        </p:nvSpPr>
-        <p:spPr>
-          <a:xfrm>
-            <a:off x="3442854" y="647094"/>
-            <a:ext cx="1766455" cy="371400"/>
-          </a:xfrm>
-          <a:prstGeom prst="rect">
-            <a:avLst/>
-          </a:prstGeom>
-          <a:solidFill>
-            <a:schemeClr val="bg1"/>
-          </a:solidFill>
-          <a:ln>
-            <a:solidFill>
-              <a:schemeClr val="tx1"/>
-            </a:solidFill>
-          </a:ln>
-        </p:spPr>
-        <p:style>
-          <a:lnRef idx="2">
-            <a:schemeClr val="accent1">
-              <a:shade val="15000"/>
-            </a:schemeClr>
-          </a:lnRef>
-          <a:fillRef idx="1">
-            <a:schemeClr val="accent1"/>
-          </a:fillRef>
-          <a:effectRef idx="0">
-            <a:schemeClr val="accent1"/>
-          </a:effectRef>
-          <a:fontRef idx="minor">
-            <a:schemeClr val="lt1"/>
-          </a:fontRef>
-        </p:style>
-        <p:txBody>
-          <a:bodyPr rtlCol="0" anchor="ctr"/>
-          <a:lstStyle/>
-          <a:p>
-            <a:pPr algn="ctr"/>
-            <a:r>
-              <a:rPr lang="pt-PT" sz="900" dirty="0">
-                <a:solidFill>
-                  <a:schemeClr val="tx1"/>
-                </a:solidFill>
-              </a:rPr>
-              <a:t>Novo dia no </a:t>
-            </a:r>
-            <a:r>
-              <a:rPr lang="pt-PT" sz="800" dirty="0">
-                <a:solidFill>
-                  <a:schemeClr val="tx1"/>
-                </a:solidFill>
-              </a:rPr>
-              <a:t>mercado</a:t>
-            </a:r>
-            <a:r>
-              <a:rPr lang="pt-PT" sz="900" dirty="0">
-                <a:solidFill>
-                  <a:schemeClr val="tx1"/>
-                </a:solidFill>
-              </a:rPr>
-              <a:t> olhamos para o valor no fecho </a:t>
-            </a:r>
-          </a:p>
-        </p:txBody>
-      </p:sp>
-      <p:cxnSp>
-        <p:nvCxnSpPr>
-          <p:cNvPr id="7" name="Conexão reta unidirecional 6">
-            <a:extLst>
-              <a:ext uri="{FF2B5EF4-FFF2-40B4-BE49-F238E27FC236}">
-                <a16:creationId xmlns:a16="http://schemas.microsoft.com/office/drawing/2014/main" id="{6EABC265-B490-3C3D-A800-291EC8EA82DA}"/>
-              </a:ext>
-            </a:extLst>
-          </p:cNvPr>
-          <p:cNvCxnSpPr>
-            <a:cxnSpLocks/>
-            <a:stCxn id="5" idx="2"/>
-            <a:endCxn id="9" idx="0"/>
-          </p:cNvCxnSpPr>
-          <p:nvPr/>
-        </p:nvCxnSpPr>
-        <p:spPr>
-          <a:xfrm flipH="1">
-            <a:off x="4326081" y="1018494"/>
-            <a:ext cx="1" cy="140127"/>
-          </a:xfrm>
-          <a:prstGeom prst="straightConnector1">
-            <a:avLst/>
-          </a:prstGeom>
-          <a:ln>
-            <a:solidFill>
-              <a:schemeClr val="tx1"/>
-            </a:solidFill>
-            <a:tailEnd type="triangle"/>
-          </a:ln>
-        </p:spPr>
-        <p:style>
-          <a:lnRef idx="1">
-            <a:schemeClr val="accent1"/>
-          </a:lnRef>
-          <a:fillRef idx="0">
-            <a:schemeClr val="accent1"/>
-          </a:fillRef>
-          <a:effectRef idx="0">
-            <a:schemeClr val="accent1"/>
-          </a:effectRef>
-          <a:fontRef idx="minor">
-            <a:schemeClr val="tx1"/>
-          </a:fontRef>
-        </p:style>
-      </p:cxnSp>
-      <p:sp>
-        <p:nvSpPr>
-          <p:cNvPr id="9" name="Oval 8">
-            <a:extLst>
-              <a:ext uri="{FF2B5EF4-FFF2-40B4-BE49-F238E27FC236}">
-                <a16:creationId xmlns:a16="http://schemas.microsoft.com/office/drawing/2014/main" id="{24A144EF-E9EA-DAD4-5C11-AAC9AB8CAB12}"/>
-              </a:ext>
-            </a:extLst>
-          </p:cNvPr>
-          <p:cNvSpPr/>
-          <p:nvPr/>
-        </p:nvSpPr>
-        <p:spPr>
-          <a:xfrm>
-            <a:off x="3545034" y="1158621"/>
-            <a:ext cx="1562094" cy="677106"/>
-          </a:xfrm>
-          <a:prstGeom prst="ellipse">
-            <a:avLst/>
-          </a:prstGeom>
-          <a:solidFill>
-            <a:schemeClr val="bg1"/>
-          </a:solidFill>
-          <a:ln>
-            <a:solidFill>
-              <a:schemeClr val="tx1"/>
-            </a:solidFill>
-          </a:ln>
-        </p:spPr>
-        <p:style>
-          <a:lnRef idx="2">
-            <a:schemeClr val="accent1">
-              <a:shade val="15000"/>
-            </a:schemeClr>
-          </a:lnRef>
-          <a:fillRef idx="1">
-            <a:schemeClr val="accent1"/>
-          </a:fillRef>
-          <a:effectRef idx="0">
-            <a:schemeClr val="accent1"/>
-          </a:effectRef>
-          <a:fontRef idx="minor">
-            <a:schemeClr val="lt1"/>
-          </a:fontRef>
-        </p:style>
-        <p:txBody>
-          <a:bodyPr rtlCol="0" anchor="ctr"/>
-          <a:lstStyle/>
-          <a:p>
-            <a:pPr algn="ctr"/>
-            <a:r>
-              <a:rPr lang="pt-PT" sz="800" dirty="0">
-                <a:solidFill>
-                  <a:schemeClr val="tx1"/>
-                </a:solidFill>
-              </a:rPr>
-              <a:t>Verificamos se o randomizer produz um valor superior ao do épsilon</a:t>
-            </a:r>
-          </a:p>
-        </p:txBody>
-      </p:sp>
-      <p:sp>
-        <p:nvSpPr>
-          <p:cNvPr id="17" name="CaixaDeTexto 16">
-            <a:extLst>
-              <a:ext uri="{FF2B5EF4-FFF2-40B4-BE49-F238E27FC236}">
-                <a16:creationId xmlns:a16="http://schemas.microsoft.com/office/drawing/2014/main" id="{FE692625-E8E6-A78C-9D73-D6B7B89F15B9}"/>
-              </a:ext>
-            </a:extLst>
-          </p:cNvPr>
-          <p:cNvSpPr txBox="1"/>
-          <p:nvPr/>
-        </p:nvSpPr>
-        <p:spPr>
-          <a:xfrm>
-            <a:off x="2225395" y="1249325"/>
-            <a:ext cx="1319639" cy="215444"/>
-          </a:xfrm>
-          <a:prstGeom prst="rect">
-            <a:avLst/>
-          </a:prstGeom>
-          <a:noFill/>
-        </p:spPr>
-        <p:txBody>
-          <a:bodyPr wrap="square" rtlCol="0">
-            <a:spAutoFit/>
-          </a:bodyPr>
-          <a:lstStyle/>
-          <a:p>
-            <a:r>
-              <a:rPr lang="pt-PT" sz="800" dirty="0"/>
-              <a:t>Sim (exploitation)</a:t>
-            </a:r>
-          </a:p>
-        </p:txBody>
-      </p:sp>
-      <p:sp>
-        <p:nvSpPr>
-          <p:cNvPr id="18" name="CaixaDeTexto 17">
-            <a:extLst>
-              <a:ext uri="{FF2B5EF4-FFF2-40B4-BE49-F238E27FC236}">
-                <a16:creationId xmlns:a16="http://schemas.microsoft.com/office/drawing/2014/main" id="{CD142F4F-5F05-1D2F-24E6-F497C6462D25}"/>
-              </a:ext>
-            </a:extLst>
-          </p:cNvPr>
-          <p:cNvSpPr txBox="1"/>
-          <p:nvPr/>
-        </p:nvSpPr>
-        <p:spPr>
-          <a:xfrm>
-            <a:off x="5446577" y="1249325"/>
-            <a:ext cx="1319639" cy="215444"/>
-          </a:xfrm>
-          <a:prstGeom prst="rect">
-            <a:avLst/>
-          </a:prstGeom>
-          <a:noFill/>
-        </p:spPr>
-        <p:txBody>
-          <a:bodyPr wrap="square" rtlCol="0">
-            <a:spAutoFit/>
-          </a:bodyPr>
-          <a:lstStyle/>
-          <a:p>
-            <a:r>
-              <a:rPr lang="pt-PT" sz="800" dirty="0"/>
-              <a:t>Não (exploration)</a:t>
-            </a:r>
-          </a:p>
-        </p:txBody>
-      </p:sp>
-      <p:sp>
-        <p:nvSpPr>
-          <p:cNvPr id="19" name="Oval 18">
-            <a:extLst>
-              <a:ext uri="{FF2B5EF4-FFF2-40B4-BE49-F238E27FC236}">
-                <a16:creationId xmlns:a16="http://schemas.microsoft.com/office/drawing/2014/main" id="{A15F6D39-950F-6CCD-D617-5393B344BB6A}"/>
-              </a:ext>
-            </a:extLst>
-          </p:cNvPr>
-          <p:cNvSpPr/>
-          <p:nvPr/>
-        </p:nvSpPr>
-        <p:spPr>
-          <a:xfrm>
-            <a:off x="1139869" y="1598784"/>
-            <a:ext cx="1562094" cy="623617"/>
-          </a:xfrm>
-          <a:prstGeom prst="ellipse">
-            <a:avLst/>
-          </a:prstGeom>
-          <a:solidFill>
-            <a:schemeClr val="bg1"/>
-          </a:solidFill>
-          <a:ln>
-            <a:solidFill>
-              <a:schemeClr val="tx1"/>
-            </a:solidFill>
-          </a:ln>
-        </p:spPr>
-        <p:style>
-          <a:lnRef idx="2">
-            <a:schemeClr val="accent1">
-              <a:shade val="15000"/>
-            </a:schemeClr>
-          </a:lnRef>
-          <a:fillRef idx="1">
-            <a:schemeClr val="accent1"/>
-          </a:fillRef>
-          <a:effectRef idx="0">
-            <a:schemeClr val="accent1"/>
-          </a:effectRef>
-          <a:fontRef idx="minor">
-            <a:schemeClr val="lt1"/>
-          </a:fontRef>
-        </p:style>
-        <p:txBody>
-          <a:bodyPr rtlCol="0" anchor="ctr"/>
-          <a:lstStyle/>
-          <a:p>
-            <a:pPr algn="ctr"/>
-            <a:r>
-              <a:rPr lang="pt-PT" sz="800" dirty="0">
-                <a:solidFill>
-                  <a:schemeClr val="tx1"/>
-                </a:solidFill>
-              </a:rPr>
-              <a:t>Verificamos se o randomizer gera um valor superior ao da StrategyProb</a:t>
-            </a:r>
-          </a:p>
-        </p:txBody>
-      </p:sp>
-      <p:cxnSp>
-        <p:nvCxnSpPr>
-          <p:cNvPr id="22" name="Conexão: Ângulo Reto 21">
-            <a:extLst>
-              <a:ext uri="{FF2B5EF4-FFF2-40B4-BE49-F238E27FC236}">
-                <a16:creationId xmlns:a16="http://schemas.microsoft.com/office/drawing/2014/main" id="{2913F3C5-A4D0-8477-0287-80FCF85DE66B}"/>
-              </a:ext>
-            </a:extLst>
-          </p:cNvPr>
-          <p:cNvCxnSpPr>
-            <a:cxnSpLocks/>
-            <a:stCxn id="9" idx="2"/>
-            <a:endCxn id="19" idx="0"/>
-          </p:cNvCxnSpPr>
-          <p:nvPr/>
-        </p:nvCxnSpPr>
-        <p:spPr>
-          <a:xfrm rot="10800000" flipV="1">
-            <a:off x="1920916" y="1497174"/>
-            <a:ext cx="1624118" cy="101610"/>
-          </a:xfrm>
-          <a:prstGeom prst="bentConnector2">
-            <a:avLst/>
-          </a:prstGeom>
-          <a:ln>
-            <a:solidFill>
-              <a:schemeClr val="tx1"/>
-            </a:solidFill>
-            <a:tailEnd type="triangle"/>
-          </a:ln>
-        </p:spPr>
-        <p:style>
-          <a:lnRef idx="1">
-            <a:schemeClr val="accent1"/>
-          </a:lnRef>
-          <a:fillRef idx="0">
-            <a:schemeClr val="accent1"/>
-          </a:fillRef>
-          <a:effectRef idx="0">
-            <a:schemeClr val="accent1"/>
-          </a:effectRef>
-          <a:fontRef idx="minor">
-            <a:schemeClr val="tx1"/>
-          </a:fontRef>
-        </p:style>
-      </p:cxnSp>
-      <p:cxnSp>
-        <p:nvCxnSpPr>
-          <p:cNvPr id="24" name="Conexão: Ângulo Reto 23">
-            <a:extLst>
-              <a:ext uri="{FF2B5EF4-FFF2-40B4-BE49-F238E27FC236}">
-                <a16:creationId xmlns:a16="http://schemas.microsoft.com/office/drawing/2014/main" id="{C8C74CC6-A9F1-C98F-AF18-10B0E99CC07A}"/>
-              </a:ext>
-            </a:extLst>
-          </p:cNvPr>
-          <p:cNvCxnSpPr>
-            <a:cxnSpLocks/>
-            <a:stCxn id="9" idx="6"/>
-            <a:endCxn id="55" idx="0"/>
-          </p:cNvCxnSpPr>
-          <p:nvPr/>
-        </p:nvCxnSpPr>
-        <p:spPr>
-          <a:xfrm>
-            <a:off x="5107128" y="1497174"/>
-            <a:ext cx="2025803" cy="826838"/>
-          </a:xfrm>
-          <a:prstGeom prst="bentConnector2">
-            <a:avLst/>
-          </a:prstGeom>
-          <a:ln>
-            <a:solidFill>
-              <a:schemeClr val="tx1"/>
-            </a:solidFill>
-            <a:tailEnd type="triangle"/>
-          </a:ln>
-        </p:spPr>
-        <p:style>
-          <a:lnRef idx="1">
-            <a:schemeClr val="accent1"/>
-          </a:lnRef>
-          <a:fillRef idx="0">
-            <a:schemeClr val="accent1"/>
-          </a:fillRef>
-          <a:effectRef idx="0">
-            <a:schemeClr val="accent1"/>
-          </a:effectRef>
-          <a:fontRef idx="minor">
-            <a:schemeClr val="tx1"/>
-          </a:fontRef>
-        </p:style>
-      </p:cxnSp>
-      <p:cxnSp>
-        <p:nvCxnSpPr>
-          <p:cNvPr id="33" name="Conexão: Ângulo Reto 32">
-            <a:extLst>
-              <a:ext uri="{FF2B5EF4-FFF2-40B4-BE49-F238E27FC236}">
-                <a16:creationId xmlns:a16="http://schemas.microsoft.com/office/drawing/2014/main" id="{D2E692C3-4C99-B68F-6A71-B7E6D86120F3}"/>
-              </a:ext>
-            </a:extLst>
-          </p:cNvPr>
-          <p:cNvCxnSpPr>
-            <a:cxnSpLocks/>
-            <a:stCxn id="19" idx="2"/>
-            <a:endCxn id="40" idx="0"/>
-          </p:cNvCxnSpPr>
-          <p:nvPr/>
-        </p:nvCxnSpPr>
-        <p:spPr>
-          <a:xfrm rot="10800000" flipV="1">
-            <a:off x="684779" y="1910592"/>
-            <a:ext cx="455091" cy="414935"/>
-          </a:xfrm>
-          <a:prstGeom prst="bentConnector2">
-            <a:avLst/>
-          </a:prstGeom>
-          <a:ln>
-            <a:solidFill>
-              <a:schemeClr val="tx1"/>
-            </a:solidFill>
-            <a:tailEnd type="triangle"/>
-          </a:ln>
-        </p:spPr>
-        <p:style>
-          <a:lnRef idx="1">
-            <a:schemeClr val="accent1"/>
-          </a:lnRef>
-          <a:fillRef idx="0">
-            <a:schemeClr val="accent1"/>
-          </a:fillRef>
-          <a:effectRef idx="0">
-            <a:schemeClr val="accent1"/>
-          </a:effectRef>
-          <a:fontRef idx="minor">
-            <a:schemeClr val="tx1"/>
-          </a:fontRef>
-        </p:style>
-      </p:cxnSp>
-      <p:cxnSp>
-        <p:nvCxnSpPr>
-          <p:cNvPr id="37" name="Conexão: Ângulo Reto 36">
-            <a:extLst>
-              <a:ext uri="{FF2B5EF4-FFF2-40B4-BE49-F238E27FC236}">
-                <a16:creationId xmlns:a16="http://schemas.microsoft.com/office/drawing/2014/main" id="{3230C4A3-817E-B90B-9C24-5296A73314A0}"/>
-              </a:ext>
-            </a:extLst>
-          </p:cNvPr>
-          <p:cNvCxnSpPr>
-            <a:cxnSpLocks/>
-            <a:stCxn id="19" idx="6"/>
-            <a:endCxn id="45" idx="0"/>
-          </p:cNvCxnSpPr>
-          <p:nvPr/>
-        </p:nvCxnSpPr>
-        <p:spPr>
-          <a:xfrm>
-            <a:off x="2701963" y="1910593"/>
-            <a:ext cx="533752" cy="413420"/>
-          </a:xfrm>
-          <a:prstGeom prst="bentConnector2">
-            <a:avLst/>
-          </a:prstGeom>
-          <a:ln>
-            <a:solidFill>
-              <a:schemeClr val="tx1"/>
-            </a:solidFill>
-            <a:tailEnd type="triangle"/>
-          </a:ln>
-        </p:spPr>
-        <p:style>
-          <a:lnRef idx="1">
-            <a:schemeClr val="accent1"/>
-          </a:lnRef>
-          <a:fillRef idx="0">
-            <a:schemeClr val="accent1"/>
-          </a:fillRef>
-          <a:effectRef idx="0">
-            <a:schemeClr val="accent1"/>
-          </a:effectRef>
-          <a:fontRef idx="minor">
-            <a:schemeClr val="tx1"/>
-          </a:fontRef>
-        </p:style>
-      </p:cxnSp>
-      <p:sp>
-        <p:nvSpPr>
-          <p:cNvPr id="40" name="Retângulo 39">
-            <a:extLst>
-              <a:ext uri="{FF2B5EF4-FFF2-40B4-BE49-F238E27FC236}">
-                <a16:creationId xmlns:a16="http://schemas.microsoft.com/office/drawing/2014/main" id="{E9F3EAB9-680F-3F26-6998-3EF33ABCC189}"/>
-              </a:ext>
-            </a:extLst>
-          </p:cNvPr>
-          <p:cNvSpPr/>
-          <p:nvPr/>
-        </p:nvSpPr>
-        <p:spPr>
-          <a:xfrm>
-            <a:off x="91886" y="2325528"/>
-            <a:ext cx="1185783" cy="397582"/>
-          </a:xfrm>
-          <a:prstGeom prst="rect">
-            <a:avLst/>
-          </a:prstGeom>
-        </p:spPr>
-        <p:style>
-          <a:lnRef idx="2">
-            <a:schemeClr val="dk1"/>
-          </a:lnRef>
-          <a:fillRef idx="1">
-            <a:schemeClr val="lt1"/>
-          </a:fillRef>
-          <a:effectRef idx="0">
-            <a:schemeClr val="dk1"/>
-          </a:effectRef>
-          <a:fontRef idx="minor">
-            <a:schemeClr val="dk1"/>
-          </a:fontRef>
-        </p:style>
-        <p:txBody>
-          <a:bodyPr rtlCol="0" anchor="ctr"/>
-          <a:lstStyle/>
-          <a:p>
-            <a:pPr algn="ctr"/>
-            <a:r>
-              <a:rPr lang="pt-PT" sz="800" dirty="0"/>
-              <a:t>Consultar a Qtable</a:t>
-            </a:r>
-          </a:p>
-        </p:txBody>
-      </p:sp>
-      <p:sp>
-        <p:nvSpPr>
-          <p:cNvPr id="45" name="Retângulo 44">
-            <a:extLst>
-              <a:ext uri="{FF2B5EF4-FFF2-40B4-BE49-F238E27FC236}">
-                <a16:creationId xmlns:a16="http://schemas.microsoft.com/office/drawing/2014/main" id="{D31AEE12-BE90-C724-3AB0-EF21C420EEDD}"/>
-              </a:ext>
-            </a:extLst>
-          </p:cNvPr>
-          <p:cNvSpPr/>
-          <p:nvPr/>
-        </p:nvSpPr>
-        <p:spPr>
-          <a:xfrm>
-            <a:off x="2459164" y="2324013"/>
-            <a:ext cx="1553102" cy="399097"/>
-          </a:xfrm>
-          <a:prstGeom prst="rect">
-            <a:avLst/>
-          </a:prstGeom>
-        </p:spPr>
-        <p:style>
-          <a:lnRef idx="2">
-            <a:schemeClr val="dk1"/>
-          </a:lnRef>
-          <a:fillRef idx="1">
-            <a:schemeClr val="lt1"/>
-          </a:fillRef>
-          <a:effectRef idx="0">
-            <a:schemeClr val="dk1"/>
-          </a:effectRef>
-          <a:fontRef idx="minor">
-            <a:schemeClr val="dk1"/>
-          </a:fontRef>
-        </p:style>
-        <p:txBody>
-          <a:bodyPr rtlCol="0" anchor="ctr"/>
-          <a:lstStyle/>
-          <a:p>
-            <a:pPr algn="ctr"/>
-            <a:r>
-              <a:rPr lang="pt-PT" sz="800" dirty="0"/>
-              <a:t>Iremos consultar os indicadores para tomar uma decisão</a:t>
-            </a:r>
-          </a:p>
-        </p:txBody>
-      </p:sp>
-      <p:sp>
-        <p:nvSpPr>
-          <p:cNvPr id="55" name="Retângulo 54">
-            <a:extLst>
-              <a:ext uri="{FF2B5EF4-FFF2-40B4-BE49-F238E27FC236}">
-                <a16:creationId xmlns:a16="http://schemas.microsoft.com/office/drawing/2014/main" id="{12AD0C3A-14DF-FC44-0F48-5FD00FFE0193}"/>
-              </a:ext>
-            </a:extLst>
-          </p:cNvPr>
-          <p:cNvSpPr/>
-          <p:nvPr/>
-        </p:nvSpPr>
-        <p:spPr>
-          <a:xfrm>
-            <a:off x="6356380" y="2324012"/>
-            <a:ext cx="1553102" cy="399097"/>
-          </a:xfrm>
-          <a:prstGeom prst="rect">
-            <a:avLst/>
-          </a:prstGeom>
-        </p:spPr>
-        <p:style>
-          <a:lnRef idx="2">
-            <a:schemeClr val="dk1"/>
-          </a:lnRef>
-          <a:fillRef idx="1">
-            <a:schemeClr val="lt1"/>
-          </a:fillRef>
-          <a:effectRef idx="0">
-            <a:schemeClr val="dk1"/>
-          </a:effectRef>
-          <a:fontRef idx="minor">
-            <a:schemeClr val="dk1"/>
-          </a:fontRef>
-        </p:style>
-        <p:txBody>
-          <a:bodyPr rtlCol="0" anchor="ctr"/>
-          <a:lstStyle/>
-          <a:p>
-            <a:pPr algn="ctr"/>
-            <a:r>
-              <a:rPr lang="pt-PT" sz="800" dirty="0"/>
-              <a:t>Ação </a:t>
-            </a:r>
-            <a:r>
-              <a:rPr lang="pt-PT" sz="800" dirty="0" err="1"/>
-              <a:t>Random</a:t>
-            </a:r>
-            <a:endParaRPr lang="pt-PT" sz="800" dirty="0"/>
-          </a:p>
-        </p:txBody>
-      </p:sp>
-      <p:cxnSp>
-        <p:nvCxnSpPr>
-          <p:cNvPr id="64" name="Conexão: Ângulo Reto 63">
-            <a:extLst>
-              <a:ext uri="{FF2B5EF4-FFF2-40B4-BE49-F238E27FC236}">
-                <a16:creationId xmlns:a16="http://schemas.microsoft.com/office/drawing/2014/main" id="{D4DCCC77-1821-1161-A454-578DB02745A5}"/>
-              </a:ext>
-            </a:extLst>
-          </p:cNvPr>
-          <p:cNvCxnSpPr>
-            <a:cxnSpLocks/>
-            <a:stCxn id="45" idx="2"/>
-            <a:endCxn id="88" idx="0"/>
-          </p:cNvCxnSpPr>
-          <p:nvPr/>
-        </p:nvCxnSpPr>
-        <p:spPr>
-          <a:xfrm rot="16200000" flipH="1">
-            <a:off x="3671829" y="2286996"/>
-            <a:ext cx="218138" cy="1090366"/>
-          </a:xfrm>
-          <a:prstGeom prst="bentConnector3">
-            <a:avLst>
-              <a:gd name="adj1" fmla="val 50000"/>
-            </a:avLst>
-          </a:prstGeom>
-          <a:ln>
-            <a:solidFill>
-              <a:schemeClr val="tx1"/>
-            </a:solidFill>
-            <a:tailEnd type="triangle"/>
-          </a:ln>
-        </p:spPr>
-        <p:style>
-          <a:lnRef idx="1">
-            <a:schemeClr val="accent1"/>
-          </a:lnRef>
-          <a:fillRef idx="0">
-            <a:schemeClr val="accent1"/>
-          </a:fillRef>
-          <a:effectRef idx="0">
-            <a:schemeClr val="accent1"/>
-          </a:effectRef>
-          <a:fontRef idx="minor">
-            <a:schemeClr val="tx1"/>
-          </a:fontRef>
-        </p:style>
-      </p:cxnSp>
-      <p:cxnSp>
-        <p:nvCxnSpPr>
-          <p:cNvPr id="69" name="Conexão: Ângulo Reto 68">
-            <a:extLst>
-              <a:ext uri="{FF2B5EF4-FFF2-40B4-BE49-F238E27FC236}">
-                <a16:creationId xmlns:a16="http://schemas.microsoft.com/office/drawing/2014/main" id="{A0634C8B-7D22-4B22-D8A8-9CEEEAE987B6}"/>
-              </a:ext>
-            </a:extLst>
-          </p:cNvPr>
-          <p:cNvCxnSpPr>
-            <a:cxnSpLocks/>
-            <a:stCxn id="55" idx="2"/>
-            <a:endCxn id="88" idx="6"/>
-          </p:cNvCxnSpPr>
-          <p:nvPr/>
-        </p:nvCxnSpPr>
-        <p:spPr>
-          <a:xfrm rot="5400000">
-            <a:off x="5855056" y="1975182"/>
-            <a:ext cx="529948" cy="2025803"/>
-          </a:xfrm>
-          <a:prstGeom prst="bentConnector2">
-            <a:avLst/>
-          </a:prstGeom>
-          <a:ln>
-            <a:solidFill>
-              <a:schemeClr val="tx1"/>
-            </a:solidFill>
-            <a:tailEnd type="triangle"/>
-          </a:ln>
-        </p:spPr>
-        <p:style>
-          <a:lnRef idx="1">
-            <a:schemeClr val="accent1"/>
-          </a:lnRef>
-          <a:fillRef idx="0">
-            <a:schemeClr val="accent1"/>
-          </a:fillRef>
-          <a:effectRef idx="0">
-            <a:schemeClr val="accent1"/>
-          </a:effectRef>
-          <a:fontRef idx="minor">
-            <a:schemeClr val="tx1"/>
-          </a:fontRef>
-        </p:style>
-      </p:cxnSp>
-      <p:sp>
-        <p:nvSpPr>
-          <p:cNvPr id="88" name="Oval 87">
-            <a:extLst>
-              <a:ext uri="{FF2B5EF4-FFF2-40B4-BE49-F238E27FC236}">
-                <a16:creationId xmlns:a16="http://schemas.microsoft.com/office/drawing/2014/main" id="{1334CDD1-A784-318E-F65B-21CA88D69FCF}"/>
-              </a:ext>
-            </a:extLst>
-          </p:cNvPr>
-          <p:cNvSpPr/>
-          <p:nvPr/>
-        </p:nvSpPr>
-        <p:spPr>
-          <a:xfrm>
-            <a:off x="3545034" y="2941248"/>
-            <a:ext cx="1562094" cy="623617"/>
-          </a:xfrm>
-          <a:prstGeom prst="ellipse">
-            <a:avLst/>
-          </a:prstGeom>
-          <a:solidFill>
-            <a:schemeClr val="bg1"/>
-          </a:solidFill>
-          <a:ln>
-            <a:solidFill>
-              <a:schemeClr val="tx1"/>
-            </a:solidFill>
-          </a:ln>
-        </p:spPr>
-        <p:style>
-          <a:lnRef idx="2">
-            <a:schemeClr val="accent1">
-              <a:shade val="15000"/>
-            </a:schemeClr>
-          </a:lnRef>
-          <a:fillRef idx="1">
-            <a:schemeClr val="accent1"/>
-          </a:fillRef>
-          <a:effectRef idx="0">
-            <a:schemeClr val="accent1"/>
-          </a:effectRef>
-          <a:fontRef idx="minor">
-            <a:schemeClr val="lt1"/>
-          </a:fontRef>
-        </p:style>
-        <p:txBody>
-          <a:bodyPr rtlCol="0" anchor="ctr"/>
-          <a:lstStyle/>
-          <a:p>
-            <a:pPr algn="ctr"/>
-            <a:r>
-              <a:rPr lang="pt-PT" sz="800" dirty="0">
-                <a:solidFill>
-                  <a:schemeClr val="tx1"/>
-                </a:solidFill>
-              </a:rPr>
-              <a:t>Verificamos se o randomizer gera um valor superior ao da StrategyProb</a:t>
-            </a:r>
-          </a:p>
-        </p:txBody>
-      </p:sp>
-      <p:cxnSp>
-        <p:nvCxnSpPr>
-          <p:cNvPr id="103" name="Conexão: Ângulo Reto 102">
-            <a:extLst>
-              <a:ext uri="{FF2B5EF4-FFF2-40B4-BE49-F238E27FC236}">
-                <a16:creationId xmlns:a16="http://schemas.microsoft.com/office/drawing/2014/main" id="{3018E2BD-8026-6E0E-BD03-F1A0F0FCB676}"/>
-              </a:ext>
-            </a:extLst>
-          </p:cNvPr>
-          <p:cNvCxnSpPr>
-            <a:cxnSpLocks/>
-          </p:cNvCxnSpPr>
-          <p:nvPr/>
-        </p:nvCxnSpPr>
-        <p:spPr>
-          <a:xfrm rot="16200000" flipH="1">
-            <a:off x="1849933" y="1557955"/>
-            <a:ext cx="529947" cy="2860256"/>
-          </a:xfrm>
-          <a:prstGeom prst="bentConnector2">
-            <a:avLst/>
-          </a:prstGeom>
-          <a:ln>
-            <a:solidFill>
-              <a:schemeClr val="tx1"/>
-            </a:solidFill>
-            <a:tailEnd type="triangle"/>
-          </a:ln>
-        </p:spPr>
-        <p:style>
-          <a:lnRef idx="1">
-            <a:schemeClr val="accent1"/>
-          </a:lnRef>
-          <a:fillRef idx="0">
-            <a:schemeClr val="accent1"/>
-          </a:fillRef>
-          <a:effectRef idx="0">
-            <a:schemeClr val="accent1"/>
-          </a:effectRef>
-          <a:fontRef idx="minor">
-            <a:schemeClr val="tx1"/>
-          </a:fontRef>
-        </p:style>
-      </p:cxnSp>
-      <p:cxnSp>
-        <p:nvCxnSpPr>
-          <p:cNvPr id="104" name="Conexão: Ângulo Reto 103">
-            <a:extLst>
-              <a:ext uri="{FF2B5EF4-FFF2-40B4-BE49-F238E27FC236}">
-                <a16:creationId xmlns:a16="http://schemas.microsoft.com/office/drawing/2014/main" id="{97EFC9E6-AF9A-B991-6A56-66FC60F358BB}"/>
-              </a:ext>
-            </a:extLst>
-          </p:cNvPr>
-          <p:cNvCxnSpPr>
-            <a:cxnSpLocks/>
-            <a:stCxn id="88" idx="3"/>
-            <a:endCxn id="118" idx="3"/>
-          </p:cNvCxnSpPr>
-          <p:nvPr/>
-        </p:nvCxnSpPr>
-        <p:spPr>
-          <a:xfrm rot="5400000">
-            <a:off x="2389385" y="2361822"/>
-            <a:ext cx="272696" cy="2496129"/>
-          </a:xfrm>
-          <a:prstGeom prst="bentConnector2">
-            <a:avLst/>
-          </a:prstGeom>
-          <a:ln>
-            <a:solidFill>
-              <a:schemeClr val="tx1"/>
-            </a:solidFill>
-            <a:tailEnd type="triangle"/>
-          </a:ln>
-        </p:spPr>
-        <p:style>
-          <a:lnRef idx="1">
-            <a:schemeClr val="accent1"/>
-          </a:lnRef>
-          <a:fillRef idx="0">
-            <a:schemeClr val="accent1"/>
-          </a:fillRef>
-          <a:effectRef idx="0">
-            <a:schemeClr val="accent1"/>
-          </a:effectRef>
-          <a:fontRef idx="minor">
-            <a:schemeClr val="tx1"/>
-          </a:fontRef>
-        </p:style>
-      </p:cxnSp>
-      <p:cxnSp>
-        <p:nvCxnSpPr>
-          <p:cNvPr id="115" name="Conexão: Ângulo Reto 114">
-            <a:extLst>
-              <a:ext uri="{FF2B5EF4-FFF2-40B4-BE49-F238E27FC236}">
-                <a16:creationId xmlns:a16="http://schemas.microsoft.com/office/drawing/2014/main" id="{F2149A2B-E088-9D20-1AB7-796951B439E2}"/>
-              </a:ext>
-            </a:extLst>
-          </p:cNvPr>
-          <p:cNvCxnSpPr>
-            <a:cxnSpLocks/>
-            <a:stCxn id="88" idx="5"/>
-            <a:endCxn id="121" idx="1"/>
-          </p:cNvCxnSpPr>
-          <p:nvPr/>
-        </p:nvCxnSpPr>
-        <p:spPr>
-          <a:xfrm rot="16200000" flipH="1">
-            <a:off x="5571602" y="2780301"/>
-            <a:ext cx="275200" cy="1661674"/>
-          </a:xfrm>
-          <a:prstGeom prst="bentConnector2">
-            <a:avLst/>
-          </a:prstGeom>
-          <a:ln>
-            <a:solidFill>
-              <a:schemeClr val="tx1"/>
-            </a:solidFill>
-            <a:tailEnd type="triangle"/>
-          </a:ln>
-        </p:spPr>
-        <p:style>
-          <a:lnRef idx="1">
-            <a:schemeClr val="accent1"/>
-          </a:lnRef>
-          <a:fillRef idx="0">
-            <a:schemeClr val="accent1"/>
-          </a:fillRef>
-          <a:effectRef idx="0">
-            <a:schemeClr val="accent1"/>
-          </a:effectRef>
-          <a:fontRef idx="minor">
-            <a:schemeClr val="tx1"/>
-          </a:fontRef>
-        </p:style>
-      </p:cxnSp>
-      <p:sp>
-        <p:nvSpPr>
-          <p:cNvPr id="118" name="Retângulo 117">
-            <a:extLst>
-              <a:ext uri="{FF2B5EF4-FFF2-40B4-BE49-F238E27FC236}">
-                <a16:creationId xmlns:a16="http://schemas.microsoft.com/office/drawing/2014/main" id="{F333372A-0B1C-987E-4701-F1753DEEF7D3}"/>
-              </a:ext>
-            </a:extLst>
-          </p:cNvPr>
-          <p:cNvSpPr/>
-          <p:nvPr/>
-        </p:nvSpPr>
-        <p:spPr>
-          <a:xfrm>
-            <a:off x="91885" y="3547443"/>
-            <a:ext cx="1185783" cy="397582"/>
-          </a:xfrm>
-          <a:prstGeom prst="rect">
-            <a:avLst/>
-          </a:prstGeom>
-        </p:spPr>
-        <p:style>
-          <a:lnRef idx="2">
-            <a:schemeClr val="dk1"/>
-          </a:lnRef>
-          <a:fillRef idx="1">
-            <a:schemeClr val="lt1"/>
-          </a:fillRef>
-          <a:effectRef idx="0">
-            <a:schemeClr val="dk1"/>
-          </a:effectRef>
-          <a:fontRef idx="minor">
-            <a:schemeClr val="dk1"/>
-          </a:fontRef>
-        </p:style>
-        <p:txBody>
-          <a:bodyPr rtlCol="0" anchor="ctr"/>
-          <a:lstStyle/>
-          <a:p>
-            <a:pPr algn="ctr"/>
-            <a:r>
-              <a:rPr lang="pt-PT" sz="800" dirty="0"/>
-              <a:t>Comprar ou vender a ação</a:t>
-            </a:r>
-          </a:p>
-        </p:txBody>
-      </p:sp>
-      <p:sp>
-        <p:nvSpPr>
-          <p:cNvPr id="121" name="Retângulo 120">
-            <a:extLst>
-              <a:ext uri="{FF2B5EF4-FFF2-40B4-BE49-F238E27FC236}">
-                <a16:creationId xmlns:a16="http://schemas.microsoft.com/office/drawing/2014/main" id="{8C7CDE45-E53E-68B8-727F-8F0F15E23B49}"/>
-              </a:ext>
-            </a:extLst>
-          </p:cNvPr>
-          <p:cNvSpPr/>
-          <p:nvPr/>
-        </p:nvSpPr>
-        <p:spPr>
-          <a:xfrm>
-            <a:off x="6540039" y="3549947"/>
-            <a:ext cx="1185783" cy="397582"/>
-          </a:xfrm>
-          <a:prstGeom prst="rect">
-            <a:avLst/>
-          </a:prstGeom>
-        </p:spPr>
-        <p:style>
-          <a:lnRef idx="2">
-            <a:schemeClr val="dk1"/>
-          </a:lnRef>
-          <a:fillRef idx="1">
-            <a:schemeClr val="lt1"/>
-          </a:fillRef>
-          <a:effectRef idx="0">
-            <a:schemeClr val="dk1"/>
-          </a:effectRef>
-          <a:fontRef idx="minor">
-            <a:schemeClr val="dk1"/>
-          </a:fontRef>
-        </p:style>
-        <p:txBody>
-          <a:bodyPr rtlCol="0" anchor="ctr"/>
-          <a:lstStyle/>
-          <a:p>
-            <a:pPr algn="ctr"/>
-            <a:r>
-              <a:rPr lang="pt-PT" sz="800" dirty="0"/>
-              <a:t>Manter a ação</a:t>
-            </a:r>
-          </a:p>
-        </p:txBody>
-      </p:sp>
-      <p:sp>
-        <p:nvSpPr>
-          <p:cNvPr id="125" name="Retângulo 124">
-            <a:extLst>
-              <a:ext uri="{FF2B5EF4-FFF2-40B4-BE49-F238E27FC236}">
-                <a16:creationId xmlns:a16="http://schemas.microsoft.com/office/drawing/2014/main" id="{AA564A47-9458-AF72-F940-8FB1E2E0116B}"/>
-              </a:ext>
-            </a:extLst>
-          </p:cNvPr>
-          <p:cNvSpPr/>
-          <p:nvPr/>
-        </p:nvSpPr>
-        <p:spPr>
-          <a:xfrm>
-            <a:off x="91886" y="4239410"/>
-            <a:ext cx="1185782" cy="542139"/>
-          </a:xfrm>
-          <a:prstGeom prst="rect">
-            <a:avLst/>
-          </a:prstGeom>
-        </p:spPr>
-        <p:style>
-          <a:lnRef idx="2">
-            <a:schemeClr val="dk1"/>
-          </a:lnRef>
-          <a:fillRef idx="1">
-            <a:schemeClr val="lt1"/>
-          </a:fillRef>
-          <a:effectRef idx="0">
-            <a:schemeClr val="dk1"/>
-          </a:effectRef>
-          <a:fontRef idx="minor">
-            <a:schemeClr val="dk1"/>
-          </a:fontRef>
-        </p:style>
-        <p:txBody>
-          <a:bodyPr rtlCol="0" anchor="ctr"/>
-          <a:lstStyle/>
-          <a:p>
-            <a:pPr algn="ctr"/>
-            <a:r>
-              <a:rPr lang="pt-PT" sz="800" dirty="0"/>
-              <a:t>Calculamos a reward com base no desenvolvimento do asset</a:t>
-            </a:r>
-          </a:p>
-        </p:txBody>
-      </p:sp>
-      <p:cxnSp>
-        <p:nvCxnSpPr>
-          <p:cNvPr id="128" name="Conexão reta unidirecional 127">
-            <a:extLst>
-              <a:ext uri="{FF2B5EF4-FFF2-40B4-BE49-F238E27FC236}">
-                <a16:creationId xmlns:a16="http://schemas.microsoft.com/office/drawing/2014/main" id="{397AADB2-C848-AD89-EED3-FBB7144714F4}"/>
-              </a:ext>
-            </a:extLst>
-          </p:cNvPr>
-          <p:cNvCxnSpPr>
-            <a:cxnSpLocks/>
-            <a:stCxn id="118" idx="2"/>
-            <a:endCxn id="125" idx="0"/>
-          </p:cNvCxnSpPr>
-          <p:nvPr/>
-        </p:nvCxnSpPr>
-        <p:spPr>
-          <a:xfrm>
-            <a:off x="684777" y="3945025"/>
-            <a:ext cx="0" cy="294385"/>
-          </a:xfrm>
-          <a:prstGeom prst="straightConnector1">
-            <a:avLst/>
-          </a:prstGeom>
-          <a:ln>
-            <a:tailEnd type="triangle"/>
-          </a:ln>
-        </p:spPr>
-        <p:style>
-          <a:lnRef idx="1">
-            <a:schemeClr val="dk1"/>
-          </a:lnRef>
-          <a:fillRef idx="0">
-            <a:schemeClr val="dk1"/>
-          </a:fillRef>
-          <a:effectRef idx="0">
-            <a:schemeClr val="dk1"/>
-          </a:effectRef>
-          <a:fontRef idx="minor">
-            <a:schemeClr val="tx1"/>
-          </a:fontRef>
-        </p:style>
-      </p:cxnSp>
-      <p:cxnSp>
-        <p:nvCxnSpPr>
-          <p:cNvPr id="130" name="Conexão reta unidirecional 129">
-            <a:extLst>
-              <a:ext uri="{FF2B5EF4-FFF2-40B4-BE49-F238E27FC236}">
-                <a16:creationId xmlns:a16="http://schemas.microsoft.com/office/drawing/2014/main" id="{E23EE131-4463-39B1-3C70-DAB243DE6FC4}"/>
-              </a:ext>
-            </a:extLst>
-          </p:cNvPr>
-          <p:cNvCxnSpPr>
-            <a:cxnSpLocks/>
-            <a:stCxn id="121" idx="2"/>
-            <a:endCxn id="132" idx="0"/>
-          </p:cNvCxnSpPr>
-          <p:nvPr/>
-        </p:nvCxnSpPr>
-        <p:spPr>
-          <a:xfrm flipH="1">
-            <a:off x="7132930" y="3947529"/>
-            <a:ext cx="1" cy="297674"/>
-          </a:xfrm>
-          <a:prstGeom prst="straightConnector1">
-            <a:avLst/>
-          </a:prstGeom>
-          <a:ln>
-            <a:tailEnd type="triangle"/>
-          </a:ln>
-        </p:spPr>
-        <p:style>
-          <a:lnRef idx="1">
-            <a:schemeClr val="dk1"/>
-          </a:lnRef>
-          <a:fillRef idx="0">
-            <a:schemeClr val="dk1"/>
-          </a:fillRef>
-          <a:effectRef idx="0">
-            <a:schemeClr val="dk1"/>
-          </a:effectRef>
-          <a:fontRef idx="minor">
-            <a:schemeClr val="tx1"/>
-          </a:fontRef>
-        </p:style>
-      </p:cxnSp>
-      <p:sp>
-        <p:nvSpPr>
-          <p:cNvPr id="132" name="Retângulo 131">
-            <a:extLst>
-              <a:ext uri="{FF2B5EF4-FFF2-40B4-BE49-F238E27FC236}">
-                <a16:creationId xmlns:a16="http://schemas.microsoft.com/office/drawing/2014/main" id="{5DE5C8D7-970E-EA09-6E14-E4FE3F677D63}"/>
-              </a:ext>
-            </a:extLst>
-          </p:cNvPr>
-          <p:cNvSpPr/>
-          <p:nvPr/>
-        </p:nvSpPr>
-        <p:spPr>
-          <a:xfrm>
-            <a:off x="6540039" y="4245203"/>
-            <a:ext cx="1185782" cy="542139"/>
-          </a:xfrm>
-          <a:prstGeom prst="rect">
-            <a:avLst/>
-          </a:prstGeom>
-        </p:spPr>
-        <p:style>
-          <a:lnRef idx="2">
-            <a:schemeClr val="dk1"/>
-          </a:lnRef>
-          <a:fillRef idx="1">
-            <a:schemeClr val="lt1"/>
-          </a:fillRef>
-          <a:effectRef idx="0">
-            <a:schemeClr val="dk1"/>
-          </a:effectRef>
-          <a:fontRef idx="minor">
-            <a:schemeClr val="dk1"/>
-          </a:fontRef>
-        </p:style>
-        <p:txBody>
-          <a:bodyPr rtlCol="0" anchor="ctr"/>
-          <a:lstStyle/>
-          <a:p>
-            <a:pPr algn="ctr"/>
-            <a:r>
-              <a:rPr lang="pt-PT" sz="800" dirty="0"/>
-              <a:t>Calculamos a reward com base no desenvolvimento do mercado</a:t>
-            </a:r>
-          </a:p>
-        </p:txBody>
-      </p:sp>
-      <p:cxnSp>
-        <p:nvCxnSpPr>
-          <p:cNvPr id="141" name="Conexão: Ângulo Reto 140">
-            <a:extLst>
-              <a:ext uri="{FF2B5EF4-FFF2-40B4-BE49-F238E27FC236}">
-                <a16:creationId xmlns:a16="http://schemas.microsoft.com/office/drawing/2014/main" id="{4405149E-FE30-B00C-7193-3D12D1FD953E}"/>
-              </a:ext>
-            </a:extLst>
-          </p:cNvPr>
-          <p:cNvCxnSpPr>
-            <a:cxnSpLocks/>
-            <a:stCxn id="125" idx="3"/>
-            <a:endCxn id="154" idx="1"/>
-          </p:cNvCxnSpPr>
-          <p:nvPr/>
-        </p:nvCxnSpPr>
-        <p:spPr>
-          <a:xfrm>
-            <a:off x="1277668" y="4510480"/>
-            <a:ext cx="2455521" cy="159906"/>
-          </a:xfrm>
-          <a:prstGeom prst="bentConnector3">
-            <a:avLst/>
-          </a:prstGeom>
-          <a:ln>
-            <a:tailEnd type="triangle"/>
-          </a:ln>
-        </p:spPr>
-        <p:style>
-          <a:lnRef idx="1">
-            <a:schemeClr val="dk1"/>
-          </a:lnRef>
-          <a:fillRef idx="0">
-            <a:schemeClr val="dk1"/>
-          </a:fillRef>
-          <a:effectRef idx="0">
-            <a:schemeClr val="dk1"/>
-          </a:effectRef>
-          <a:fontRef idx="minor">
-            <a:schemeClr val="tx1"/>
-          </a:fontRef>
-        </p:style>
-      </p:cxnSp>
-      <p:cxnSp>
-        <p:nvCxnSpPr>
-          <p:cNvPr id="146" name="Conexão: Ângulo Reto 145">
-            <a:extLst>
-              <a:ext uri="{FF2B5EF4-FFF2-40B4-BE49-F238E27FC236}">
-                <a16:creationId xmlns:a16="http://schemas.microsoft.com/office/drawing/2014/main" id="{BCDD6760-19B0-34B3-9CF4-5211A03FE87A}"/>
-              </a:ext>
-            </a:extLst>
-          </p:cNvPr>
-          <p:cNvCxnSpPr>
-            <a:cxnSpLocks/>
-            <a:stCxn id="132" idx="1"/>
-            <a:endCxn id="154" idx="3"/>
-          </p:cNvCxnSpPr>
-          <p:nvPr/>
-        </p:nvCxnSpPr>
-        <p:spPr>
-          <a:xfrm rot="10800000" flipV="1">
-            <a:off x="4918973" y="4516272"/>
-            <a:ext cx="1621067" cy="154113"/>
-          </a:xfrm>
-          <a:prstGeom prst="bentConnector3">
-            <a:avLst/>
-          </a:prstGeom>
-          <a:ln>
-            <a:tailEnd type="triangle"/>
-          </a:ln>
-        </p:spPr>
-        <p:style>
-          <a:lnRef idx="1">
-            <a:schemeClr val="dk1"/>
-          </a:lnRef>
-          <a:fillRef idx="0">
-            <a:schemeClr val="dk1"/>
-          </a:fillRef>
-          <a:effectRef idx="0">
-            <a:schemeClr val="dk1"/>
-          </a:effectRef>
-          <a:fontRef idx="minor">
-            <a:schemeClr val="tx1"/>
-          </a:fontRef>
-        </p:style>
-      </p:cxnSp>
-      <p:sp>
-        <p:nvSpPr>
-          <p:cNvPr id="154" name="Retângulo 153">
-            <a:extLst>
-              <a:ext uri="{FF2B5EF4-FFF2-40B4-BE49-F238E27FC236}">
-                <a16:creationId xmlns:a16="http://schemas.microsoft.com/office/drawing/2014/main" id="{49A1304E-5F86-4624-E63C-71ACFAA515FC}"/>
-              </a:ext>
-            </a:extLst>
-          </p:cNvPr>
-          <p:cNvSpPr/>
-          <p:nvPr/>
-        </p:nvSpPr>
-        <p:spPr>
-          <a:xfrm>
-            <a:off x="3733189" y="4475647"/>
-            <a:ext cx="1185783" cy="389478"/>
-          </a:xfrm>
-          <a:prstGeom prst="rect">
-            <a:avLst/>
-          </a:prstGeom>
-        </p:spPr>
-        <p:style>
-          <a:lnRef idx="2">
-            <a:schemeClr val="dk1"/>
-          </a:lnRef>
-          <a:fillRef idx="1">
-            <a:schemeClr val="lt1"/>
-          </a:fillRef>
-          <a:effectRef idx="0">
-            <a:schemeClr val="dk1"/>
-          </a:effectRef>
-          <a:fontRef idx="minor">
-            <a:schemeClr val="dk1"/>
-          </a:fontRef>
-        </p:style>
-        <p:txBody>
-          <a:bodyPr rtlCol="0" anchor="ctr"/>
-          <a:lstStyle/>
-          <a:p>
-            <a:pPr algn="ctr"/>
-            <a:r>
-              <a:rPr lang="pt-PT" sz="800" dirty="0"/>
-              <a:t>Atualizar a Q-Table</a:t>
-            </a:r>
-          </a:p>
-        </p:txBody>
-      </p:sp>
-      <p:cxnSp>
-        <p:nvCxnSpPr>
-          <p:cNvPr id="168" name="Conexão: Ângulo Reto 167">
-            <a:extLst>
-              <a:ext uri="{FF2B5EF4-FFF2-40B4-BE49-F238E27FC236}">
-                <a16:creationId xmlns:a16="http://schemas.microsoft.com/office/drawing/2014/main" id="{A9FF0C5B-D11F-C907-C53F-34E5BB73D6BE}"/>
-              </a:ext>
-            </a:extLst>
-          </p:cNvPr>
-          <p:cNvCxnSpPr>
-            <a:stCxn id="154" idx="2"/>
-            <a:endCxn id="5" idx="3"/>
-          </p:cNvCxnSpPr>
-          <p:nvPr/>
-        </p:nvCxnSpPr>
-        <p:spPr>
-          <a:xfrm rot="5400000" flipH="1" flipV="1">
-            <a:off x="2751529" y="2407346"/>
-            <a:ext cx="4032331" cy="883228"/>
-          </a:xfrm>
-          <a:prstGeom prst="bentConnector4">
-            <a:avLst>
-              <a:gd name="adj1" fmla="val -4015"/>
-              <a:gd name="adj2" fmla="val 470980"/>
-            </a:avLst>
-          </a:prstGeom>
-          <a:ln>
-            <a:tailEnd type="triangle"/>
-          </a:ln>
-        </p:spPr>
-        <p:style>
-          <a:lnRef idx="1">
-            <a:schemeClr val="dk1"/>
-          </a:lnRef>
-          <a:fillRef idx="0">
-            <a:schemeClr val="dk1"/>
-          </a:fillRef>
-          <a:effectRef idx="0">
-            <a:schemeClr val="dk1"/>
-          </a:effectRef>
-          <a:fontRef idx="minor">
-            <a:schemeClr val="tx1"/>
-          </a:fontRef>
-        </p:style>
-      </p:cxnSp>
-    </p:spTree>
-    <p:extLst>
-      <p:ext uri="{BB962C8B-B14F-4D97-AF65-F5344CB8AC3E}">
-        <p14:creationId xmlns:p14="http://schemas.microsoft.com/office/powerpoint/2010/main" val="657393517"/>
-      </p:ext>
-    </p:extLst>
-  </p:cSld>
-  <p:clrMapOvr>
-    <a:masterClrMapping/>
-  </p:clrMapOvr>
-</p:sld>
-</file>
-
-<file path=ppt/slides/slide7.xml><?xml version="1.0" encoding="utf-8"?>
-<p:sld xmlns:a="http://schemas.openxmlformats.org/drawingml/2006/main" xmlns:r="http://schemas.openxmlformats.org/officeDocument/2006/relationships" xmlns:p="http://schemas.openxmlformats.org/presentationml/2006/main">
-  <p:cSld>
-    <p:spTree>
-      <p:nvGrpSpPr>
         <p:cNvPr id="1" name="Shape 449">
           <a:extLst>
             <a:ext uri="{FF2B5EF4-FFF2-40B4-BE49-F238E27FC236}">
@@ -53164,10 +52161,1751 @@
           </a:prstGeom>
         </p:spPr>
       </p:pic>
+      <p:grpSp>
+        <p:nvGrpSpPr>
+          <p:cNvPr id="4" name="Google Shape;418;p18">
+            <a:extLst>
+              <a:ext uri="{FF2B5EF4-FFF2-40B4-BE49-F238E27FC236}">
+                <a16:creationId xmlns:a16="http://schemas.microsoft.com/office/drawing/2014/main" id="{404DA26E-4D52-C31A-73FA-B77E294A4D36}"/>
+              </a:ext>
+            </a:extLst>
+          </p:cNvPr>
+          <p:cNvGrpSpPr/>
+          <p:nvPr/>
+        </p:nvGrpSpPr>
+        <p:grpSpPr>
+          <a:xfrm>
+            <a:off x="5580198" y="2990104"/>
+            <a:ext cx="2386992" cy="338759"/>
+            <a:chOff x="12711310" y="-610164"/>
+            <a:chExt cx="5055058" cy="650100"/>
+          </a:xfrm>
+          <a:solidFill>
+            <a:srgbClr val="FF33CC"/>
+          </a:solidFill>
+        </p:grpSpPr>
+        <p:sp>
+          <p:nvSpPr>
+            <p:cNvPr id="17" name="Google Shape;419;p18">
+              <a:extLst>
+                <a:ext uri="{FF2B5EF4-FFF2-40B4-BE49-F238E27FC236}">
+                  <a16:creationId xmlns:a16="http://schemas.microsoft.com/office/drawing/2014/main" id="{1AD93886-BA62-C496-EE8D-0118FFF92F9B}"/>
+                </a:ext>
+              </a:extLst>
+            </p:cNvPr>
+            <p:cNvSpPr/>
+            <p:nvPr/>
+          </p:nvSpPr>
+          <p:spPr>
+            <a:xfrm>
+              <a:off x="14089568" y="-610164"/>
+              <a:ext cx="3676800" cy="650100"/>
+            </a:xfrm>
+            <a:prstGeom prst="roundRect">
+              <a:avLst>
+                <a:gd name="adj" fmla="val 50000"/>
+              </a:avLst>
+            </a:prstGeom>
+            <a:solidFill>
+              <a:schemeClr val="accent6">
+                <a:lumMod val="20000"/>
+                <a:lumOff val="80000"/>
+              </a:schemeClr>
+            </a:solidFill>
+            <a:ln>
+              <a:noFill/>
+            </a:ln>
+          </p:spPr>
+          <p:txBody>
+            <a:bodyPr spcFirstLastPara="1" wrap="square" lIns="91425" tIns="91425" rIns="91425" bIns="91425" anchor="ctr" anchorCtr="0">
+              <a:noAutofit/>
+            </a:bodyPr>
+            <a:lstStyle/>
+            <a:p>
+              <a:pPr marL="0" lvl="0" indent="0" algn="r" rtl="0">
+                <a:spcBef>
+                  <a:spcPts val="0"/>
+                </a:spcBef>
+                <a:spcAft>
+                  <a:spcPts val="0"/>
+                </a:spcAft>
+                <a:buNone/>
+              </a:pPr>
+              <a:r>
+                <a:rPr lang="en-US" dirty="0"/>
+                <a:t>                    0.55</a:t>
+              </a:r>
+              <a:endParaRPr dirty="0"/>
+            </a:p>
+          </p:txBody>
+        </p:sp>
+        <p:sp>
+          <p:nvSpPr>
+            <p:cNvPr id="18" name="Google Shape;420;p18">
+              <a:extLst>
+                <a:ext uri="{FF2B5EF4-FFF2-40B4-BE49-F238E27FC236}">
+                  <a16:creationId xmlns:a16="http://schemas.microsoft.com/office/drawing/2014/main" id="{0C3AD6F3-CCA3-2C5C-9210-E50E634D958F}"/>
+                </a:ext>
+              </a:extLst>
+            </p:cNvPr>
+            <p:cNvSpPr/>
+            <p:nvPr/>
+          </p:nvSpPr>
+          <p:spPr>
+            <a:xfrm>
+              <a:off x="12711310" y="-528972"/>
+              <a:ext cx="2928436" cy="464400"/>
+            </a:xfrm>
+            <a:prstGeom prst="roundRect">
+              <a:avLst>
+                <a:gd name="adj" fmla="val 50000"/>
+              </a:avLst>
+            </a:prstGeom>
+            <a:solidFill>
+              <a:schemeClr val="accent6">
+                <a:lumMod val="60000"/>
+                <a:lumOff val="40000"/>
+              </a:schemeClr>
+            </a:solidFill>
+            <a:ln>
+              <a:noFill/>
+            </a:ln>
+          </p:spPr>
+          <p:txBody>
+            <a:bodyPr spcFirstLastPara="1" wrap="square" lIns="91425" tIns="91425" rIns="91425" bIns="91425" anchor="ctr" anchorCtr="0">
+              <a:noAutofit/>
+            </a:bodyPr>
+            <a:lstStyle/>
+            <a:p>
+              <a:pPr marL="0" lvl="0" indent="0" algn="ctr" rtl="0">
+                <a:spcBef>
+                  <a:spcPts val="0"/>
+                </a:spcBef>
+                <a:spcAft>
+                  <a:spcPts val="0"/>
+                </a:spcAft>
+                <a:buNone/>
+              </a:pPr>
+              <a:r>
+                <a:rPr lang="pt-PT" dirty="0"/>
+                <a:t>StrategyProb</a:t>
+              </a:r>
+              <a:r>
+                <a:rPr lang="en-US" dirty="0"/>
+                <a:t> </a:t>
+              </a:r>
+              <a:endParaRPr dirty="0"/>
+            </a:p>
+          </p:txBody>
+        </p:sp>
+      </p:grpSp>
     </p:spTree>
     <p:extLst>
       <p:ext uri="{BB962C8B-B14F-4D97-AF65-F5344CB8AC3E}">
         <p14:creationId xmlns:p14="http://schemas.microsoft.com/office/powerpoint/2010/main" val="3910427442"/>
+      </p:ext>
+    </p:extLst>
+  </p:cSld>
+  <p:clrMapOvr>
+    <a:masterClrMapping/>
+  </p:clrMapOvr>
+</p:sld>
+</file>
+
+<file path=ppt/slides/slide7.xml><?xml version="1.0" encoding="utf-8"?>
+<p:sld xmlns:a="http://schemas.openxmlformats.org/drawingml/2006/main" xmlns:r="http://schemas.openxmlformats.org/officeDocument/2006/relationships" xmlns:p="http://schemas.openxmlformats.org/presentationml/2006/main">
+  <p:cSld>
+    <p:spTree>
+      <p:nvGrpSpPr>
+        <p:cNvPr id="1" name=""/>
+        <p:cNvGrpSpPr/>
+        <p:nvPr/>
+      </p:nvGrpSpPr>
+      <p:grpSpPr>
+        <a:xfrm>
+          <a:off x="0" y="0"/>
+          <a:ext cx="0" cy="0"/>
+          <a:chOff x="0" y="0"/>
+          <a:chExt cx="0" cy="0"/>
+        </a:xfrm>
+      </p:grpSpPr>
+      <p:sp>
+        <p:nvSpPr>
+          <p:cNvPr id="2" name="Título 1">
+            <a:extLst>
+              <a:ext uri="{FF2B5EF4-FFF2-40B4-BE49-F238E27FC236}">
+                <a16:creationId xmlns:a16="http://schemas.microsoft.com/office/drawing/2014/main" id="{36D645B3-0785-6728-97FE-8AFE97347775}"/>
+              </a:ext>
+            </a:extLst>
+          </p:cNvPr>
+          <p:cNvSpPr>
+            <a:spLocks noGrp="1"/>
+          </p:cNvSpPr>
+          <p:nvPr>
+            <p:ph type="title"/>
+          </p:nvPr>
+        </p:nvSpPr>
+        <p:spPr>
+          <a:xfrm>
+            <a:off x="457200" y="196729"/>
+            <a:ext cx="8229600" cy="371400"/>
+          </a:xfrm>
+        </p:spPr>
+        <p:txBody>
+          <a:bodyPr>
+            <a:normAutofit fontScale="90000"/>
+          </a:bodyPr>
+          <a:lstStyle/>
+          <a:p>
+            <a:r>
+              <a:rPr lang="pt-PT" dirty="0"/>
+              <a:t>Estratégia de decisão no modelo</a:t>
+            </a:r>
+          </a:p>
+        </p:txBody>
+      </p:sp>
+      <p:sp>
+        <p:nvSpPr>
+          <p:cNvPr id="5" name="Retângulo 4">
+            <a:extLst>
+              <a:ext uri="{FF2B5EF4-FFF2-40B4-BE49-F238E27FC236}">
+                <a16:creationId xmlns:a16="http://schemas.microsoft.com/office/drawing/2014/main" id="{0215206F-9B7B-1E42-4CDC-BB7650194815}"/>
+              </a:ext>
+            </a:extLst>
+          </p:cNvPr>
+          <p:cNvSpPr/>
+          <p:nvPr/>
+        </p:nvSpPr>
+        <p:spPr>
+          <a:xfrm>
+            <a:off x="3692226" y="633240"/>
+            <a:ext cx="1766455" cy="371400"/>
+          </a:xfrm>
+          <a:prstGeom prst="rect">
+            <a:avLst/>
+          </a:prstGeom>
+          <a:solidFill>
+            <a:schemeClr val="bg1"/>
+          </a:solidFill>
+          <a:ln>
+            <a:solidFill>
+              <a:schemeClr val="tx1"/>
+            </a:solidFill>
+          </a:ln>
+        </p:spPr>
+        <p:style>
+          <a:lnRef idx="2">
+            <a:schemeClr val="accent1">
+              <a:shade val="15000"/>
+            </a:schemeClr>
+          </a:lnRef>
+          <a:fillRef idx="1">
+            <a:schemeClr val="accent1"/>
+          </a:fillRef>
+          <a:effectRef idx="0">
+            <a:schemeClr val="accent1"/>
+          </a:effectRef>
+          <a:fontRef idx="minor">
+            <a:schemeClr val="lt1"/>
+          </a:fontRef>
+        </p:style>
+        <p:txBody>
+          <a:bodyPr rtlCol="0" anchor="ctr"/>
+          <a:lstStyle/>
+          <a:p>
+            <a:pPr algn="ctr"/>
+            <a:r>
+              <a:rPr lang="pt-PT" sz="900" dirty="0">
+                <a:solidFill>
+                  <a:schemeClr val="tx1"/>
+                </a:solidFill>
+              </a:rPr>
+              <a:t>Novo dia no </a:t>
+            </a:r>
+            <a:r>
+              <a:rPr lang="pt-PT" sz="800" dirty="0">
+                <a:solidFill>
+                  <a:schemeClr val="tx1"/>
+                </a:solidFill>
+              </a:rPr>
+              <a:t>mercado</a:t>
+            </a:r>
+            <a:r>
+              <a:rPr lang="pt-PT" sz="900" dirty="0">
+                <a:solidFill>
+                  <a:schemeClr val="tx1"/>
+                </a:solidFill>
+              </a:rPr>
+              <a:t> olhamos para o valor no fecho </a:t>
+            </a:r>
+          </a:p>
+        </p:txBody>
+      </p:sp>
+      <p:cxnSp>
+        <p:nvCxnSpPr>
+          <p:cNvPr id="7" name="Conexão reta unidirecional 6">
+            <a:extLst>
+              <a:ext uri="{FF2B5EF4-FFF2-40B4-BE49-F238E27FC236}">
+                <a16:creationId xmlns:a16="http://schemas.microsoft.com/office/drawing/2014/main" id="{6EABC265-B490-3C3D-A800-291EC8EA82DA}"/>
+              </a:ext>
+            </a:extLst>
+          </p:cNvPr>
+          <p:cNvCxnSpPr>
+            <a:cxnSpLocks/>
+            <a:stCxn id="5" idx="2"/>
+            <a:endCxn id="9" idx="0"/>
+          </p:cNvCxnSpPr>
+          <p:nvPr/>
+        </p:nvCxnSpPr>
+        <p:spPr>
+          <a:xfrm flipH="1">
+            <a:off x="4575453" y="1004640"/>
+            <a:ext cx="1" cy="140127"/>
+          </a:xfrm>
+          <a:prstGeom prst="straightConnector1">
+            <a:avLst/>
+          </a:prstGeom>
+          <a:ln>
+            <a:solidFill>
+              <a:schemeClr val="tx1"/>
+            </a:solidFill>
+            <a:tailEnd type="triangle"/>
+          </a:ln>
+        </p:spPr>
+        <p:style>
+          <a:lnRef idx="1">
+            <a:schemeClr val="accent1"/>
+          </a:lnRef>
+          <a:fillRef idx="0">
+            <a:schemeClr val="accent1"/>
+          </a:fillRef>
+          <a:effectRef idx="0">
+            <a:schemeClr val="accent1"/>
+          </a:effectRef>
+          <a:fontRef idx="minor">
+            <a:schemeClr val="tx1"/>
+          </a:fontRef>
+        </p:style>
+      </p:cxnSp>
+      <p:sp>
+        <p:nvSpPr>
+          <p:cNvPr id="9" name="Oval 8">
+            <a:extLst>
+              <a:ext uri="{FF2B5EF4-FFF2-40B4-BE49-F238E27FC236}">
+                <a16:creationId xmlns:a16="http://schemas.microsoft.com/office/drawing/2014/main" id="{24A144EF-E9EA-DAD4-5C11-AAC9AB8CAB12}"/>
+              </a:ext>
+            </a:extLst>
+          </p:cNvPr>
+          <p:cNvSpPr/>
+          <p:nvPr/>
+        </p:nvSpPr>
+        <p:spPr>
+          <a:xfrm>
+            <a:off x="3794406" y="1144767"/>
+            <a:ext cx="1562094" cy="677106"/>
+          </a:xfrm>
+          <a:prstGeom prst="ellipse">
+            <a:avLst/>
+          </a:prstGeom>
+          <a:solidFill>
+            <a:schemeClr val="bg1"/>
+          </a:solidFill>
+          <a:ln>
+            <a:solidFill>
+              <a:schemeClr val="tx1"/>
+            </a:solidFill>
+          </a:ln>
+        </p:spPr>
+        <p:style>
+          <a:lnRef idx="2">
+            <a:schemeClr val="accent1">
+              <a:shade val="15000"/>
+            </a:schemeClr>
+          </a:lnRef>
+          <a:fillRef idx="1">
+            <a:schemeClr val="accent1"/>
+          </a:fillRef>
+          <a:effectRef idx="0">
+            <a:schemeClr val="accent1"/>
+          </a:effectRef>
+          <a:fontRef idx="minor">
+            <a:schemeClr val="lt1"/>
+          </a:fontRef>
+        </p:style>
+        <p:txBody>
+          <a:bodyPr rtlCol="0" anchor="ctr"/>
+          <a:lstStyle/>
+          <a:p>
+            <a:pPr algn="ctr"/>
+            <a:r>
+              <a:rPr lang="pt-PT" sz="800" dirty="0">
+                <a:solidFill>
+                  <a:schemeClr val="tx1"/>
+                </a:solidFill>
+              </a:rPr>
+              <a:t>Verificamos se o randomizer produz um valor superior ao do épsilon</a:t>
+            </a:r>
+          </a:p>
+        </p:txBody>
+      </p:sp>
+      <p:sp>
+        <p:nvSpPr>
+          <p:cNvPr id="17" name="CaixaDeTexto 16">
+            <a:extLst>
+              <a:ext uri="{FF2B5EF4-FFF2-40B4-BE49-F238E27FC236}">
+                <a16:creationId xmlns:a16="http://schemas.microsoft.com/office/drawing/2014/main" id="{FE692625-E8E6-A78C-9D73-D6B7B89F15B9}"/>
+              </a:ext>
+            </a:extLst>
+          </p:cNvPr>
+          <p:cNvSpPr txBox="1"/>
+          <p:nvPr/>
+        </p:nvSpPr>
+        <p:spPr>
+          <a:xfrm>
+            <a:off x="2474767" y="1235471"/>
+            <a:ext cx="1319639" cy="215444"/>
+          </a:xfrm>
+          <a:prstGeom prst="rect">
+            <a:avLst/>
+          </a:prstGeom>
+          <a:noFill/>
+        </p:spPr>
+        <p:txBody>
+          <a:bodyPr wrap="square" rtlCol="0">
+            <a:spAutoFit/>
+          </a:bodyPr>
+          <a:lstStyle/>
+          <a:p>
+            <a:r>
+              <a:rPr lang="pt-PT" sz="800" dirty="0"/>
+              <a:t>Sim (exploitation)</a:t>
+            </a:r>
+          </a:p>
+        </p:txBody>
+      </p:sp>
+      <p:sp>
+        <p:nvSpPr>
+          <p:cNvPr id="18" name="CaixaDeTexto 17">
+            <a:extLst>
+              <a:ext uri="{FF2B5EF4-FFF2-40B4-BE49-F238E27FC236}">
+                <a16:creationId xmlns:a16="http://schemas.microsoft.com/office/drawing/2014/main" id="{CD142F4F-5F05-1D2F-24E6-F497C6462D25}"/>
+              </a:ext>
+            </a:extLst>
+          </p:cNvPr>
+          <p:cNvSpPr txBox="1"/>
+          <p:nvPr/>
+        </p:nvSpPr>
+        <p:spPr>
+          <a:xfrm>
+            <a:off x="5695949" y="1235471"/>
+            <a:ext cx="1319639" cy="215444"/>
+          </a:xfrm>
+          <a:prstGeom prst="rect">
+            <a:avLst/>
+          </a:prstGeom>
+          <a:noFill/>
+        </p:spPr>
+        <p:txBody>
+          <a:bodyPr wrap="square" rtlCol="0">
+            <a:spAutoFit/>
+          </a:bodyPr>
+          <a:lstStyle/>
+          <a:p>
+            <a:r>
+              <a:rPr lang="pt-PT" sz="800" dirty="0"/>
+              <a:t>Não (exploration)</a:t>
+            </a:r>
+          </a:p>
+        </p:txBody>
+      </p:sp>
+      <p:sp>
+        <p:nvSpPr>
+          <p:cNvPr id="19" name="Oval 18">
+            <a:extLst>
+              <a:ext uri="{FF2B5EF4-FFF2-40B4-BE49-F238E27FC236}">
+                <a16:creationId xmlns:a16="http://schemas.microsoft.com/office/drawing/2014/main" id="{A15F6D39-950F-6CCD-D617-5393B344BB6A}"/>
+              </a:ext>
+            </a:extLst>
+          </p:cNvPr>
+          <p:cNvSpPr/>
+          <p:nvPr/>
+        </p:nvSpPr>
+        <p:spPr>
+          <a:xfrm>
+            <a:off x="1389241" y="1584930"/>
+            <a:ext cx="1562094" cy="623617"/>
+          </a:xfrm>
+          <a:prstGeom prst="ellipse">
+            <a:avLst/>
+          </a:prstGeom>
+          <a:solidFill>
+            <a:schemeClr val="bg1"/>
+          </a:solidFill>
+          <a:ln>
+            <a:solidFill>
+              <a:schemeClr val="tx1"/>
+            </a:solidFill>
+          </a:ln>
+        </p:spPr>
+        <p:style>
+          <a:lnRef idx="2">
+            <a:schemeClr val="accent1">
+              <a:shade val="15000"/>
+            </a:schemeClr>
+          </a:lnRef>
+          <a:fillRef idx="1">
+            <a:schemeClr val="accent1"/>
+          </a:fillRef>
+          <a:effectRef idx="0">
+            <a:schemeClr val="accent1"/>
+          </a:effectRef>
+          <a:fontRef idx="minor">
+            <a:schemeClr val="lt1"/>
+          </a:fontRef>
+        </p:style>
+        <p:txBody>
+          <a:bodyPr rtlCol="0" anchor="ctr"/>
+          <a:lstStyle/>
+          <a:p>
+            <a:pPr algn="ctr"/>
+            <a:r>
+              <a:rPr lang="pt-PT" sz="800" dirty="0">
+                <a:solidFill>
+                  <a:schemeClr val="tx1"/>
+                </a:solidFill>
+              </a:rPr>
+              <a:t>Verificamos se o randomizer gera um valor superior ao da StrategyProb</a:t>
+            </a:r>
+          </a:p>
+        </p:txBody>
+      </p:sp>
+      <p:cxnSp>
+        <p:nvCxnSpPr>
+          <p:cNvPr id="22" name="Conexão: Ângulo Reto 21">
+            <a:extLst>
+              <a:ext uri="{FF2B5EF4-FFF2-40B4-BE49-F238E27FC236}">
+                <a16:creationId xmlns:a16="http://schemas.microsoft.com/office/drawing/2014/main" id="{2913F3C5-A4D0-8477-0287-80FCF85DE66B}"/>
+              </a:ext>
+            </a:extLst>
+          </p:cNvPr>
+          <p:cNvCxnSpPr>
+            <a:cxnSpLocks/>
+            <a:stCxn id="9" idx="2"/>
+            <a:endCxn id="19" idx="0"/>
+          </p:cNvCxnSpPr>
+          <p:nvPr/>
+        </p:nvCxnSpPr>
+        <p:spPr>
+          <a:xfrm rot="10800000" flipV="1">
+            <a:off x="2170288" y="1483320"/>
+            <a:ext cx="1624118" cy="101610"/>
+          </a:xfrm>
+          <a:prstGeom prst="bentConnector2">
+            <a:avLst/>
+          </a:prstGeom>
+          <a:ln>
+            <a:solidFill>
+              <a:schemeClr val="tx1"/>
+            </a:solidFill>
+            <a:tailEnd type="triangle"/>
+          </a:ln>
+        </p:spPr>
+        <p:style>
+          <a:lnRef idx="1">
+            <a:schemeClr val="accent1"/>
+          </a:lnRef>
+          <a:fillRef idx="0">
+            <a:schemeClr val="accent1"/>
+          </a:fillRef>
+          <a:effectRef idx="0">
+            <a:schemeClr val="accent1"/>
+          </a:effectRef>
+          <a:fontRef idx="minor">
+            <a:schemeClr val="tx1"/>
+          </a:fontRef>
+        </p:style>
+      </p:cxnSp>
+      <p:cxnSp>
+        <p:nvCxnSpPr>
+          <p:cNvPr id="24" name="Conexão: Ângulo Reto 23">
+            <a:extLst>
+              <a:ext uri="{FF2B5EF4-FFF2-40B4-BE49-F238E27FC236}">
+                <a16:creationId xmlns:a16="http://schemas.microsoft.com/office/drawing/2014/main" id="{C8C74CC6-A9F1-C98F-AF18-10B0E99CC07A}"/>
+              </a:ext>
+            </a:extLst>
+          </p:cNvPr>
+          <p:cNvCxnSpPr>
+            <a:cxnSpLocks/>
+            <a:stCxn id="9" idx="6"/>
+            <a:endCxn id="55" idx="0"/>
+          </p:cNvCxnSpPr>
+          <p:nvPr/>
+        </p:nvCxnSpPr>
+        <p:spPr>
+          <a:xfrm>
+            <a:off x="5356500" y="1483320"/>
+            <a:ext cx="2025803" cy="826838"/>
+          </a:xfrm>
+          <a:prstGeom prst="bentConnector2">
+            <a:avLst/>
+          </a:prstGeom>
+          <a:ln>
+            <a:solidFill>
+              <a:schemeClr val="tx1"/>
+            </a:solidFill>
+            <a:tailEnd type="triangle"/>
+          </a:ln>
+        </p:spPr>
+        <p:style>
+          <a:lnRef idx="1">
+            <a:schemeClr val="accent1"/>
+          </a:lnRef>
+          <a:fillRef idx="0">
+            <a:schemeClr val="accent1"/>
+          </a:fillRef>
+          <a:effectRef idx="0">
+            <a:schemeClr val="accent1"/>
+          </a:effectRef>
+          <a:fontRef idx="minor">
+            <a:schemeClr val="tx1"/>
+          </a:fontRef>
+        </p:style>
+      </p:cxnSp>
+      <p:cxnSp>
+        <p:nvCxnSpPr>
+          <p:cNvPr id="33" name="Conexão: Ângulo Reto 32">
+            <a:extLst>
+              <a:ext uri="{FF2B5EF4-FFF2-40B4-BE49-F238E27FC236}">
+                <a16:creationId xmlns:a16="http://schemas.microsoft.com/office/drawing/2014/main" id="{D2E692C3-4C99-B68F-6A71-B7E6D86120F3}"/>
+              </a:ext>
+            </a:extLst>
+          </p:cNvPr>
+          <p:cNvCxnSpPr>
+            <a:cxnSpLocks/>
+            <a:stCxn id="19" idx="2"/>
+            <a:endCxn id="40" idx="0"/>
+          </p:cNvCxnSpPr>
+          <p:nvPr/>
+        </p:nvCxnSpPr>
+        <p:spPr>
+          <a:xfrm rot="10800000" flipV="1">
+            <a:off x="934151" y="1896738"/>
+            <a:ext cx="455091" cy="414935"/>
+          </a:xfrm>
+          <a:prstGeom prst="bentConnector2">
+            <a:avLst/>
+          </a:prstGeom>
+          <a:ln>
+            <a:solidFill>
+              <a:schemeClr val="tx1"/>
+            </a:solidFill>
+            <a:tailEnd type="triangle"/>
+          </a:ln>
+        </p:spPr>
+        <p:style>
+          <a:lnRef idx="1">
+            <a:schemeClr val="accent1"/>
+          </a:lnRef>
+          <a:fillRef idx="0">
+            <a:schemeClr val="accent1"/>
+          </a:fillRef>
+          <a:effectRef idx="0">
+            <a:schemeClr val="accent1"/>
+          </a:effectRef>
+          <a:fontRef idx="minor">
+            <a:schemeClr val="tx1"/>
+          </a:fontRef>
+        </p:style>
+      </p:cxnSp>
+      <p:cxnSp>
+        <p:nvCxnSpPr>
+          <p:cNvPr id="37" name="Conexão: Ângulo Reto 36">
+            <a:extLst>
+              <a:ext uri="{FF2B5EF4-FFF2-40B4-BE49-F238E27FC236}">
+                <a16:creationId xmlns:a16="http://schemas.microsoft.com/office/drawing/2014/main" id="{3230C4A3-817E-B90B-9C24-5296A73314A0}"/>
+              </a:ext>
+            </a:extLst>
+          </p:cNvPr>
+          <p:cNvCxnSpPr>
+            <a:cxnSpLocks/>
+            <a:stCxn id="19" idx="6"/>
+            <a:endCxn id="45" idx="0"/>
+          </p:cNvCxnSpPr>
+          <p:nvPr/>
+        </p:nvCxnSpPr>
+        <p:spPr>
+          <a:xfrm>
+            <a:off x="2951335" y="1896739"/>
+            <a:ext cx="533752" cy="413420"/>
+          </a:xfrm>
+          <a:prstGeom prst="bentConnector2">
+            <a:avLst/>
+          </a:prstGeom>
+          <a:ln>
+            <a:solidFill>
+              <a:schemeClr val="tx1"/>
+            </a:solidFill>
+            <a:tailEnd type="triangle"/>
+          </a:ln>
+        </p:spPr>
+        <p:style>
+          <a:lnRef idx="1">
+            <a:schemeClr val="accent1"/>
+          </a:lnRef>
+          <a:fillRef idx="0">
+            <a:schemeClr val="accent1"/>
+          </a:fillRef>
+          <a:effectRef idx="0">
+            <a:schemeClr val="accent1"/>
+          </a:effectRef>
+          <a:fontRef idx="minor">
+            <a:schemeClr val="tx1"/>
+          </a:fontRef>
+        </p:style>
+      </p:cxnSp>
+      <p:sp>
+        <p:nvSpPr>
+          <p:cNvPr id="40" name="Retângulo 39">
+            <a:extLst>
+              <a:ext uri="{FF2B5EF4-FFF2-40B4-BE49-F238E27FC236}">
+                <a16:creationId xmlns:a16="http://schemas.microsoft.com/office/drawing/2014/main" id="{E9F3EAB9-680F-3F26-6998-3EF33ABCC189}"/>
+              </a:ext>
+            </a:extLst>
+          </p:cNvPr>
+          <p:cNvSpPr/>
+          <p:nvPr/>
+        </p:nvSpPr>
+        <p:spPr>
+          <a:xfrm>
+            <a:off x="341258" y="2311674"/>
+            <a:ext cx="1185783" cy="397582"/>
+          </a:xfrm>
+          <a:prstGeom prst="rect">
+            <a:avLst/>
+          </a:prstGeom>
+        </p:spPr>
+        <p:style>
+          <a:lnRef idx="2">
+            <a:schemeClr val="dk1"/>
+          </a:lnRef>
+          <a:fillRef idx="1">
+            <a:schemeClr val="lt1"/>
+          </a:fillRef>
+          <a:effectRef idx="0">
+            <a:schemeClr val="dk1"/>
+          </a:effectRef>
+          <a:fontRef idx="minor">
+            <a:schemeClr val="dk1"/>
+          </a:fontRef>
+        </p:style>
+        <p:txBody>
+          <a:bodyPr rtlCol="0" anchor="ctr"/>
+          <a:lstStyle/>
+          <a:p>
+            <a:pPr algn="ctr"/>
+            <a:r>
+              <a:rPr lang="pt-PT" sz="800" dirty="0"/>
+              <a:t>Consultar a Qtable</a:t>
+            </a:r>
+          </a:p>
+        </p:txBody>
+      </p:sp>
+      <p:sp>
+        <p:nvSpPr>
+          <p:cNvPr id="45" name="Retângulo 44">
+            <a:extLst>
+              <a:ext uri="{FF2B5EF4-FFF2-40B4-BE49-F238E27FC236}">
+                <a16:creationId xmlns:a16="http://schemas.microsoft.com/office/drawing/2014/main" id="{D31AEE12-BE90-C724-3AB0-EF21C420EEDD}"/>
+              </a:ext>
+            </a:extLst>
+          </p:cNvPr>
+          <p:cNvSpPr/>
+          <p:nvPr/>
+        </p:nvSpPr>
+        <p:spPr>
+          <a:xfrm>
+            <a:off x="2708536" y="2310159"/>
+            <a:ext cx="1553102" cy="399097"/>
+          </a:xfrm>
+          <a:prstGeom prst="rect">
+            <a:avLst/>
+          </a:prstGeom>
+        </p:spPr>
+        <p:style>
+          <a:lnRef idx="2">
+            <a:schemeClr val="dk1"/>
+          </a:lnRef>
+          <a:fillRef idx="1">
+            <a:schemeClr val="lt1"/>
+          </a:fillRef>
+          <a:effectRef idx="0">
+            <a:schemeClr val="dk1"/>
+          </a:effectRef>
+          <a:fontRef idx="minor">
+            <a:schemeClr val="dk1"/>
+          </a:fontRef>
+        </p:style>
+        <p:txBody>
+          <a:bodyPr rtlCol="0" anchor="ctr"/>
+          <a:lstStyle/>
+          <a:p>
+            <a:pPr algn="ctr"/>
+            <a:r>
+              <a:rPr lang="pt-PT" sz="800" dirty="0"/>
+              <a:t>Iremos consultar os indicadores para tomar uma decisão</a:t>
+            </a:r>
+          </a:p>
+        </p:txBody>
+      </p:sp>
+      <p:sp>
+        <p:nvSpPr>
+          <p:cNvPr id="55" name="Retângulo 54">
+            <a:extLst>
+              <a:ext uri="{FF2B5EF4-FFF2-40B4-BE49-F238E27FC236}">
+                <a16:creationId xmlns:a16="http://schemas.microsoft.com/office/drawing/2014/main" id="{12AD0C3A-14DF-FC44-0F48-5FD00FFE0193}"/>
+              </a:ext>
+            </a:extLst>
+          </p:cNvPr>
+          <p:cNvSpPr/>
+          <p:nvPr/>
+        </p:nvSpPr>
+        <p:spPr>
+          <a:xfrm>
+            <a:off x="6605752" y="2310158"/>
+            <a:ext cx="1553102" cy="399097"/>
+          </a:xfrm>
+          <a:prstGeom prst="rect">
+            <a:avLst/>
+          </a:prstGeom>
+        </p:spPr>
+        <p:style>
+          <a:lnRef idx="2">
+            <a:schemeClr val="dk1"/>
+          </a:lnRef>
+          <a:fillRef idx="1">
+            <a:schemeClr val="lt1"/>
+          </a:fillRef>
+          <a:effectRef idx="0">
+            <a:schemeClr val="dk1"/>
+          </a:effectRef>
+          <a:fontRef idx="minor">
+            <a:schemeClr val="dk1"/>
+          </a:fontRef>
+        </p:style>
+        <p:txBody>
+          <a:bodyPr rtlCol="0" anchor="ctr"/>
+          <a:lstStyle/>
+          <a:p>
+            <a:pPr algn="ctr"/>
+            <a:r>
+              <a:rPr lang="pt-PT" sz="800" dirty="0"/>
+              <a:t>Ação </a:t>
+            </a:r>
+            <a:r>
+              <a:rPr lang="pt-PT" sz="800" dirty="0" err="1"/>
+              <a:t>Random</a:t>
+            </a:r>
+            <a:endParaRPr lang="pt-PT" sz="800" dirty="0"/>
+          </a:p>
+        </p:txBody>
+      </p:sp>
+      <p:cxnSp>
+        <p:nvCxnSpPr>
+          <p:cNvPr id="64" name="Conexão: Ângulo Reto 63">
+            <a:extLst>
+              <a:ext uri="{FF2B5EF4-FFF2-40B4-BE49-F238E27FC236}">
+                <a16:creationId xmlns:a16="http://schemas.microsoft.com/office/drawing/2014/main" id="{D4DCCC77-1821-1161-A454-578DB02745A5}"/>
+              </a:ext>
+            </a:extLst>
+          </p:cNvPr>
+          <p:cNvCxnSpPr>
+            <a:cxnSpLocks/>
+          </p:cNvCxnSpPr>
+          <p:nvPr/>
+        </p:nvCxnSpPr>
+        <p:spPr>
+          <a:xfrm rot="16200000" flipH="1">
+            <a:off x="3947171" y="2273142"/>
+            <a:ext cx="218138" cy="1090366"/>
+          </a:xfrm>
+          <a:prstGeom prst="bentConnector3">
+            <a:avLst>
+              <a:gd name="adj1" fmla="val 50000"/>
+            </a:avLst>
+          </a:prstGeom>
+          <a:ln>
+            <a:solidFill>
+              <a:schemeClr val="tx1"/>
+            </a:solidFill>
+            <a:tailEnd type="triangle"/>
+          </a:ln>
+        </p:spPr>
+        <p:style>
+          <a:lnRef idx="1">
+            <a:schemeClr val="accent1"/>
+          </a:lnRef>
+          <a:fillRef idx="0">
+            <a:schemeClr val="accent1"/>
+          </a:fillRef>
+          <a:effectRef idx="0">
+            <a:schemeClr val="accent1"/>
+          </a:effectRef>
+          <a:fontRef idx="minor">
+            <a:schemeClr val="tx1"/>
+          </a:fontRef>
+        </p:style>
+      </p:cxnSp>
+      <p:cxnSp>
+        <p:nvCxnSpPr>
+          <p:cNvPr id="69" name="Conexão: Ângulo Reto 68">
+            <a:extLst>
+              <a:ext uri="{FF2B5EF4-FFF2-40B4-BE49-F238E27FC236}">
+                <a16:creationId xmlns:a16="http://schemas.microsoft.com/office/drawing/2014/main" id="{A0634C8B-7D22-4B22-D8A8-9CEEEAE987B6}"/>
+              </a:ext>
+            </a:extLst>
+          </p:cNvPr>
+          <p:cNvCxnSpPr>
+            <a:cxnSpLocks/>
+            <a:stCxn id="55" idx="2"/>
+            <a:endCxn id="88" idx="6"/>
+          </p:cNvCxnSpPr>
+          <p:nvPr/>
+        </p:nvCxnSpPr>
+        <p:spPr>
+          <a:xfrm rot="5400000">
+            <a:off x="6106669" y="1959087"/>
+            <a:ext cx="525466" cy="2025803"/>
+          </a:xfrm>
+          <a:prstGeom prst="bentConnector2">
+            <a:avLst/>
+          </a:prstGeom>
+          <a:ln>
+            <a:solidFill>
+              <a:schemeClr val="tx1"/>
+            </a:solidFill>
+            <a:tailEnd type="triangle"/>
+          </a:ln>
+        </p:spPr>
+        <p:style>
+          <a:lnRef idx="1">
+            <a:schemeClr val="accent1"/>
+          </a:lnRef>
+          <a:fillRef idx="0">
+            <a:schemeClr val="accent1"/>
+          </a:fillRef>
+          <a:effectRef idx="0">
+            <a:schemeClr val="accent1"/>
+          </a:effectRef>
+          <a:fontRef idx="minor">
+            <a:schemeClr val="tx1"/>
+          </a:fontRef>
+        </p:style>
+      </p:cxnSp>
+      <p:sp>
+        <p:nvSpPr>
+          <p:cNvPr id="88" name="Oval 87">
+            <a:extLst>
+              <a:ext uri="{FF2B5EF4-FFF2-40B4-BE49-F238E27FC236}">
+                <a16:creationId xmlns:a16="http://schemas.microsoft.com/office/drawing/2014/main" id="{1334CDD1-A784-318E-F65B-21CA88D69FCF}"/>
+              </a:ext>
+            </a:extLst>
+          </p:cNvPr>
+          <p:cNvSpPr/>
+          <p:nvPr/>
+        </p:nvSpPr>
+        <p:spPr>
+          <a:xfrm>
+            <a:off x="3794406" y="2922912"/>
+            <a:ext cx="1562094" cy="623617"/>
+          </a:xfrm>
+          <a:prstGeom prst="ellipse">
+            <a:avLst/>
+          </a:prstGeom>
+          <a:solidFill>
+            <a:schemeClr val="bg1"/>
+          </a:solidFill>
+          <a:ln>
+            <a:solidFill>
+              <a:schemeClr val="tx1"/>
+            </a:solidFill>
+          </a:ln>
+        </p:spPr>
+        <p:style>
+          <a:lnRef idx="2">
+            <a:schemeClr val="accent1">
+              <a:shade val="15000"/>
+            </a:schemeClr>
+          </a:lnRef>
+          <a:fillRef idx="1">
+            <a:schemeClr val="accent1"/>
+          </a:fillRef>
+          <a:effectRef idx="0">
+            <a:schemeClr val="accent1"/>
+          </a:effectRef>
+          <a:fontRef idx="minor">
+            <a:schemeClr val="lt1"/>
+          </a:fontRef>
+        </p:style>
+        <p:txBody>
+          <a:bodyPr rtlCol="0" anchor="ctr"/>
+          <a:lstStyle/>
+          <a:p>
+            <a:pPr algn="ctr"/>
+            <a:r>
+              <a:rPr lang="pt-PT" sz="800" dirty="0">
+                <a:solidFill>
+                  <a:schemeClr val="tx1"/>
+                </a:solidFill>
+              </a:rPr>
+              <a:t>Ações </a:t>
+            </a:r>
+          </a:p>
+          <a:p>
+            <a:pPr marL="171450" indent="-171450" algn="ctr">
+              <a:buFont typeface="Arial" panose="020B0604020202020204" pitchFamily="34" charset="0"/>
+              <a:buChar char="•"/>
+            </a:pPr>
+            <a:r>
+              <a:rPr lang="pt-PT" sz="800" dirty="0">
+                <a:solidFill>
+                  <a:schemeClr val="tx1"/>
+                </a:solidFill>
+              </a:rPr>
+              <a:t>Comprar </a:t>
+            </a:r>
+          </a:p>
+          <a:p>
+            <a:pPr marL="171450" indent="-171450" algn="ctr">
+              <a:buFont typeface="Arial" panose="020B0604020202020204" pitchFamily="34" charset="0"/>
+              <a:buChar char="•"/>
+            </a:pPr>
+            <a:r>
+              <a:rPr lang="pt-PT" sz="800" dirty="0">
+                <a:solidFill>
+                  <a:schemeClr val="tx1"/>
+                </a:solidFill>
+              </a:rPr>
+              <a:t>Vender</a:t>
+            </a:r>
+          </a:p>
+          <a:p>
+            <a:pPr marL="171450" indent="-171450" algn="ctr">
+              <a:buFont typeface="Arial" panose="020B0604020202020204" pitchFamily="34" charset="0"/>
+              <a:buChar char="•"/>
+            </a:pPr>
+            <a:r>
+              <a:rPr lang="pt-PT" sz="800" dirty="0">
+                <a:solidFill>
+                  <a:schemeClr val="tx1"/>
+                </a:solidFill>
+              </a:rPr>
+              <a:t>Manter</a:t>
+            </a:r>
+          </a:p>
+        </p:txBody>
+      </p:sp>
+      <p:cxnSp>
+        <p:nvCxnSpPr>
+          <p:cNvPr id="103" name="Conexão: Ângulo Reto 102">
+            <a:extLst>
+              <a:ext uri="{FF2B5EF4-FFF2-40B4-BE49-F238E27FC236}">
+                <a16:creationId xmlns:a16="http://schemas.microsoft.com/office/drawing/2014/main" id="{3018E2BD-8026-6E0E-BD03-F1A0F0FCB676}"/>
+              </a:ext>
+            </a:extLst>
+          </p:cNvPr>
+          <p:cNvCxnSpPr>
+            <a:cxnSpLocks/>
+          </p:cNvCxnSpPr>
+          <p:nvPr/>
+        </p:nvCxnSpPr>
+        <p:spPr>
+          <a:xfrm rot="16200000" flipH="1">
+            <a:off x="2099305" y="1544101"/>
+            <a:ext cx="529947" cy="2860256"/>
+          </a:xfrm>
+          <a:prstGeom prst="bentConnector2">
+            <a:avLst/>
+          </a:prstGeom>
+          <a:ln>
+            <a:solidFill>
+              <a:schemeClr val="tx1"/>
+            </a:solidFill>
+            <a:tailEnd type="triangle"/>
+          </a:ln>
+        </p:spPr>
+        <p:style>
+          <a:lnRef idx="1">
+            <a:schemeClr val="accent1"/>
+          </a:lnRef>
+          <a:fillRef idx="0">
+            <a:schemeClr val="accent1"/>
+          </a:fillRef>
+          <a:effectRef idx="0">
+            <a:schemeClr val="accent1"/>
+          </a:effectRef>
+          <a:fontRef idx="minor">
+            <a:schemeClr val="tx1"/>
+          </a:fontRef>
+        </p:style>
+      </p:cxnSp>
+      <p:cxnSp>
+        <p:nvCxnSpPr>
+          <p:cNvPr id="104" name="Conexão: Ângulo Reto 103">
+            <a:extLst>
+              <a:ext uri="{FF2B5EF4-FFF2-40B4-BE49-F238E27FC236}">
+                <a16:creationId xmlns:a16="http://schemas.microsoft.com/office/drawing/2014/main" id="{97EFC9E6-AF9A-B991-6A56-66FC60F358BB}"/>
+              </a:ext>
+            </a:extLst>
+          </p:cNvPr>
+          <p:cNvCxnSpPr>
+            <a:cxnSpLocks/>
+            <a:stCxn id="88" idx="3"/>
+            <a:endCxn id="118" idx="3"/>
+          </p:cNvCxnSpPr>
+          <p:nvPr/>
+        </p:nvCxnSpPr>
+        <p:spPr>
+          <a:xfrm rot="5400000">
+            <a:off x="2636516" y="2345727"/>
+            <a:ext cx="277178" cy="2496129"/>
+          </a:xfrm>
+          <a:prstGeom prst="bentConnector2">
+            <a:avLst/>
+          </a:prstGeom>
+          <a:ln>
+            <a:solidFill>
+              <a:schemeClr val="tx1"/>
+            </a:solidFill>
+            <a:tailEnd type="triangle"/>
+          </a:ln>
+        </p:spPr>
+        <p:style>
+          <a:lnRef idx="1">
+            <a:schemeClr val="accent1"/>
+          </a:lnRef>
+          <a:fillRef idx="0">
+            <a:schemeClr val="accent1"/>
+          </a:fillRef>
+          <a:effectRef idx="0">
+            <a:schemeClr val="accent1"/>
+          </a:effectRef>
+          <a:fontRef idx="minor">
+            <a:schemeClr val="tx1"/>
+          </a:fontRef>
+        </p:style>
+      </p:cxnSp>
+      <p:cxnSp>
+        <p:nvCxnSpPr>
+          <p:cNvPr id="115" name="Conexão: Ângulo Reto 114">
+            <a:extLst>
+              <a:ext uri="{FF2B5EF4-FFF2-40B4-BE49-F238E27FC236}">
+                <a16:creationId xmlns:a16="http://schemas.microsoft.com/office/drawing/2014/main" id="{F2149A2B-E088-9D20-1AB7-796951B439E2}"/>
+              </a:ext>
+            </a:extLst>
+          </p:cNvPr>
+          <p:cNvCxnSpPr>
+            <a:cxnSpLocks/>
+            <a:stCxn id="88" idx="5"/>
+            <a:endCxn id="121" idx="1"/>
+          </p:cNvCxnSpPr>
+          <p:nvPr/>
+        </p:nvCxnSpPr>
+        <p:spPr>
+          <a:xfrm rot="16200000" flipH="1">
+            <a:off x="5818733" y="2764206"/>
+            <a:ext cx="279682" cy="1661674"/>
+          </a:xfrm>
+          <a:prstGeom prst="bentConnector2">
+            <a:avLst/>
+          </a:prstGeom>
+          <a:ln>
+            <a:solidFill>
+              <a:schemeClr val="tx1"/>
+            </a:solidFill>
+            <a:tailEnd type="triangle"/>
+          </a:ln>
+        </p:spPr>
+        <p:style>
+          <a:lnRef idx="1">
+            <a:schemeClr val="accent1"/>
+          </a:lnRef>
+          <a:fillRef idx="0">
+            <a:schemeClr val="accent1"/>
+          </a:fillRef>
+          <a:effectRef idx="0">
+            <a:schemeClr val="accent1"/>
+          </a:effectRef>
+          <a:fontRef idx="minor">
+            <a:schemeClr val="tx1"/>
+          </a:fontRef>
+        </p:style>
+      </p:cxnSp>
+      <p:sp>
+        <p:nvSpPr>
+          <p:cNvPr id="118" name="Retângulo 117">
+            <a:extLst>
+              <a:ext uri="{FF2B5EF4-FFF2-40B4-BE49-F238E27FC236}">
+                <a16:creationId xmlns:a16="http://schemas.microsoft.com/office/drawing/2014/main" id="{F333372A-0B1C-987E-4701-F1753DEEF7D3}"/>
+              </a:ext>
+            </a:extLst>
+          </p:cNvPr>
+          <p:cNvSpPr/>
+          <p:nvPr/>
+        </p:nvSpPr>
+        <p:spPr>
+          <a:xfrm>
+            <a:off x="341257" y="3533589"/>
+            <a:ext cx="1185783" cy="397582"/>
+          </a:xfrm>
+          <a:prstGeom prst="rect">
+            <a:avLst/>
+          </a:prstGeom>
+        </p:spPr>
+        <p:style>
+          <a:lnRef idx="2">
+            <a:schemeClr val="dk1"/>
+          </a:lnRef>
+          <a:fillRef idx="1">
+            <a:schemeClr val="lt1"/>
+          </a:fillRef>
+          <a:effectRef idx="0">
+            <a:schemeClr val="dk1"/>
+          </a:effectRef>
+          <a:fontRef idx="minor">
+            <a:schemeClr val="dk1"/>
+          </a:fontRef>
+        </p:style>
+        <p:txBody>
+          <a:bodyPr rtlCol="0" anchor="ctr"/>
+          <a:lstStyle/>
+          <a:p>
+            <a:pPr algn="ctr"/>
+            <a:r>
+              <a:rPr lang="pt-PT" sz="800" dirty="0"/>
+              <a:t>Comprar ou vender a ação</a:t>
+            </a:r>
+          </a:p>
+        </p:txBody>
+      </p:sp>
+      <p:sp>
+        <p:nvSpPr>
+          <p:cNvPr id="121" name="Retângulo 120">
+            <a:extLst>
+              <a:ext uri="{FF2B5EF4-FFF2-40B4-BE49-F238E27FC236}">
+                <a16:creationId xmlns:a16="http://schemas.microsoft.com/office/drawing/2014/main" id="{8C7CDE45-E53E-68B8-727F-8F0F15E23B49}"/>
+              </a:ext>
+            </a:extLst>
+          </p:cNvPr>
+          <p:cNvSpPr/>
+          <p:nvPr/>
+        </p:nvSpPr>
+        <p:spPr>
+          <a:xfrm>
+            <a:off x="6789411" y="3536093"/>
+            <a:ext cx="1185783" cy="397582"/>
+          </a:xfrm>
+          <a:prstGeom prst="rect">
+            <a:avLst/>
+          </a:prstGeom>
+        </p:spPr>
+        <p:style>
+          <a:lnRef idx="2">
+            <a:schemeClr val="dk1"/>
+          </a:lnRef>
+          <a:fillRef idx="1">
+            <a:schemeClr val="lt1"/>
+          </a:fillRef>
+          <a:effectRef idx="0">
+            <a:schemeClr val="dk1"/>
+          </a:effectRef>
+          <a:fontRef idx="minor">
+            <a:schemeClr val="dk1"/>
+          </a:fontRef>
+        </p:style>
+        <p:txBody>
+          <a:bodyPr rtlCol="0" anchor="ctr"/>
+          <a:lstStyle/>
+          <a:p>
+            <a:pPr algn="ctr"/>
+            <a:r>
+              <a:rPr lang="pt-PT" sz="800" dirty="0"/>
+              <a:t>Manter a ação</a:t>
+            </a:r>
+          </a:p>
+        </p:txBody>
+      </p:sp>
+      <p:sp>
+        <p:nvSpPr>
+          <p:cNvPr id="125" name="Retângulo 124">
+            <a:extLst>
+              <a:ext uri="{FF2B5EF4-FFF2-40B4-BE49-F238E27FC236}">
+                <a16:creationId xmlns:a16="http://schemas.microsoft.com/office/drawing/2014/main" id="{AA564A47-9458-AF72-F940-8FB1E2E0116B}"/>
+              </a:ext>
+            </a:extLst>
+          </p:cNvPr>
+          <p:cNvSpPr/>
+          <p:nvPr/>
+        </p:nvSpPr>
+        <p:spPr>
+          <a:xfrm>
+            <a:off x="341258" y="4225556"/>
+            <a:ext cx="1185782" cy="542139"/>
+          </a:xfrm>
+          <a:prstGeom prst="rect">
+            <a:avLst/>
+          </a:prstGeom>
+        </p:spPr>
+        <p:style>
+          <a:lnRef idx="2">
+            <a:schemeClr val="dk1"/>
+          </a:lnRef>
+          <a:fillRef idx="1">
+            <a:schemeClr val="lt1"/>
+          </a:fillRef>
+          <a:effectRef idx="0">
+            <a:schemeClr val="dk1"/>
+          </a:effectRef>
+          <a:fontRef idx="minor">
+            <a:schemeClr val="dk1"/>
+          </a:fontRef>
+        </p:style>
+        <p:txBody>
+          <a:bodyPr rtlCol="0" anchor="ctr"/>
+          <a:lstStyle/>
+          <a:p>
+            <a:pPr algn="ctr"/>
+            <a:r>
+              <a:rPr lang="pt-PT" sz="800" dirty="0"/>
+              <a:t>Calculamos a reward com base no desenvolvimento do asset</a:t>
+            </a:r>
+          </a:p>
+        </p:txBody>
+      </p:sp>
+      <p:cxnSp>
+        <p:nvCxnSpPr>
+          <p:cNvPr id="128" name="Conexão reta unidirecional 127">
+            <a:extLst>
+              <a:ext uri="{FF2B5EF4-FFF2-40B4-BE49-F238E27FC236}">
+                <a16:creationId xmlns:a16="http://schemas.microsoft.com/office/drawing/2014/main" id="{397AADB2-C848-AD89-EED3-FBB7144714F4}"/>
+              </a:ext>
+            </a:extLst>
+          </p:cNvPr>
+          <p:cNvCxnSpPr>
+            <a:cxnSpLocks/>
+            <a:stCxn id="118" idx="2"/>
+            <a:endCxn id="125" idx="0"/>
+          </p:cNvCxnSpPr>
+          <p:nvPr/>
+        </p:nvCxnSpPr>
+        <p:spPr>
+          <a:xfrm>
+            <a:off x="934149" y="3931171"/>
+            <a:ext cx="0" cy="294385"/>
+          </a:xfrm>
+          <a:prstGeom prst="straightConnector1">
+            <a:avLst/>
+          </a:prstGeom>
+          <a:ln>
+            <a:tailEnd type="triangle"/>
+          </a:ln>
+        </p:spPr>
+        <p:style>
+          <a:lnRef idx="1">
+            <a:schemeClr val="dk1"/>
+          </a:lnRef>
+          <a:fillRef idx="0">
+            <a:schemeClr val="dk1"/>
+          </a:fillRef>
+          <a:effectRef idx="0">
+            <a:schemeClr val="dk1"/>
+          </a:effectRef>
+          <a:fontRef idx="minor">
+            <a:schemeClr val="tx1"/>
+          </a:fontRef>
+        </p:style>
+      </p:cxnSp>
+      <p:cxnSp>
+        <p:nvCxnSpPr>
+          <p:cNvPr id="130" name="Conexão reta unidirecional 129">
+            <a:extLst>
+              <a:ext uri="{FF2B5EF4-FFF2-40B4-BE49-F238E27FC236}">
+                <a16:creationId xmlns:a16="http://schemas.microsoft.com/office/drawing/2014/main" id="{E23EE131-4463-39B1-3C70-DAB243DE6FC4}"/>
+              </a:ext>
+            </a:extLst>
+          </p:cNvPr>
+          <p:cNvCxnSpPr>
+            <a:cxnSpLocks/>
+            <a:stCxn id="121" idx="2"/>
+            <a:endCxn id="132" idx="0"/>
+          </p:cNvCxnSpPr>
+          <p:nvPr/>
+        </p:nvCxnSpPr>
+        <p:spPr>
+          <a:xfrm flipH="1">
+            <a:off x="7382302" y="3933675"/>
+            <a:ext cx="1" cy="297674"/>
+          </a:xfrm>
+          <a:prstGeom prst="straightConnector1">
+            <a:avLst/>
+          </a:prstGeom>
+          <a:ln>
+            <a:tailEnd type="triangle"/>
+          </a:ln>
+        </p:spPr>
+        <p:style>
+          <a:lnRef idx="1">
+            <a:schemeClr val="dk1"/>
+          </a:lnRef>
+          <a:fillRef idx="0">
+            <a:schemeClr val="dk1"/>
+          </a:fillRef>
+          <a:effectRef idx="0">
+            <a:schemeClr val="dk1"/>
+          </a:effectRef>
+          <a:fontRef idx="minor">
+            <a:schemeClr val="tx1"/>
+          </a:fontRef>
+        </p:style>
+      </p:cxnSp>
+      <p:sp>
+        <p:nvSpPr>
+          <p:cNvPr id="132" name="Retângulo 131">
+            <a:extLst>
+              <a:ext uri="{FF2B5EF4-FFF2-40B4-BE49-F238E27FC236}">
+                <a16:creationId xmlns:a16="http://schemas.microsoft.com/office/drawing/2014/main" id="{5DE5C8D7-970E-EA09-6E14-E4FE3F677D63}"/>
+              </a:ext>
+            </a:extLst>
+          </p:cNvPr>
+          <p:cNvSpPr/>
+          <p:nvPr/>
+        </p:nvSpPr>
+        <p:spPr>
+          <a:xfrm>
+            <a:off x="6789411" y="4231349"/>
+            <a:ext cx="1185782" cy="542139"/>
+          </a:xfrm>
+          <a:prstGeom prst="rect">
+            <a:avLst/>
+          </a:prstGeom>
+        </p:spPr>
+        <p:style>
+          <a:lnRef idx="2">
+            <a:schemeClr val="dk1"/>
+          </a:lnRef>
+          <a:fillRef idx="1">
+            <a:schemeClr val="lt1"/>
+          </a:fillRef>
+          <a:effectRef idx="0">
+            <a:schemeClr val="dk1"/>
+          </a:effectRef>
+          <a:fontRef idx="minor">
+            <a:schemeClr val="dk1"/>
+          </a:fontRef>
+        </p:style>
+        <p:txBody>
+          <a:bodyPr rtlCol="0" anchor="ctr"/>
+          <a:lstStyle/>
+          <a:p>
+            <a:pPr algn="ctr"/>
+            <a:r>
+              <a:rPr lang="pt-PT" sz="800" dirty="0"/>
+              <a:t>Calculamos a reward com base no desenvolvimento do mercado</a:t>
+            </a:r>
+          </a:p>
+        </p:txBody>
+      </p:sp>
+      <p:cxnSp>
+        <p:nvCxnSpPr>
+          <p:cNvPr id="141" name="Conexão: Ângulo Reto 140">
+            <a:extLst>
+              <a:ext uri="{FF2B5EF4-FFF2-40B4-BE49-F238E27FC236}">
+                <a16:creationId xmlns:a16="http://schemas.microsoft.com/office/drawing/2014/main" id="{4405149E-FE30-B00C-7193-3D12D1FD953E}"/>
+              </a:ext>
+            </a:extLst>
+          </p:cNvPr>
+          <p:cNvCxnSpPr>
+            <a:cxnSpLocks/>
+            <a:stCxn id="125" idx="3"/>
+            <a:endCxn id="154" idx="1"/>
+          </p:cNvCxnSpPr>
+          <p:nvPr/>
+        </p:nvCxnSpPr>
+        <p:spPr>
+          <a:xfrm>
+            <a:off x="1527040" y="4496626"/>
+            <a:ext cx="2455521" cy="159906"/>
+          </a:xfrm>
+          <a:prstGeom prst="bentConnector3">
+            <a:avLst/>
+          </a:prstGeom>
+          <a:ln>
+            <a:tailEnd type="triangle"/>
+          </a:ln>
+        </p:spPr>
+        <p:style>
+          <a:lnRef idx="1">
+            <a:schemeClr val="dk1"/>
+          </a:lnRef>
+          <a:fillRef idx="0">
+            <a:schemeClr val="dk1"/>
+          </a:fillRef>
+          <a:effectRef idx="0">
+            <a:schemeClr val="dk1"/>
+          </a:effectRef>
+          <a:fontRef idx="minor">
+            <a:schemeClr val="tx1"/>
+          </a:fontRef>
+        </p:style>
+      </p:cxnSp>
+      <p:cxnSp>
+        <p:nvCxnSpPr>
+          <p:cNvPr id="146" name="Conexão: Ângulo Reto 145">
+            <a:extLst>
+              <a:ext uri="{FF2B5EF4-FFF2-40B4-BE49-F238E27FC236}">
+                <a16:creationId xmlns:a16="http://schemas.microsoft.com/office/drawing/2014/main" id="{BCDD6760-19B0-34B3-9CF4-5211A03FE87A}"/>
+              </a:ext>
+            </a:extLst>
+          </p:cNvPr>
+          <p:cNvCxnSpPr>
+            <a:cxnSpLocks/>
+            <a:stCxn id="132" idx="1"/>
+            <a:endCxn id="154" idx="3"/>
+          </p:cNvCxnSpPr>
+          <p:nvPr/>
+        </p:nvCxnSpPr>
+        <p:spPr>
+          <a:xfrm rot="10800000" flipV="1">
+            <a:off x="5168345" y="4502418"/>
+            <a:ext cx="1621067" cy="154113"/>
+          </a:xfrm>
+          <a:prstGeom prst="bentConnector3">
+            <a:avLst/>
+          </a:prstGeom>
+          <a:ln>
+            <a:tailEnd type="triangle"/>
+          </a:ln>
+        </p:spPr>
+        <p:style>
+          <a:lnRef idx="1">
+            <a:schemeClr val="dk1"/>
+          </a:lnRef>
+          <a:fillRef idx="0">
+            <a:schemeClr val="dk1"/>
+          </a:fillRef>
+          <a:effectRef idx="0">
+            <a:schemeClr val="dk1"/>
+          </a:effectRef>
+          <a:fontRef idx="minor">
+            <a:schemeClr val="tx1"/>
+          </a:fontRef>
+        </p:style>
+      </p:cxnSp>
+      <p:sp>
+        <p:nvSpPr>
+          <p:cNvPr id="154" name="Retângulo 153">
+            <a:extLst>
+              <a:ext uri="{FF2B5EF4-FFF2-40B4-BE49-F238E27FC236}">
+                <a16:creationId xmlns:a16="http://schemas.microsoft.com/office/drawing/2014/main" id="{49A1304E-5F86-4624-E63C-71ACFAA515FC}"/>
+              </a:ext>
+            </a:extLst>
+          </p:cNvPr>
+          <p:cNvSpPr/>
+          <p:nvPr/>
+        </p:nvSpPr>
+        <p:spPr>
+          <a:xfrm>
+            <a:off x="3982561" y="4461793"/>
+            <a:ext cx="1185783" cy="389478"/>
+          </a:xfrm>
+          <a:prstGeom prst="rect">
+            <a:avLst/>
+          </a:prstGeom>
+        </p:spPr>
+        <p:style>
+          <a:lnRef idx="2">
+            <a:schemeClr val="dk1"/>
+          </a:lnRef>
+          <a:fillRef idx="1">
+            <a:schemeClr val="lt1"/>
+          </a:fillRef>
+          <a:effectRef idx="0">
+            <a:schemeClr val="dk1"/>
+          </a:effectRef>
+          <a:fontRef idx="minor">
+            <a:schemeClr val="dk1"/>
+          </a:fontRef>
+        </p:style>
+        <p:txBody>
+          <a:bodyPr rtlCol="0" anchor="ctr"/>
+          <a:lstStyle/>
+          <a:p>
+            <a:pPr algn="ctr"/>
+            <a:r>
+              <a:rPr lang="pt-PT" sz="800" dirty="0"/>
+              <a:t>Atualizar a Q-Table</a:t>
+            </a:r>
+          </a:p>
+        </p:txBody>
+      </p:sp>
+      <p:cxnSp>
+        <p:nvCxnSpPr>
+          <p:cNvPr id="168" name="Conexão: Ângulo Reto 167">
+            <a:extLst>
+              <a:ext uri="{FF2B5EF4-FFF2-40B4-BE49-F238E27FC236}">
+                <a16:creationId xmlns:a16="http://schemas.microsoft.com/office/drawing/2014/main" id="{A9FF0C5B-D11F-C907-C53F-34E5BB73D6BE}"/>
+              </a:ext>
+            </a:extLst>
+          </p:cNvPr>
+          <p:cNvCxnSpPr>
+            <a:cxnSpLocks/>
+            <a:stCxn id="154" idx="2"/>
+            <a:endCxn id="5" idx="3"/>
+          </p:cNvCxnSpPr>
+          <p:nvPr/>
+        </p:nvCxnSpPr>
+        <p:spPr>
+          <a:xfrm rot="5400000" flipH="1" flipV="1">
+            <a:off x="3000901" y="2393492"/>
+            <a:ext cx="4032331" cy="883228"/>
+          </a:xfrm>
+          <a:prstGeom prst="bentConnector4">
+            <a:avLst>
+              <a:gd name="adj1" fmla="val -4015"/>
+              <a:gd name="adj2" fmla="val 470980"/>
+            </a:avLst>
+          </a:prstGeom>
+          <a:ln>
+            <a:tailEnd type="triangle"/>
+          </a:ln>
+        </p:spPr>
+        <p:style>
+          <a:lnRef idx="1">
+            <a:schemeClr val="dk1"/>
+          </a:lnRef>
+          <a:fillRef idx="0">
+            <a:schemeClr val="dk1"/>
+          </a:fillRef>
+          <a:effectRef idx="0">
+            <a:schemeClr val="dk1"/>
+          </a:effectRef>
+          <a:fontRef idx="minor">
+            <a:schemeClr val="tx1"/>
+          </a:fontRef>
+        </p:style>
+      </p:cxnSp>
+      <p:sp>
+        <p:nvSpPr>
+          <p:cNvPr id="8" name="CaixaDeTexto 7">
+            <a:extLst>
+              <a:ext uri="{FF2B5EF4-FFF2-40B4-BE49-F238E27FC236}">
+                <a16:creationId xmlns:a16="http://schemas.microsoft.com/office/drawing/2014/main" id="{975B8CF6-1389-1FDE-19CE-7AB82F2C2B74}"/>
+              </a:ext>
+            </a:extLst>
+          </p:cNvPr>
+          <p:cNvSpPr txBox="1"/>
+          <p:nvPr/>
+        </p:nvSpPr>
+        <p:spPr>
+          <a:xfrm>
+            <a:off x="640907" y="1626244"/>
+            <a:ext cx="432273" cy="215444"/>
+          </a:xfrm>
+          <a:prstGeom prst="rect">
+            <a:avLst/>
+          </a:prstGeom>
+          <a:noFill/>
+        </p:spPr>
+        <p:txBody>
+          <a:bodyPr wrap="square" rtlCol="0">
+            <a:spAutoFit/>
+          </a:bodyPr>
+          <a:lstStyle/>
+          <a:p>
+            <a:r>
+              <a:rPr lang="pt-PT" sz="800" dirty="0"/>
+              <a:t>Sim</a:t>
+            </a:r>
+          </a:p>
+        </p:txBody>
+      </p:sp>
+      <p:sp>
+        <p:nvSpPr>
+          <p:cNvPr id="10" name="CaixaDeTexto 9">
+            <a:extLst>
+              <a:ext uri="{FF2B5EF4-FFF2-40B4-BE49-F238E27FC236}">
+                <a16:creationId xmlns:a16="http://schemas.microsoft.com/office/drawing/2014/main" id="{44D97C19-5030-5069-9650-6CC2065E7D1E}"/>
+              </a:ext>
+            </a:extLst>
+          </p:cNvPr>
+          <p:cNvSpPr txBox="1"/>
+          <p:nvPr/>
+        </p:nvSpPr>
+        <p:spPr>
+          <a:xfrm>
+            <a:off x="3078784" y="1663879"/>
+            <a:ext cx="432273" cy="215444"/>
+          </a:xfrm>
+          <a:prstGeom prst="rect">
+            <a:avLst/>
+          </a:prstGeom>
+          <a:noFill/>
+        </p:spPr>
+        <p:txBody>
+          <a:bodyPr wrap="square" rtlCol="0">
+            <a:spAutoFit/>
+          </a:bodyPr>
+          <a:lstStyle/>
+          <a:p>
+            <a:r>
+              <a:rPr lang="pt-PT" sz="800" dirty="0"/>
+              <a:t>Não</a:t>
+            </a:r>
+          </a:p>
+        </p:txBody>
+      </p:sp>
+      <p:sp>
+        <p:nvSpPr>
+          <p:cNvPr id="11" name="CaixaDeTexto 10">
+            <a:extLst>
+              <a:ext uri="{FF2B5EF4-FFF2-40B4-BE49-F238E27FC236}">
+                <a16:creationId xmlns:a16="http://schemas.microsoft.com/office/drawing/2014/main" id="{371262CD-3D39-7C20-B2E5-0C42AB16AD7A}"/>
+              </a:ext>
+            </a:extLst>
+          </p:cNvPr>
+          <p:cNvSpPr txBox="1"/>
+          <p:nvPr/>
+        </p:nvSpPr>
+        <p:spPr>
+          <a:xfrm>
+            <a:off x="103551" y="541205"/>
+            <a:ext cx="1939258" cy="415498"/>
+          </a:xfrm>
+          <a:prstGeom prst="rect">
+            <a:avLst/>
+          </a:prstGeom>
+          <a:noFill/>
+        </p:spPr>
+        <p:txBody>
+          <a:bodyPr wrap="square" rtlCol="0">
+            <a:spAutoFit/>
+          </a:bodyPr>
+          <a:lstStyle/>
+          <a:p>
+            <a:pPr marL="285750" indent="-285750">
+              <a:buFont typeface="Arial" panose="020B0604020202020204" pitchFamily="34" charset="0"/>
+              <a:buChar char="•"/>
+            </a:pPr>
+            <a:r>
+              <a:rPr lang="pt-PT" sz="700" dirty="0"/>
+              <a:t>Relembrar que a um terço das iterações o épsilon e a StrategyProb cai</a:t>
+            </a:r>
+          </a:p>
+        </p:txBody>
+      </p:sp>
+    </p:spTree>
+    <p:extLst>
+      <p:ext uri="{BB962C8B-B14F-4D97-AF65-F5344CB8AC3E}">
+        <p14:creationId xmlns:p14="http://schemas.microsoft.com/office/powerpoint/2010/main" val="657393517"/>
       </p:ext>
     </p:extLst>
   </p:cSld>
